--- a/challenge_0/flowchart.pptx
+++ b/challenge_0/flowchart.pptx
@@ -2,26 +2,26 @@
 <file path=ppt/presentation.xml><?xml version="1.0" encoding="utf-8"?>
 <p:presentation xmlns:a="http://schemas.openxmlformats.org/drawingml/2006/main" xmlns:r="http://schemas.openxmlformats.org/officeDocument/2006/relationships" xmlns:mc="http://schemas.openxmlformats.org/markup-compatibility/2006" xmlns:mv="urn:schemas-microsoft-com:mac:vml" xmlns:p="http://schemas.openxmlformats.org/presentationml/2006/main" xmlns:c="http://schemas.openxmlformats.org/drawingml/2006/chart" xmlns:dgm="http://schemas.openxmlformats.org/drawingml/2006/diagram" xmlns:o="urn:schemas-microsoft-com:office:office" xmlns:v="urn:schemas-microsoft-com:vml" xmlns:pvml="urn:schemas-microsoft-com:office:powerpoint" xmlns:com="http://schemas.openxmlformats.org/drawingml/2006/compatibility" xmlns:p14="http://schemas.microsoft.com/office/powerpoint/2010/main" autoCompressPictures="0" strictFirstAndLastChars="0" saveSubsetFonts="1">
   <p:sldMasterIdLst>
-    <p:sldMasterId id="2147483659" r:id="rId4"/>
+    <p:sldMasterId id="2147483659" r:id="rId3"/>
   </p:sldMasterIdLst>
   <p:notesMasterIdLst>
-    <p:notesMasterId r:id="rId5"/>
+    <p:notesMasterId r:id="rId4"/>
   </p:notesMasterIdLst>
   <p:sldIdLst>
-    <p:sldId id="256" r:id="rId6"/>
-    <p:sldId id="257" r:id="rId7"/>
-    <p:sldId id="258" r:id="rId8"/>
-    <p:sldId id="259" r:id="rId9"/>
-    <p:sldId id="260" r:id="rId10"/>
-    <p:sldId id="261" r:id="rId11"/>
-    <p:sldId id="262" r:id="rId12"/>
-    <p:sldId id="263" r:id="rId13"/>
-    <p:sldId id="264" r:id="rId14"/>
-    <p:sldId id="265" r:id="rId15"/>
-    <p:sldId id="266" r:id="rId16"/>
-    <p:sldId id="267" r:id="rId17"/>
-    <p:sldId id="268" r:id="rId18"/>
-    <p:sldId id="269" r:id="rId19"/>
+    <p:sldId id="256" r:id="rId5"/>
+    <p:sldId id="257" r:id="rId6"/>
+    <p:sldId id="258" r:id="rId7"/>
+    <p:sldId id="259" r:id="rId8"/>
+    <p:sldId id="260" r:id="rId9"/>
+    <p:sldId id="261" r:id="rId10"/>
+    <p:sldId id="262" r:id="rId11"/>
+    <p:sldId id="263" r:id="rId12"/>
+    <p:sldId id="264" r:id="rId13"/>
+    <p:sldId id="265" r:id="rId14"/>
+    <p:sldId id="266" r:id="rId15"/>
+    <p:sldId id="267" r:id="rId16"/>
+    <p:sldId id="268" r:id="rId17"/>
+    <p:sldId id="269" r:id="rId18"/>
   </p:sldIdLst>
   <p:sldSz cy="5143500" cx="9144000"/>
   <p:notesSz cx="6858000" cy="9144000"/>
@@ -393,7 +393,7 @@
   <p:cSld>
     <p:spTree>
       <p:nvGrpSpPr>
-        <p:cNvPr id="56" name="Shape 56"/>
+        <p:cNvPr id="49" name="Shape 49"/>
         <p:cNvGrpSpPr/>
         <p:nvPr/>
       </p:nvGrpSpPr>
@@ -407,7 +407,7 @@
       </p:grpSpPr>
       <p:sp>
         <p:nvSpPr>
-          <p:cNvPr id="57" name="Shape 57"/>
+          <p:cNvPr id="50" name="Shape 50"/>
           <p:cNvSpPr/>
           <p:nvPr>
             <p:ph idx="2" type="sldImg"/>
@@ -451,7 +451,7 @@
       </p:sp>
       <p:sp>
         <p:nvSpPr>
-          <p:cNvPr id="58" name="Shape 58"/>
+          <p:cNvPr id="51" name="Shape 51"/>
           <p:cNvSpPr txBox="1"/>
           <p:nvPr>
             <p:ph idx="1" type="body"/>
@@ -498,7 +498,7 @@
   <p:cSld>
     <p:spTree>
       <p:nvGrpSpPr>
-        <p:cNvPr id="246" name="Shape 246"/>
+        <p:cNvPr id="224" name="Shape 224"/>
         <p:cNvGrpSpPr/>
         <p:nvPr/>
       </p:nvGrpSpPr>
@@ -512,7 +512,7 @@
       </p:grpSpPr>
       <p:sp>
         <p:nvSpPr>
-          <p:cNvPr id="247" name="Shape 247"/>
+          <p:cNvPr id="225" name="Shape 225"/>
           <p:cNvSpPr/>
           <p:nvPr>
             <p:ph idx="2" type="sldImg"/>
@@ -556,7 +556,7 @@
       </p:sp>
       <p:sp>
         <p:nvSpPr>
-          <p:cNvPr id="248" name="Shape 248"/>
+          <p:cNvPr id="226" name="Shape 226"/>
           <p:cNvSpPr txBox="1"/>
           <p:nvPr>
             <p:ph idx="1" type="body"/>
@@ -603,7 +603,7 @@
   <p:cSld>
     <p:spTree>
       <p:nvGrpSpPr>
-        <p:cNvPr id="286" name="Shape 286"/>
+        <p:cNvPr id="253" name="Shape 253"/>
         <p:cNvGrpSpPr/>
         <p:nvPr/>
       </p:nvGrpSpPr>
@@ -617,7 +617,7 @@
       </p:grpSpPr>
       <p:sp>
         <p:nvSpPr>
-          <p:cNvPr id="287" name="Shape 287"/>
+          <p:cNvPr id="254" name="Shape 254"/>
           <p:cNvSpPr/>
           <p:nvPr>
             <p:ph idx="2" type="sldImg"/>
@@ -661,7 +661,7 @@
       </p:sp>
       <p:sp>
         <p:nvSpPr>
-          <p:cNvPr id="288" name="Shape 288"/>
+          <p:cNvPr id="255" name="Shape 255"/>
           <p:cNvSpPr txBox="1"/>
           <p:nvPr>
             <p:ph idx="1" type="body"/>
@@ -708,7 +708,7 @@
   <p:cSld>
     <p:spTree>
       <p:nvGrpSpPr>
-        <p:cNvPr id="316" name="Shape 316"/>
+        <p:cNvPr id="294" name="Shape 294"/>
         <p:cNvGrpSpPr/>
         <p:nvPr/>
       </p:nvGrpSpPr>
@@ -722,7 +722,7 @@
       </p:grpSpPr>
       <p:sp>
         <p:nvSpPr>
-          <p:cNvPr id="317" name="Shape 317"/>
+          <p:cNvPr id="295" name="Shape 295"/>
           <p:cNvSpPr/>
           <p:nvPr>
             <p:ph idx="2" type="sldImg"/>
@@ -766,7 +766,7 @@
       </p:sp>
       <p:sp>
         <p:nvSpPr>
-          <p:cNvPr id="318" name="Shape 318"/>
+          <p:cNvPr id="296" name="Shape 296"/>
           <p:cNvSpPr txBox="1"/>
           <p:nvPr>
             <p:ph idx="1" type="body"/>
@@ -813,7 +813,7 @@
   <p:cSld>
     <p:spTree>
       <p:nvGrpSpPr>
-        <p:cNvPr id="333" name="Shape 333"/>
+        <p:cNvPr id="314" name="Shape 314"/>
         <p:cNvGrpSpPr/>
         <p:nvPr/>
       </p:nvGrpSpPr>
@@ -827,7 +827,7 @@
       </p:grpSpPr>
       <p:sp>
         <p:nvSpPr>
-          <p:cNvPr id="334" name="Shape 334"/>
+          <p:cNvPr id="315" name="Shape 315"/>
           <p:cNvSpPr/>
           <p:nvPr>
             <p:ph idx="2" type="sldImg"/>
@@ -871,7 +871,7 @@
       </p:sp>
       <p:sp>
         <p:nvSpPr>
-          <p:cNvPr id="335" name="Shape 335"/>
+          <p:cNvPr id="316" name="Shape 316"/>
           <p:cNvSpPr txBox="1"/>
           <p:nvPr>
             <p:ph idx="1" type="body"/>
@@ -892,7 +892,7 @@
           </a:bodyPr>
           <a:lstStyle/>
           <a:p>
-            <a:pPr lvl="0" rtl="0">
+            <a:pPr>
               <a:spcBef>
                 <a:spcPts val="0"/>
               </a:spcBef>
@@ -918,7 +918,7 @@
   <p:cSld>
     <p:spTree>
       <p:nvGrpSpPr>
-        <p:cNvPr id="351" name="Shape 351"/>
+        <p:cNvPr id="339" name="Shape 339"/>
         <p:cNvGrpSpPr/>
         <p:nvPr/>
       </p:nvGrpSpPr>
@@ -932,7 +932,7 @@
       </p:grpSpPr>
       <p:sp>
         <p:nvSpPr>
-          <p:cNvPr id="352" name="Shape 352"/>
+          <p:cNvPr id="340" name="Shape 340"/>
           <p:cNvSpPr/>
           <p:nvPr>
             <p:ph idx="2" type="sldImg"/>
@@ -976,7 +976,7 @@
       </p:sp>
       <p:sp>
         <p:nvSpPr>
-          <p:cNvPr id="353" name="Shape 353"/>
+          <p:cNvPr id="341" name="Shape 341"/>
           <p:cNvSpPr txBox="1"/>
           <p:nvPr>
             <p:ph idx="1" type="body"/>
@@ -1023,7 +1023,7 @@
   <p:cSld>
     <p:spTree>
       <p:nvGrpSpPr>
-        <p:cNvPr id="68" name="Shape 68"/>
+        <p:cNvPr id="59" name="Shape 59"/>
         <p:cNvGrpSpPr/>
         <p:nvPr/>
       </p:nvGrpSpPr>
@@ -1037,7 +1037,7 @@
       </p:grpSpPr>
       <p:sp>
         <p:nvSpPr>
-          <p:cNvPr id="69" name="Shape 69"/>
+          <p:cNvPr id="60" name="Shape 60"/>
           <p:cNvSpPr/>
           <p:nvPr>
             <p:ph idx="2" type="sldImg"/>
@@ -1081,7 +1081,7 @@
       </p:sp>
       <p:sp>
         <p:nvSpPr>
-          <p:cNvPr id="70" name="Shape 70"/>
+          <p:cNvPr id="61" name="Shape 61"/>
           <p:cNvSpPr txBox="1"/>
           <p:nvPr>
             <p:ph idx="1" type="body"/>
@@ -1128,7 +1128,7 @@
   <p:cSld>
     <p:spTree>
       <p:nvGrpSpPr>
-        <p:cNvPr id="89" name="Shape 89"/>
+        <p:cNvPr id="71" name="Shape 71"/>
         <p:cNvGrpSpPr/>
         <p:nvPr/>
       </p:nvGrpSpPr>
@@ -1142,7 +1142,7 @@
       </p:grpSpPr>
       <p:sp>
         <p:nvSpPr>
-          <p:cNvPr id="90" name="Shape 90"/>
+          <p:cNvPr id="72" name="Shape 72"/>
           <p:cNvSpPr/>
           <p:nvPr>
             <p:ph idx="2" type="sldImg"/>
@@ -1186,7 +1186,7 @@
       </p:sp>
       <p:sp>
         <p:nvSpPr>
-          <p:cNvPr id="91" name="Shape 91"/>
+          <p:cNvPr id="73" name="Shape 73"/>
           <p:cNvSpPr txBox="1"/>
           <p:nvPr>
             <p:ph idx="1" type="body"/>
@@ -1233,7 +1233,7 @@
   <p:cSld>
     <p:spTree>
       <p:nvGrpSpPr>
-        <p:cNvPr id="108" name="Shape 108"/>
+        <p:cNvPr id="92" name="Shape 92"/>
         <p:cNvGrpSpPr/>
         <p:nvPr/>
       </p:nvGrpSpPr>
@@ -1247,7 +1247,7 @@
       </p:grpSpPr>
       <p:sp>
         <p:nvSpPr>
-          <p:cNvPr id="109" name="Shape 109"/>
+          <p:cNvPr id="93" name="Shape 93"/>
           <p:cNvSpPr/>
           <p:nvPr>
             <p:ph idx="2" type="sldImg"/>
@@ -1291,7 +1291,7 @@
       </p:sp>
       <p:sp>
         <p:nvSpPr>
-          <p:cNvPr id="110" name="Shape 110"/>
+          <p:cNvPr id="94" name="Shape 94"/>
           <p:cNvSpPr txBox="1"/>
           <p:nvPr>
             <p:ph idx="1" type="body"/>
@@ -1338,7 +1338,7 @@
   <p:cSld>
     <p:spTree>
       <p:nvGrpSpPr>
-        <p:cNvPr id="126" name="Shape 126"/>
+        <p:cNvPr id="111" name="Shape 111"/>
         <p:cNvGrpSpPr/>
         <p:nvPr/>
       </p:nvGrpSpPr>
@@ -1352,7 +1352,7 @@
       </p:grpSpPr>
       <p:sp>
         <p:nvSpPr>
-          <p:cNvPr id="127" name="Shape 127"/>
+          <p:cNvPr id="112" name="Shape 112"/>
           <p:cNvSpPr/>
           <p:nvPr>
             <p:ph idx="2" type="sldImg"/>
@@ -1396,7 +1396,7 @@
       </p:sp>
       <p:sp>
         <p:nvSpPr>
-          <p:cNvPr id="128" name="Shape 128"/>
+          <p:cNvPr id="113" name="Shape 113"/>
           <p:cNvSpPr txBox="1"/>
           <p:nvPr>
             <p:ph idx="1" type="body"/>
@@ -1443,7 +1443,7 @@
   <p:cSld>
     <p:spTree>
       <p:nvGrpSpPr>
-        <p:cNvPr id="140" name="Shape 140"/>
+        <p:cNvPr id="129" name="Shape 129"/>
         <p:cNvGrpSpPr/>
         <p:nvPr/>
       </p:nvGrpSpPr>
@@ -1457,7 +1457,7 @@
       </p:grpSpPr>
       <p:sp>
         <p:nvSpPr>
-          <p:cNvPr id="141" name="Shape 141"/>
+          <p:cNvPr id="130" name="Shape 130"/>
           <p:cNvSpPr/>
           <p:nvPr>
             <p:ph idx="2" type="sldImg"/>
@@ -1501,7 +1501,7 @@
       </p:sp>
       <p:sp>
         <p:nvSpPr>
-          <p:cNvPr id="142" name="Shape 142"/>
+          <p:cNvPr id="131" name="Shape 131"/>
           <p:cNvSpPr txBox="1"/>
           <p:nvPr>
             <p:ph idx="1" type="body"/>
@@ -1548,7 +1548,7 @@
   <p:cSld>
     <p:spTree>
       <p:nvGrpSpPr>
-        <p:cNvPr id="158" name="Shape 158"/>
+        <p:cNvPr id="147" name="Shape 147"/>
         <p:cNvGrpSpPr/>
         <p:nvPr/>
       </p:nvGrpSpPr>
@@ -1562,7 +1562,7 @@
       </p:grpSpPr>
       <p:sp>
         <p:nvSpPr>
-          <p:cNvPr id="159" name="Shape 159"/>
+          <p:cNvPr id="148" name="Shape 148"/>
           <p:cNvSpPr/>
           <p:nvPr>
             <p:ph idx="2" type="sldImg"/>
@@ -1606,7 +1606,7 @@
       </p:sp>
       <p:sp>
         <p:nvSpPr>
-          <p:cNvPr id="160" name="Shape 160"/>
+          <p:cNvPr id="149" name="Shape 149"/>
           <p:cNvSpPr txBox="1"/>
           <p:nvPr>
             <p:ph idx="1" type="body"/>
@@ -1653,7 +1653,7 @@
   <p:cSld>
     <p:spTree>
       <p:nvGrpSpPr>
-        <p:cNvPr id="188" name="Shape 188"/>
+        <p:cNvPr id="165" name="Shape 165"/>
         <p:cNvGrpSpPr/>
         <p:nvPr/>
       </p:nvGrpSpPr>
@@ -1667,7 +1667,7 @@
       </p:grpSpPr>
       <p:sp>
         <p:nvSpPr>
-          <p:cNvPr id="189" name="Shape 189"/>
+          <p:cNvPr id="166" name="Shape 166"/>
           <p:cNvSpPr/>
           <p:nvPr>
             <p:ph idx="2" type="sldImg"/>
@@ -1711,7 +1711,7 @@
       </p:sp>
       <p:sp>
         <p:nvSpPr>
-          <p:cNvPr id="190" name="Shape 190"/>
+          <p:cNvPr id="167" name="Shape 167"/>
           <p:cNvSpPr txBox="1"/>
           <p:nvPr>
             <p:ph idx="1" type="body"/>
@@ -1758,7 +1758,7 @@
   <p:cSld>
     <p:spTree>
       <p:nvGrpSpPr>
-        <p:cNvPr id="217" name="Shape 217"/>
+        <p:cNvPr id="195" name="Shape 195"/>
         <p:cNvGrpSpPr/>
         <p:nvPr/>
       </p:nvGrpSpPr>
@@ -1772,7 +1772,7 @@
       </p:grpSpPr>
       <p:sp>
         <p:nvSpPr>
-          <p:cNvPr id="218" name="Shape 218"/>
+          <p:cNvPr id="196" name="Shape 196"/>
           <p:cNvSpPr/>
           <p:nvPr>
             <p:ph idx="2" type="sldImg"/>
@@ -1816,7 +1816,7 @@
       </p:sp>
       <p:sp>
         <p:nvSpPr>
-          <p:cNvPr id="219" name="Shape 219"/>
+          <p:cNvPr id="197" name="Shape 197"/>
           <p:cNvSpPr txBox="1"/>
           <p:nvPr>
             <p:ph idx="1" type="body"/>
@@ -5072,7 +5072,7 @@
   <p:cSld>
     <p:spTree>
       <p:nvGrpSpPr>
-        <p:cNvPr id="49" name="Shape 49"/>
+        <p:cNvPr id="52" name="Shape 52"/>
         <p:cNvGrpSpPr/>
         <p:nvPr/>
       </p:nvGrpSpPr>
@@ -5086,7 +5086,7 @@
       </p:grpSpPr>
       <p:sp>
         <p:nvSpPr>
-          <p:cNvPr id="50" name="Shape 50"/>
+          <p:cNvPr id="53" name="Shape 53"/>
           <p:cNvSpPr txBox="1"/>
           <p:nvPr>
             <p:ph type="title"/>
@@ -5122,13 +5122,13 @@
       </p:sp>
       <p:sp>
         <p:nvSpPr>
-          <p:cNvPr id="51" name="Shape 51"/>
+          <p:cNvPr id="54" name="Shape 54"/>
           <p:cNvSpPr/>
           <p:nvPr/>
         </p:nvSpPr>
         <p:spPr>
           <a:xfrm>
-            <a:off x="4062942" y="1686225"/>
+            <a:off x="4062942" y="1761075"/>
             <a:ext cx="1018116" cy="339389"/>
           </a:xfrm>
           <a:prstGeom prst="flowChartTerminator">
@@ -5166,44 +5166,16 @@
           </a:p>
         </p:txBody>
       </p:sp>
-      <p:cxnSp>
-        <p:nvCxnSpPr>
-          <p:cNvPr id="52" name="Shape 52"/>
-          <p:cNvCxnSpPr>
-            <a:endCxn id="53" idx="0"/>
-          </p:cNvCxnSpPr>
-          <p:nvPr/>
-        </p:nvCxnSpPr>
-        <p:spPr>
-          <a:xfrm>
-            <a:off x="4571999" y="2025625"/>
-            <a:ext cx="0" cy="286200"/>
-          </a:xfrm>
-          <a:prstGeom prst="straightConnector1">
-            <a:avLst/>
-          </a:prstGeom>
-          <a:noFill/>
-          <a:ln cap="flat" cmpd="sng" w="9525">
-            <a:solidFill>
-              <a:schemeClr val="dk2"/>
-            </a:solidFill>
-            <a:prstDash val="solid"/>
-            <a:round/>
-            <a:headEnd len="lg" w="lg" type="none"/>
-            <a:tailEnd len="lg" w="lg" type="triangle"/>
-          </a:ln>
-        </p:spPr>
-      </p:cxnSp>
-      <p:sp>
-        <p:nvSpPr>
-          <p:cNvPr id="53" name="Shape 53"/>
+      <p:sp>
+        <p:nvSpPr>
+          <p:cNvPr id="55" name="Shape 55"/>
           <p:cNvSpPr/>
           <p:nvPr/>
         </p:nvSpPr>
         <p:spPr>
           <a:xfrm>
-            <a:off x="3819000" y="2311825"/>
-            <a:ext cx="1505999" cy="455999"/>
+            <a:off x="3550950" y="2428350"/>
+            <a:ext cx="2040899" cy="286800"/>
           </a:xfrm>
           <a:prstGeom prst="rect">
             <a:avLst/>
@@ -5235,49 +5207,20 @@
             </a:pPr>
             <a:r>
               <a:rPr lang="ja"/>
-              <a:t>文字「こんにちは」を画面に表示</a:t>
+              <a:t>文字「こんにちは」を表示</a:t>
             </a:r>
           </a:p>
         </p:txBody>
       </p:sp>
-      <p:cxnSp>
-        <p:nvCxnSpPr>
-          <p:cNvPr id="54" name="Shape 54"/>
-          <p:cNvCxnSpPr>
-            <a:stCxn id="53" idx="2"/>
-            <a:endCxn id="55" idx="0"/>
-          </p:cNvCxnSpPr>
-          <p:nvPr/>
-        </p:nvCxnSpPr>
-        <p:spPr>
-          <a:xfrm flipH="1">
-            <a:off x="4571399" y="2767824"/>
-            <a:ext cx="600" cy="286200"/>
-          </a:xfrm>
-          <a:prstGeom prst="straightConnector1">
-            <a:avLst/>
-          </a:prstGeom>
-          <a:noFill/>
-          <a:ln cap="flat" cmpd="sng" w="9525">
-            <a:solidFill>
-              <a:schemeClr val="dk2"/>
-            </a:solidFill>
-            <a:prstDash val="solid"/>
-            <a:round/>
-            <a:headEnd len="lg" w="lg" type="none"/>
-            <a:tailEnd len="lg" w="lg" type="triangle"/>
-          </a:ln>
-        </p:spPr>
-      </p:cxnSp>
-      <p:sp>
-        <p:nvSpPr>
-          <p:cNvPr id="55" name="Shape 55"/>
+      <p:sp>
+        <p:nvSpPr>
+          <p:cNvPr id="56" name="Shape 56"/>
           <p:cNvSpPr/>
           <p:nvPr/>
         </p:nvSpPr>
         <p:spPr>
           <a:xfrm>
-            <a:off x="4062337" y="3054025"/>
+            <a:off x="4062337" y="3043025"/>
             <a:ext cx="1018116" cy="339389"/>
           </a:xfrm>
           <a:prstGeom prst="flowChartTerminator">
@@ -5315,6 +5258,64 @@
           </a:p>
         </p:txBody>
       </p:sp>
+      <p:cxnSp>
+        <p:nvCxnSpPr>
+          <p:cNvPr id="57" name="Shape 57"/>
+          <p:cNvCxnSpPr>
+            <a:stCxn id="54" idx="2"/>
+            <a:endCxn id="55" idx="0"/>
+          </p:cNvCxnSpPr>
+          <p:nvPr/>
+        </p:nvCxnSpPr>
+        <p:spPr>
+          <a:xfrm flipH="1">
+            <a:off x="4571400" y="2100464"/>
+            <a:ext cx="600" cy="327900"/>
+          </a:xfrm>
+          <a:prstGeom prst="straightConnector1">
+            <a:avLst/>
+          </a:prstGeom>
+          <a:noFill/>
+          <a:ln cap="flat" cmpd="sng" w="9525">
+            <a:solidFill>
+              <a:schemeClr val="dk2"/>
+            </a:solidFill>
+            <a:prstDash val="solid"/>
+            <a:round/>
+            <a:headEnd len="lg" w="lg" type="none"/>
+            <a:tailEnd len="lg" w="lg" type="triangle"/>
+          </a:ln>
+        </p:spPr>
+      </p:cxnSp>
+      <p:cxnSp>
+        <p:nvCxnSpPr>
+          <p:cNvPr id="58" name="Shape 58"/>
+          <p:cNvCxnSpPr>
+            <a:stCxn id="55" idx="2"/>
+            <a:endCxn id="56" idx="0"/>
+          </p:cNvCxnSpPr>
+          <p:nvPr/>
+        </p:nvCxnSpPr>
+        <p:spPr>
+          <a:xfrm>
+            <a:off x="4571399" y="2715150"/>
+            <a:ext cx="0" cy="327900"/>
+          </a:xfrm>
+          <a:prstGeom prst="straightConnector1">
+            <a:avLst/>
+          </a:prstGeom>
+          <a:noFill/>
+          <a:ln cap="flat" cmpd="sng" w="9525">
+            <a:solidFill>
+              <a:schemeClr val="dk2"/>
+            </a:solidFill>
+            <a:prstDash val="solid"/>
+            <a:round/>
+            <a:headEnd len="lg" w="lg" type="none"/>
+            <a:tailEnd len="lg" w="lg" type="triangle"/>
+          </a:ln>
+        </p:spPr>
+      </p:cxnSp>
     </p:spTree>
   </p:cSld>
   <p:clrMapOvr>
@@ -5331,7 +5332,7 @@
   <p:cSld>
     <p:spTree>
       <p:nvGrpSpPr>
-        <p:cNvPr id="220" name="Shape 220"/>
+        <p:cNvPr id="227" name="Shape 227"/>
         <p:cNvGrpSpPr/>
         <p:nvPr/>
       </p:nvGrpSpPr>
@@ -5345,7 +5346,7 @@
       </p:grpSpPr>
       <p:sp>
         <p:nvSpPr>
-          <p:cNvPr id="221" name="Shape 221"/>
+          <p:cNvPr id="228" name="Shape 228"/>
           <p:cNvSpPr txBox="1"/>
           <p:nvPr>
             <p:ph type="title"/>
@@ -5381,7 +5382,7 @@
       </p:sp>
       <p:sp>
         <p:nvSpPr>
-          <p:cNvPr id="222" name="Shape 222"/>
+          <p:cNvPr id="229" name="Shape 229"/>
           <p:cNvSpPr/>
           <p:nvPr/>
         </p:nvSpPr>
@@ -5421,277 +5422,6 @@
             <a:r>
               <a:rPr lang="ja"/>
               <a:t>start</a:t>
-            </a:r>
-          </a:p>
-        </p:txBody>
-      </p:sp>
-      <p:cxnSp>
-        <p:nvCxnSpPr>
-          <p:cNvPr id="223" name="Shape 223"/>
-          <p:cNvCxnSpPr>
-            <a:stCxn id="222" idx="2"/>
-          </p:cNvCxnSpPr>
-          <p:nvPr/>
-        </p:nvCxnSpPr>
-        <p:spPr>
-          <a:xfrm flipH="1">
-            <a:off x="4569900" y="673539"/>
-            <a:ext cx="1200" cy="223200"/>
-          </a:xfrm>
-          <a:prstGeom prst="straightConnector1">
-            <a:avLst/>
-          </a:prstGeom>
-          <a:noFill/>
-          <a:ln cap="flat" cmpd="sng" w="9525">
-            <a:solidFill>
-              <a:schemeClr val="dk2"/>
-            </a:solidFill>
-            <a:prstDash val="solid"/>
-            <a:round/>
-            <a:headEnd len="lg" w="lg" type="none"/>
-            <a:tailEnd len="lg" w="lg" type="triangle"/>
-          </a:ln>
-        </p:spPr>
-      </p:cxnSp>
-      <p:sp>
-        <p:nvSpPr>
-          <p:cNvPr id="224" name="Shape 224"/>
-          <p:cNvSpPr/>
-          <p:nvPr/>
-        </p:nvSpPr>
-        <p:spPr>
-          <a:xfrm>
-            <a:off x="4328125" y="912150"/>
-            <a:ext cx="487799" cy="275699"/>
-          </a:xfrm>
-          <a:prstGeom prst="rect">
-            <a:avLst/>
-          </a:prstGeom>
-          <a:solidFill>
-            <a:schemeClr val="lt2"/>
-          </a:solidFill>
-          <a:ln cap="flat" cmpd="sng" w="9525">
-            <a:solidFill>
-              <a:schemeClr val="dk2"/>
-            </a:solidFill>
-            <a:prstDash val="solid"/>
-            <a:round/>
-            <a:headEnd len="med" w="med" type="none"/>
-            <a:tailEnd len="med" w="med" type="none"/>
-          </a:ln>
-        </p:spPr>
-        <p:txBody>
-          <a:bodyPr anchorCtr="0" anchor="ctr" bIns="91425" lIns="91425" rIns="91425" tIns="91425">
-            <a:noAutofit/>
-          </a:bodyPr>
-          <a:lstStyle/>
-          <a:p>
-            <a:pPr algn="ctr">
-              <a:spcBef>
-                <a:spcPts val="0"/>
-              </a:spcBef>
-              <a:buNone/>
-            </a:pPr>
-            <a:r>
-              <a:rPr lang="ja"/>
-              <a:t>x=1</a:t>
-            </a:r>
-          </a:p>
-        </p:txBody>
-      </p:sp>
-      <p:cxnSp>
-        <p:nvCxnSpPr>
-          <p:cNvPr id="225" name="Shape 225"/>
-          <p:cNvCxnSpPr>
-            <a:stCxn id="224" idx="2"/>
-          </p:cNvCxnSpPr>
-          <p:nvPr/>
-        </p:nvCxnSpPr>
-        <p:spPr>
-          <a:xfrm flipH="1">
-            <a:off x="4570824" y="1187849"/>
-            <a:ext cx="1200" cy="233100"/>
-          </a:xfrm>
-          <a:prstGeom prst="straightConnector1">
-            <a:avLst/>
-          </a:prstGeom>
-          <a:noFill/>
-          <a:ln cap="flat" cmpd="sng" w="9525">
-            <a:solidFill>
-              <a:schemeClr val="dk2"/>
-            </a:solidFill>
-            <a:prstDash val="solid"/>
-            <a:round/>
-            <a:headEnd len="lg" w="lg" type="none"/>
-            <a:tailEnd len="lg" w="lg" type="triangle"/>
-          </a:ln>
-        </p:spPr>
-      </p:cxnSp>
-      <p:sp>
-        <p:nvSpPr>
-          <p:cNvPr id="226" name="Shape 226"/>
-          <p:cNvSpPr/>
-          <p:nvPr/>
-        </p:nvSpPr>
-        <p:spPr>
-          <a:xfrm>
-            <a:off x="3856800" y="1428987"/>
-            <a:ext cx="1430700" cy="233099"/>
-          </a:xfrm>
-          <a:prstGeom prst="snip2SameRect">
-            <a:avLst>
-              <a:gd fmla="val 50000" name="adj1"/>
-              <a:gd fmla="val 0" name="adj2"/>
-            </a:avLst>
-          </a:prstGeom>
-          <a:solidFill>
-            <a:schemeClr val="lt2"/>
-          </a:solidFill>
-          <a:ln cap="flat" cmpd="sng" w="9525">
-            <a:solidFill>
-              <a:schemeClr val="dk2"/>
-            </a:solidFill>
-            <a:prstDash val="solid"/>
-            <a:round/>
-            <a:headEnd len="med" w="med" type="none"/>
-            <a:tailEnd len="med" w="med" type="none"/>
-          </a:ln>
-        </p:spPr>
-        <p:txBody>
-          <a:bodyPr anchorCtr="0" anchor="ctr" bIns="91425" lIns="91425" rIns="91425" tIns="91425">
-            <a:noAutofit/>
-          </a:bodyPr>
-          <a:lstStyle/>
-          <a:p>
-            <a:pPr>
-              <a:spcBef>
-                <a:spcPts val="0"/>
-              </a:spcBef>
-              <a:buNone/>
-            </a:pPr>
-            <a:r>
-              <a:rPr lang="ja"/>
-              <a:t>xの値が6以下</a:t>
-            </a:r>
-          </a:p>
-        </p:txBody>
-      </p:sp>
-      <p:sp>
-        <p:nvSpPr>
-          <p:cNvPr id="227" name="Shape 227"/>
-          <p:cNvSpPr/>
-          <p:nvPr/>
-        </p:nvSpPr>
-        <p:spPr>
-          <a:xfrm>
-            <a:off x="3988675" y="1818162"/>
-            <a:ext cx="1166700" cy="275699"/>
-          </a:xfrm>
-          <a:prstGeom prst="rect">
-            <a:avLst/>
-          </a:prstGeom>
-          <a:solidFill>
-            <a:schemeClr val="lt2"/>
-          </a:solidFill>
-          <a:ln cap="flat" cmpd="sng" w="9525">
-            <a:solidFill>
-              <a:schemeClr val="dk2"/>
-            </a:solidFill>
-            <a:prstDash val="solid"/>
-            <a:round/>
-            <a:headEnd len="med" w="med" type="none"/>
-            <a:tailEnd len="med" w="med" type="none"/>
-          </a:ln>
-        </p:spPr>
-        <p:txBody>
-          <a:bodyPr anchorCtr="0" anchor="ctr" bIns="91425" lIns="91425" rIns="91425" tIns="91425">
-            <a:noAutofit/>
-          </a:bodyPr>
-          <a:lstStyle/>
-          <a:p>
-            <a:pPr algn="ctr">
-              <a:spcBef>
-                <a:spcPts val="0"/>
-              </a:spcBef>
-              <a:buNone/>
-            </a:pPr>
-            <a:r>
-              <a:rPr lang="ja"/>
-              <a:t>xに1をプラス</a:t>
-            </a:r>
-          </a:p>
-        </p:txBody>
-      </p:sp>
-      <p:cxnSp>
-        <p:nvCxnSpPr>
-          <p:cNvPr id="228" name="Shape 228"/>
-          <p:cNvCxnSpPr>
-            <a:stCxn id="227" idx="2"/>
-          </p:cNvCxnSpPr>
-          <p:nvPr/>
-        </p:nvCxnSpPr>
-        <p:spPr>
-          <a:xfrm flipH="1">
-            <a:off x="4571425" y="2093862"/>
-            <a:ext cx="600" cy="201600"/>
-          </a:xfrm>
-          <a:prstGeom prst="straightConnector1">
-            <a:avLst/>
-          </a:prstGeom>
-          <a:noFill/>
-          <a:ln cap="flat" cmpd="sng" w="9525">
-            <a:solidFill>
-              <a:schemeClr val="dk2"/>
-            </a:solidFill>
-            <a:prstDash val="solid"/>
-            <a:round/>
-            <a:headEnd len="lg" w="lg" type="none"/>
-            <a:tailEnd len="lg" w="lg" type="triangle"/>
-          </a:ln>
-        </p:spPr>
-      </p:cxnSp>
-      <p:sp>
-        <p:nvSpPr>
-          <p:cNvPr id="229" name="Shape 229"/>
-          <p:cNvSpPr/>
-          <p:nvPr/>
-        </p:nvSpPr>
-        <p:spPr>
-          <a:xfrm>
-            <a:off x="3988650" y="2307637"/>
-            <a:ext cx="1166700" cy="275699"/>
-          </a:xfrm>
-          <a:prstGeom prst="rect">
-            <a:avLst/>
-          </a:prstGeom>
-          <a:solidFill>
-            <a:schemeClr val="lt2"/>
-          </a:solidFill>
-          <a:ln cap="flat" cmpd="sng" w="9525">
-            <a:solidFill>
-              <a:schemeClr val="dk2"/>
-            </a:solidFill>
-            <a:prstDash val="solid"/>
-            <a:round/>
-            <a:headEnd len="med" w="med" type="none"/>
-            <a:tailEnd len="med" w="med" type="none"/>
-          </a:ln>
-        </p:spPr>
-        <p:txBody>
-          <a:bodyPr anchorCtr="0" anchor="ctr" bIns="91425" lIns="91425" rIns="91425" tIns="91425">
-            <a:noAutofit/>
-          </a:bodyPr>
-          <a:lstStyle/>
-          <a:p>
-            <a:pPr algn="ctr">
-              <a:spcBef>
-                <a:spcPts val="0"/>
-              </a:spcBef>
-              <a:buNone/>
-            </a:pPr>
-            <a:r>
-              <a:rPr lang="ja"/>
-              <a:t>xの値を表示</a:t>
             </a:r>
           </a:p>
         </p:txBody>
@@ -5706,6 +5436,277 @@
         </p:nvCxnSpPr>
         <p:spPr>
           <a:xfrm flipH="1">
+            <a:off x="4569900" y="673539"/>
+            <a:ext cx="1200" cy="223200"/>
+          </a:xfrm>
+          <a:prstGeom prst="straightConnector1">
+            <a:avLst/>
+          </a:prstGeom>
+          <a:noFill/>
+          <a:ln cap="flat" cmpd="sng" w="9525">
+            <a:solidFill>
+              <a:schemeClr val="dk2"/>
+            </a:solidFill>
+            <a:prstDash val="solid"/>
+            <a:round/>
+            <a:headEnd len="lg" w="lg" type="none"/>
+            <a:tailEnd len="lg" w="lg" type="triangle"/>
+          </a:ln>
+        </p:spPr>
+      </p:cxnSp>
+      <p:sp>
+        <p:nvSpPr>
+          <p:cNvPr id="231" name="Shape 231"/>
+          <p:cNvSpPr/>
+          <p:nvPr/>
+        </p:nvSpPr>
+        <p:spPr>
+          <a:xfrm>
+            <a:off x="4328125" y="912150"/>
+            <a:ext cx="487799" cy="275699"/>
+          </a:xfrm>
+          <a:prstGeom prst="rect">
+            <a:avLst/>
+          </a:prstGeom>
+          <a:solidFill>
+            <a:schemeClr val="lt2"/>
+          </a:solidFill>
+          <a:ln cap="flat" cmpd="sng" w="9525">
+            <a:solidFill>
+              <a:schemeClr val="dk2"/>
+            </a:solidFill>
+            <a:prstDash val="solid"/>
+            <a:round/>
+            <a:headEnd len="med" w="med" type="none"/>
+            <a:tailEnd len="med" w="med" type="none"/>
+          </a:ln>
+        </p:spPr>
+        <p:txBody>
+          <a:bodyPr anchorCtr="0" anchor="ctr" bIns="91425" lIns="91425" rIns="91425" tIns="91425">
+            <a:noAutofit/>
+          </a:bodyPr>
+          <a:lstStyle/>
+          <a:p>
+            <a:pPr algn="ctr">
+              <a:spcBef>
+                <a:spcPts val="0"/>
+              </a:spcBef>
+              <a:buNone/>
+            </a:pPr>
+            <a:r>
+              <a:rPr lang="ja"/>
+              <a:t>x=1</a:t>
+            </a:r>
+          </a:p>
+        </p:txBody>
+      </p:sp>
+      <p:cxnSp>
+        <p:nvCxnSpPr>
+          <p:cNvPr id="232" name="Shape 232"/>
+          <p:cNvCxnSpPr>
+            <a:stCxn id="231" idx="2"/>
+          </p:cNvCxnSpPr>
+          <p:nvPr/>
+        </p:nvCxnSpPr>
+        <p:spPr>
+          <a:xfrm flipH="1">
+            <a:off x="4570824" y="1187849"/>
+            <a:ext cx="1200" cy="233100"/>
+          </a:xfrm>
+          <a:prstGeom prst="straightConnector1">
+            <a:avLst/>
+          </a:prstGeom>
+          <a:noFill/>
+          <a:ln cap="flat" cmpd="sng" w="9525">
+            <a:solidFill>
+              <a:schemeClr val="dk2"/>
+            </a:solidFill>
+            <a:prstDash val="solid"/>
+            <a:round/>
+            <a:headEnd len="lg" w="lg" type="none"/>
+            <a:tailEnd len="lg" w="lg" type="triangle"/>
+          </a:ln>
+        </p:spPr>
+      </p:cxnSp>
+      <p:sp>
+        <p:nvSpPr>
+          <p:cNvPr id="233" name="Shape 233"/>
+          <p:cNvSpPr/>
+          <p:nvPr/>
+        </p:nvSpPr>
+        <p:spPr>
+          <a:xfrm>
+            <a:off x="3856800" y="1428987"/>
+            <a:ext cx="1430700" cy="233099"/>
+          </a:xfrm>
+          <a:prstGeom prst="snip2SameRect">
+            <a:avLst>
+              <a:gd fmla="val 50000" name="adj1"/>
+              <a:gd fmla="val 0" name="adj2"/>
+            </a:avLst>
+          </a:prstGeom>
+          <a:solidFill>
+            <a:schemeClr val="lt2"/>
+          </a:solidFill>
+          <a:ln cap="flat" cmpd="sng" w="9525">
+            <a:solidFill>
+              <a:schemeClr val="dk2"/>
+            </a:solidFill>
+            <a:prstDash val="solid"/>
+            <a:round/>
+            <a:headEnd len="med" w="med" type="none"/>
+            <a:tailEnd len="med" w="med" type="none"/>
+          </a:ln>
+        </p:spPr>
+        <p:txBody>
+          <a:bodyPr anchorCtr="0" anchor="ctr" bIns="91425" lIns="91425" rIns="91425" tIns="91425">
+            <a:noAutofit/>
+          </a:bodyPr>
+          <a:lstStyle/>
+          <a:p>
+            <a:pPr>
+              <a:spcBef>
+                <a:spcPts val="0"/>
+              </a:spcBef>
+              <a:buNone/>
+            </a:pPr>
+            <a:r>
+              <a:rPr lang="ja"/>
+              <a:t>xの値が6以下</a:t>
+            </a:r>
+          </a:p>
+        </p:txBody>
+      </p:sp>
+      <p:sp>
+        <p:nvSpPr>
+          <p:cNvPr id="234" name="Shape 234"/>
+          <p:cNvSpPr/>
+          <p:nvPr/>
+        </p:nvSpPr>
+        <p:spPr>
+          <a:xfrm>
+            <a:off x="3988675" y="1818162"/>
+            <a:ext cx="1166700" cy="275699"/>
+          </a:xfrm>
+          <a:prstGeom prst="rect">
+            <a:avLst/>
+          </a:prstGeom>
+          <a:solidFill>
+            <a:schemeClr val="lt2"/>
+          </a:solidFill>
+          <a:ln cap="flat" cmpd="sng" w="9525">
+            <a:solidFill>
+              <a:schemeClr val="dk2"/>
+            </a:solidFill>
+            <a:prstDash val="solid"/>
+            <a:round/>
+            <a:headEnd len="med" w="med" type="none"/>
+            <a:tailEnd len="med" w="med" type="none"/>
+          </a:ln>
+        </p:spPr>
+        <p:txBody>
+          <a:bodyPr anchorCtr="0" anchor="ctr" bIns="91425" lIns="91425" rIns="91425" tIns="91425">
+            <a:noAutofit/>
+          </a:bodyPr>
+          <a:lstStyle/>
+          <a:p>
+            <a:pPr algn="ctr">
+              <a:spcBef>
+                <a:spcPts val="0"/>
+              </a:spcBef>
+              <a:buNone/>
+            </a:pPr>
+            <a:r>
+              <a:rPr lang="ja"/>
+              <a:t>xに1をプラス</a:t>
+            </a:r>
+          </a:p>
+        </p:txBody>
+      </p:sp>
+      <p:cxnSp>
+        <p:nvCxnSpPr>
+          <p:cNvPr id="235" name="Shape 235"/>
+          <p:cNvCxnSpPr>
+            <a:stCxn id="234" idx="2"/>
+          </p:cNvCxnSpPr>
+          <p:nvPr/>
+        </p:nvCxnSpPr>
+        <p:spPr>
+          <a:xfrm flipH="1">
+            <a:off x="4571425" y="2093862"/>
+            <a:ext cx="600" cy="201600"/>
+          </a:xfrm>
+          <a:prstGeom prst="straightConnector1">
+            <a:avLst/>
+          </a:prstGeom>
+          <a:noFill/>
+          <a:ln cap="flat" cmpd="sng" w="9525">
+            <a:solidFill>
+              <a:schemeClr val="dk2"/>
+            </a:solidFill>
+            <a:prstDash val="solid"/>
+            <a:round/>
+            <a:headEnd len="lg" w="lg" type="none"/>
+            <a:tailEnd len="lg" w="lg" type="triangle"/>
+          </a:ln>
+        </p:spPr>
+      </p:cxnSp>
+      <p:sp>
+        <p:nvSpPr>
+          <p:cNvPr id="236" name="Shape 236"/>
+          <p:cNvSpPr/>
+          <p:nvPr/>
+        </p:nvSpPr>
+        <p:spPr>
+          <a:xfrm>
+            <a:off x="3988650" y="2307637"/>
+            <a:ext cx="1166700" cy="275699"/>
+          </a:xfrm>
+          <a:prstGeom prst="rect">
+            <a:avLst/>
+          </a:prstGeom>
+          <a:solidFill>
+            <a:schemeClr val="lt2"/>
+          </a:solidFill>
+          <a:ln cap="flat" cmpd="sng" w="9525">
+            <a:solidFill>
+              <a:schemeClr val="dk2"/>
+            </a:solidFill>
+            <a:prstDash val="solid"/>
+            <a:round/>
+            <a:headEnd len="med" w="med" type="none"/>
+            <a:tailEnd len="med" w="med" type="none"/>
+          </a:ln>
+        </p:spPr>
+        <p:txBody>
+          <a:bodyPr anchorCtr="0" anchor="ctr" bIns="91425" lIns="91425" rIns="91425" tIns="91425">
+            <a:noAutofit/>
+          </a:bodyPr>
+          <a:lstStyle/>
+          <a:p>
+            <a:pPr algn="ctr">
+              <a:spcBef>
+                <a:spcPts val="0"/>
+              </a:spcBef>
+              <a:buNone/>
+            </a:pPr>
+            <a:r>
+              <a:rPr lang="ja"/>
+              <a:t>xの値を表示</a:t>
+            </a:r>
+          </a:p>
+        </p:txBody>
+      </p:sp>
+      <p:cxnSp>
+        <p:nvCxnSpPr>
+          <p:cNvPr id="237" name="Shape 237"/>
+          <p:cNvCxnSpPr>
+            <a:stCxn id="236" idx="2"/>
+          </p:cNvCxnSpPr>
+          <p:nvPr/>
+        </p:nvCxnSpPr>
+        <p:spPr>
+          <a:xfrm flipH="1">
             <a:off x="4570800" y="2583337"/>
             <a:ext cx="1200" cy="223500"/>
           </a:xfrm>
@@ -5726,7 +5727,7 @@
       </p:cxnSp>
       <p:sp>
         <p:nvSpPr>
-          <p:cNvPr id="231" name="Shape 231"/>
+          <p:cNvPr id="238" name="Shape 238"/>
           <p:cNvSpPr/>
           <p:nvPr/>
         </p:nvSpPr>
@@ -5772,9 +5773,9 @@
       </p:sp>
       <p:cxnSp>
         <p:nvCxnSpPr>
-          <p:cNvPr id="232" name="Shape 232"/>
+          <p:cNvPr id="239" name="Shape 239"/>
           <p:cNvCxnSpPr>
-            <a:stCxn id="231" idx="3"/>
+            <a:stCxn id="238" idx="3"/>
           </p:cNvCxnSpPr>
           <p:nvPr/>
         </p:nvCxnSpPr>
@@ -5800,7 +5801,7 @@
       </p:cxnSp>
       <p:cxnSp>
         <p:nvCxnSpPr>
-          <p:cNvPr id="233" name="Shape 233"/>
+          <p:cNvPr id="240" name="Shape 240"/>
           <p:cNvCxnSpPr/>
           <p:nvPr/>
         </p:nvCxnSpPr>
@@ -5826,7 +5827,7 @@
       </p:cxnSp>
       <p:sp>
         <p:nvSpPr>
-          <p:cNvPr id="234" name="Shape 234"/>
+          <p:cNvPr id="241" name="Shape 241"/>
           <p:cNvSpPr/>
           <p:nvPr/>
         </p:nvSpPr>
@@ -5872,9 +5873,9 @@
       </p:sp>
       <p:cxnSp>
         <p:nvCxnSpPr>
-          <p:cNvPr id="235" name="Shape 235"/>
+          <p:cNvPr id="242" name="Shape 242"/>
           <p:cNvCxnSpPr>
-            <a:stCxn id="231" idx="2"/>
+            <a:stCxn id="238" idx="2"/>
           </p:cNvCxnSpPr>
           <p:nvPr/>
         </p:nvCxnSpPr>
@@ -5900,7 +5901,7 @@
       </p:cxnSp>
       <p:sp>
         <p:nvSpPr>
-          <p:cNvPr id="236" name="Shape 236"/>
+          <p:cNvPr id="243" name="Shape 243"/>
           <p:cNvSpPr txBox="1"/>
           <p:nvPr/>
         </p:nvSpPr>
@@ -5945,7 +5946,7 @@
       </p:sp>
       <p:sp>
         <p:nvSpPr>
-          <p:cNvPr id="237" name="Shape 237"/>
+          <p:cNvPr id="244" name="Shape 244"/>
           <p:cNvSpPr/>
           <p:nvPr/>
         </p:nvSpPr>
@@ -5991,9 +5992,9 @@
       </p:sp>
       <p:cxnSp>
         <p:nvCxnSpPr>
-          <p:cNvPr id="238" name="Shape 238"/>
+          <p:cNvPr id="245" name="Shape 245"/>
           <p:cNvCxnSpPr>
-            <a:stCxn id="226" idx="1"/>
+            <a:stCxn id="233" idx="1"/>
           </p:cNvCxnSpPr>
           <p:nvPr/>
         </p:nvCxnSpPr>
@@ -6019,7 +6020,7 @@
       </p:cxnSp>
       <p:sp>
         <p:nvSpPr>
-          <p:cNvPr id="239" name="Shape 239"/>
+          <p:cNvPr id="246" name="Shape 246"/>
           <p:cNvSpPr txBox="1"/>
           <p:nvPr/>
         </p:nvSpPr>
@@ -6064,9 +6065,9 @@
       </p:sp>
       <p:cxnSp>
         <p:nvCxnSpPr>
-          <p:cNvPr id="240" name="Shape 240"/>
+          <p:cNvPr id="247" name="Shape 247"/>
           <p:cNvCxnSpPr>
-            <a:stCxn id="237" idx="2"/>
+            <a:stCxn id="244" idx="2"/>
           </p:cNvCxnSpPr>
           <p:nvPr/>
         </p:nvCxnSpPr>
@@ -6092,9 +6093,9 @@
       </p:cxnSp>
       <p:cxnSp>
         <p:nvCxnSpPr>
-          <p:cNvPr id="241" name="Shape 241"/>
+          <p:cNvPr id="248" name="Shape 248"/>
           <p:cNvCxnSpPr>
-            <a:stCxn id="234" idx="2"/>
+            <a:stCxn id="241" idx="2"/>
           </p:cNvCxnSpPr>
           <p:nvPr/>
         </p:nvCxnSpPr>
@@ -6120,7 +6121,7 @@
       </p:cxnSp>
       <p:cxnSp>
         <p:nvCxnSpPr>
-          <p:cNvPr id="242" name="Shape 242"/>
+          <p:cNvPr id="249" name="Shape 249"/>
           <p:cNvCxnSpPr/>
           <p:nvPr/>
         </p:nvCxnSpPr>
@@ -6146,7 +6147,7 @@
       </p:cxnSp>
       <p:sp>
         <p:nvSpPr>
-          <p:cNvPr id="243" name="Shape 243"/>
+          <p:cNvPr id="250" name="Shape 250"/>
           <p:cNvSpPr/>
           <p:nvPr/>
         </p:nvSpPr>
@@ -6195,9 +6196,9 @@
       </p:sp>
       <p:cxnSp>
         <p:nvCxnSpPr>
-          <p:cNvPr id="244" name="Shape 244"/>
+          <p:cNvPr id="251" name="Shape 251"/>
           <p:cNvCxnSpPr>
-            <a:stCxn id="243" idx="1"/>
+            <a:stCxn id="250" idx="1"/>
           </p:cNvCxnSpPr>
           <p:nvPr/>
         </p:nvCxnSpPr>
@@ -6223,7 +6224,7 @@
       </p:cxnSp>
       <p:sp>
         <p:nvSpPr>
-          <p:cNvPr id="245" name="Shape 245"/>
+          <p:cNvPr id="252" name="Shape 252"/>
           <p:cNvSpPr/>
           <p:nvPr/>
         </p:nvSpPr>
@@ -6283,7 +6284,7 @@
   <p:cSld>
     <p:spTree>
       <p:nvGrpSpPr>
-        <p:cNvPr id="249" name="Shape 249"/>
+        <p:cNvPr id="256" name="Shape 256"/>
         <p:cNvGrpSpPr/>
         <p:nvPr/>
       </p:nvGrpSpPr>
@@ -6297,7 +6298,7 @@
       </p:grpSpPr>
       <p:sp>
         <p:nvSpPr>
-          <p:cNvPr id="250" name="Shape 250"/>
+          <p:cNvPr id="257" name="Shape 257"/>
           <p:cNvSpPr txBox="1"/>
           <p:nvPr>
             <p:ph type="title"/>
@@ -6333,7 +6334,7 @@
       </p:sp>
       <p:sp>
         <p:nvSpPr>
-          <p:cNvPr id="251" name="Shape 251"/>
+          <p:cNvPr id="258" name="Shape 258"/>
           <p:cNvSpPr/>
           <p:nvPr/>
         </p:nvSpPr>
@@ -6379,7 +6380,7 @@
       </p:sp>
       <p:sp>
         <p:nvSpPr>
-          <p:cNvPr id="252" name="Shape 252"/>
+          <p:cNvPr id="259" name="Shape 259"/>
           <p:cNvSpPr/>
           <p:nvPr/>
         </p:nvSpPr>
@@ -6425,9 +6426,9 @@
       </p:sp>
       <p:cxnSp>
         <p:nvCxnSpPr>
-          <p:cNvPr id="253" name="Shape 253"/>
+          <p:cNvPr id="260" name="Shape 260"/>
           <p:cNvCxnSpPr>
-            <a:endCxn id="252" idx="0"/>
+            <a:endCxn id="259" idx="0"/>
           </p:cNvCxnSpPr>
           <p:nvPr/>
         </p:nvCxnSpPr>
@@ -6453,7 +6454,7 @@
       </p:cxnSp>
       <p:cxnSp>
         <p:nvCxnSpPr>
-          <p:cNvPr id="254" name="Shape 254"/>
+          <p:cNvPr id="261" name="Shape 261"/>
           <p:cNvCxnSpPr/>
           <p:nvPr/>
         </p:nvCxnSpPr>
@@ -6477,58 +6478,9 @@
           </a:ln>
         </p:spPr>
       </p:cxnSp>
-      <p:sp>
-        <p:nvSpPr>
-          <p:cNvPr id="255" name="Shape 255"/>
-          <p:cNvSpPr/>
-          <p:nvPr/>
-        </p:nvSpPr>
-        <p:spPr>
-          <a:xfrm>
-            <a:off x="6006750" y="1023800"/>
-            <a:ext cx="1156500" cy="206999"/>
-          </a:xfrm>
-          <a:prstGeom prst="snip2SameRect">
-            <a:avLst>
-              <a:gd fmla="val 50000" name="adj1"/>
-              <a:gd fmla="val 0" name="adj2"/>
-            </a:avLst>
-          </a:prstGeom>
-          <a:solidFill>
-            <a:schemeClr val="lt2"/>
-          </a:solidFill>
-          <a:ln cap="flat" cmpd="sng" w="9525">
-            <a:solidFill>
-              <a:schemeClr val="dk2"/>
-            </a:solidFill>
-            <a:prstDash val="solid"/>
-            <a:round/>
-            <a:headEnd len="med" w="med" type="none"/>
-            <a:tailEnd len="med" w="med" type="none"/>
-          </a:ln>
-        </p:spPr>
-        <p:txBody>
-          <a:bodyPr anchorCtr="0" anchor="ctr" bIns="91425" lIns="91425" rIns="91425" tIns="91425">
-            <a:noAutofit/>
-          </a:bodyPr>
-          <a:lstStyle/>
-          <a:p>
-            <a:pPr lvl="0" rtl="0" algn="ctr">
-              <a:spcBef>
-                <a:spcPts val="0"/>
-              </a:spcBef>
-              <a:buNone/>
-            </a:pPr>
-            <a:r>
-              <a:rPr lang="ja"/>
-              <a:t>130円未満</a:t>
-            </a:r>
-          </a:p>
-        </p:txBody>
-      </p:sp>
       <p:cxnSp>
         <p:nvCxnSpPr>
-          <p:cNvPr id="256" name="Shape 256"/>
+          <p:cNvPr id="262" name="Shape 262"/>
           <p:cNvCxnSpPr/>
           <p:nvPr/>
         </p:nvCxnSpPr>
@@ -6554,7 +6506,7 @@
       </p:cxnSp>
       <p:sp>
         <p:nvSpPr>
-          <p:cNvPr id="257" name="Shape 257"/>
+          <p:cNvPr id="263" name="Shape 263"/>
           <p:cNvSpPr/>
           <p:nvPr/>
         </p:nvSpPr>
@@ -6600,7 +6552,7 @@
       </p:sp>
       <p:sp>
         <p:nvSpPr>
-          <p:cNvPr id="258" name="Shape 258"/>
+          <p:cNvPr id="264" name="Shape 264"/>
           <p:cNvSpPr/>
           <p:nvPr/>
         </p:nvSpPr>
@@ -6640,250 +6592,6 @@
             <a:r>
               <a:rPr lang="ja"/>
               <a:t>金額を表示</a:t>
-            </a:r>
-          </a:p>
-        </p:txBody>
-      </p:sp>
-      <p:cxnSp>
-        <p:nvCxnSpPr>
-          <p:cNvPr id="259" name="Shape 259"/>
-          <p:cNvCxnSpPr>
-            <a:endCxn id="258" idx="0"/>
-          </p:cNvCxnSpPr>
-          <p:nvPr/>
-        </p:nvCxnSpPr>
-        <p:spPr>
-          <a:xfrm>
-            <a:off x="6584087" y="1679200"/>
-            <a:ext cx="0" cy="162300"/>
-          </a:xfrm>
-          <a:prstGeom prst="straightConnector1">
-            <a:avLst/>
-          </a:prstGeom>
-          <a:noFill/>
-          <a:ln cap="flat" cmpd="sng" w="9525">
-            <a:solidFill>
-              <a:schemeClr val="dk2"/>
-            </a:solidFill>
-            <a:prstDash val="solid"/>
-            <a:round/>
-            <a:headEnd len="lg" w="lg" type="none"/>
-            <a:tailEnd len="lg" w="lg" type="triangle"/>
-          </a:ln>
-        </p:spPr>
-      </p:cxnSp>
-      <p:sp>
-        <p:nvSpPr>
-          <p:cNvPr id="260" name="Shape 260"/>
-          <p:cNvSpPr/>
-          <p:nvPr/>
-        </p:nvSpPr>
-        <p:spPr>
-          <a:xfrm>
-            <a:off x="6006899" y="2242475"/>
-            <a:ext cx="1156500" cy="213000"/>
-          </a:xfrm>
-          <a:prstGeom prst="snip2SameRect">
-            <a:avLst>
-              <a:gd fmla="val 0" name="adj1"/>
-              <a:gd fmla="val 50000" name="adj2"/>
-            </a:avLst>
-          </a:prstGeom>
-          <a:solidFill>
-            <a:schemeClr val="lt2"/>
-          </a:solidFill>
-          <a:ln cap="flat" cmpd="sng" w="9525">
-            <a:solidFill>
-              <a:schemeClr val="dk2"/>
-            </a:solidFill>
-            <a:prstDash val="solid"/>
-            <a:round/>
-            <a:headEnd len="med" w="med" type="none"/>
-            <a:tailEnd len="med" w="med" type="none"/>
-          </a:ln>
-        </p:spPr>
-        <p:txBody>
-          <a:bodyPr anchorCtr="0" anchor="ctr" bIns="91425" lIns="91425" rIns="91425" tIns="91425">
-            <a:noAutofit/>
-          </a:bodyPr>
-          <a:lstStyle/>
-          <a:p>
-            <a:pPr>
-              <a:spcBef>
-                <a:spcPts val="0"/>
-              </a:spcBef>
-              <a:buNone/>
-            </a:pPr>
-            <a:r>
-              <a:t/>
-            </a:r>
-            <a:endParaRPr/>
-          </a:p>
-        </p:txBody>
-      </p:sp>
-      <p:sp>
-        <p:nvSpPr>
-          <p:cNvPr id="261" name="Shape 261"/>
-          <p:cNvSpPr/>
-          <p:nvPr/>
-        </p:nvSpPr>
-        <p:spPr>
-          <a:xfrm>
-            <a:off x="5995512" y="2617637"/>
-            <a:ext cx="1177199" cy="238799"/>
-          </a:xfrm>
-          <a:prstGeom prst="rect">
-            <a:avLst/>
-          </a:prstGeom>
-          <a:solidFill>
-            <a:schemeClr val="lt2"/>
-          </a:solidFill>
-          <a:ln cap="flat" cmpd="sng" w="9525">
-            <a:solidFill>
-              <a:schemeClr val="dk2"/>
-            </a:solidFill>
-            <a:prstDash val="solid"/>
-            <a:round/>
-            <a:headEnd len="med" w="med" type="none"/>
-            <a:tailEnd len="med" w="med" type="none"/>
-          </a:ln>
-        </p:spPr>
-        <p:txBody>
-          <a:bodyPr anchorCtr="0" anchor="ctr" bIns="91425" lIns="91425" rIns="91425" tIns="91425">
-            <a:noAutofit/>
-          </a:bodyPr>
-          <a:lstStyle/>
-          <a:p>
-            <a:pPr lvl="0" rtl="0" algn="ctr">
-              <a:spcBef>
-                <a:spcPts val="0"/>
-              </a:spcBef>
-              <a:buNone/>
-            </a:pPr>
-            <a:r>
-              <a:rPr lang="ja"/>
-              <a:t>ボタンを点灯</a:t>
-            </a:r>
-          </a:p>
-        </p:txBody>
-      </p:sp>
-      <p:sp>
-        <p:nvSpPr>
-          <p:cNvPr id="262" name="Shape 262"/>
-          <p:cNvSpPr/>
-          <p:nvPr/>
-        </p:nvSpPr>
-        <p:spPr>
-          <a:xfrm>
-            <a:off x="5995500" y="3018612"/>
-            <a:ext cx="1177199" cy="286350"/>
-          </a:xfrm>
-          <a:prstGeom prst="flowChartManualInput">
-            <a:avLst/>
-          </a:prstGeom>
-          <a:solidFill>
-            <a:schemeClr val="lt2"/>
-          </a:solidFill>
-          <a:ln cap="flat" cmpd="sng" w="9525">
-            <a:solidFill>
-              <a:schemeClr val="dk2"/>
-            </a:solidFill>
-            <a:prstDash val="solid"/>
-            <a:round/>
-            <a:headEnd len="med" w="med" type="none"/>
-            <a:tailEnd len="med" w="med" type="none"/>
-          </a:ln>
-        </p:spPr>
-        <p:txBody>
-          <a:bodyPr anchorCtr="0" anchor="ctr" bIns="91425" lIns="91425" rIns="91425" tIns="91425">
-            <a:noAutofit/>
-          </a:bodyPr>
-          <a:lstStyle/>
-          <a:p>
-            <a:pPr lvl="0" rtl="0" algn="ctr">
-              <a:spcBef>
-                <a:spcPts val="0"/>
-              </a:spcBef>
-              <a:buNone/>
-            </a:pPr>
-            <a:r>
-              <a:rPr lang="ja"/>
-              <a:t>ボタンを押す</a:t>
-            </a:r>
-          </a:p>
-        </p:txBody>
-      </p:sp>
-      <p:cxnSp>
-        <p:nvCxnSpPr>
-          <p:cNvPr id="263" name="Shape 263"/>
-          <p:cNvCxnSpPr>
-            <a:stCxn id="261" idx="2"/>
-            <a:endCxn id="262" idx="0"/>
-          </p:cNvCxnSpPr>
-          <p:nvPr/>
-        </p:nvCxnSpPr>
-        <p:spPr>
-          <a:xfrm>
-            <a:off x="6584112" y="2856437"/>
-            <a:ext cx="0" cy="190800"/>
-          </a:xfrm>
-          <a:prstGeom prst="straightConnector1">
-            <a:avLst/>
-          </a:prstGeom>
-          <a:noFill/>
-          <a:ln cap="flat" cmpd="sng" w="9525">
-            <a:solidFill>
-              <a:schemeClr val="dk2"/>
-            </a:solidFill>
-            <a:prstDash val="solid"/>
-            <a:round/>
-            <a:headEnd len="lg" w="lg" type="none"/>
-            <a:tailEnd len="lg" w="lg" type="triangle"/>
-          </a:ln>
-        </p:spPr>
-      </p:cxnSp>
-      <p:sp>
-        <p:nvSpPr>
-          <p:cNvPr id="264" name="Shape 264"/>
-          <p:cNvSpPr/>
-          <p:nvPr/>
-        </p:nvSpPr>
-        <p:spPr>
-          <a:xfrm>
-            <a:off x="6045475" y="3467150"/>
-            <a:ext cx="1077300" cy="238799"/>
-          </a:xfrm>
-          <a:prstGeom prst="rect">
-            <a:avLst/>
-          </a:prstGeom>
-          <a:solidFill>
-            <a:schemeClr val="lt2"/>
-          </a:solidFill>
-          <a:ln cap="flat" cmpd="sng" w="9525">
-            <a:solidFill>
-              <a:schemeClr val="dk2"/>
-            </a:solidFill>
-            <a:prstDash val="solid"/>
-            <a:round/>
-            <a:headEnd len="med" w="med" type="none"/>
-            <a:tailEnd len="med" w="med" type="none"/>
-          </a:ln>
-        </p:spPr>
-        <p:txBody>
-          <a:bodyPr anchorCtr="0" anchor="ctr" bIns="91425" lIns="91425" rIns="91425" tIns="91425">
-            <a:noAutofit/>
-          </a:bodyPr>
-          <a:lstStyle/>
-          <a:p>
-            <a:pPr lvl="0" rtl="0" algn="ctr">
-              <a:spcBef>
-                <a:spcPts val="0"/>
-              </a:spcBef>
-              <a:buNone/>
-            </a:pPr>
-            <a:r>
-              <a:rPr lang="ja"/>
-              <a:t>商品を出す</a:t>
             </a:r>
           </a:p>
         </p:txBody>
@@ -6898,6 +6606,250 @@
         </p:nvCxnSpPr>
         <p:spPr>
           <a:xfrm>
+            <a:off x="6584087" y="1679200"/>
+            <a:ext cx="0" cy="162300"/>
+          </a:xfrm>
+          <a:prstGeom prst="straightConnector1">
+            <a:avLst/>
+          </a:prstGeom>
+          <a:noFill/>
+          <a:ln cap="flat" cmpd="sng" w="9525">
+            <a:solidFill>
+              <a:schemeClr val="dk2"/>
+            </a:solidFill>
+            <a:prstDash val="solid"/>
+            <a:round/>
+            <a:headEnd len="lg" w="lg" type="none"/>
+            <a:tailEnd len="lg" w="lg" type="triangle"/>
+          </a:ln>
+        </p:spPr>
+      </p:cxnSp>
+      <p:sp>
+        <p:nvSpPr>
+          <p:cNvPr id="266" name="Shape 266"/>
+          <p:cNvSpPr/>
+          <p:nvPr/>
+        </p:nvSpPr>
+        <p:spPr>
+          <a:xfrm>
+            <a:off x="5783100" y="2242475"/>
+            <a:ext cx="1604099" cy="213000"/>
+          </a:xfrm>
+          <a:prstGeom prst="snip2SameRect">
+            <a:avLst>
+              <a:gd fmla="val 0" name="adj1"/>
+              <a:gd fmla="val 50000" name="adj2"/>
+            </a:avLst>
+          </a:prstGeom>
+          <a:solidFill>
+            <a:schemeClr val="lt2"/>
+          </a:solidFill>
+          <a:ln cap="flat" cmpd="sng" w="9525">
+            <a:solidFill>
+              <a:schemeClr val="dk2"/>
+            </a:solidFill>
+            <a:prstDash val="solid"/>
+            <a:round/>
+            <a:headEnd len="med" w="med" type="none"/>
+            <a:tailEnd len="med" w="med" type="none"/>
+          </a:ln>
+        </p:spPr>
+        <p:txBody>
+          <a:bodyPr anchorCtr="0" anchor="ctr" bIns="91425" lIns="91425" rIns="91425" tIns="91425">
+            <a:noAutofit/>
+          </a:bodyPr>
+          <a:lstStyle/>
+          <a:p>
+            <a:pPr>
+              <a:spcBef>
+                <a:spcPts val="0"/>
+              </a:spcBef>
+              <a:buNone/>
+            </a:pPr>
+            <a:r>
+              <a:t/>
+            </a:r>
+            <a:endParaRPr/>
+          </a:p>
+        </p:txBody>
+      </p:sp>
+      <p:sp>
+        <p:nvSpPr>
+          <p:cNvPr id="267" name="Shape 267"/>
+          <p:cNvSpPr/>
+          <p:nvPr/>
+        </p:nvSpPr>
+        <p:spPr>
+          <a:xfrm>
+            <a:off x="5995512" y="2617637"/>
+            <a:ext cx="1177199" cy="238799"/>
+          </a:xfrm>
+          <a:prstGeom prst="rect">
+            <a:avLst/>
+          </a:prstGeom>
+          <a:solidFill>
+            <a:schemeClr val="lt2"/>
+          </a:solidFill>
+          <a:ln cap="flat" cmpd="sng" w="9525">
+            <a:solidFill>
+              <a:schemeClr val="dk2"/>
+            </a:solidFill>
+            <a:prstDash val="solid"/>
+            <a:round/>
+            <a:headEnd len="med" w="med" type="none"/>
+            <a:tailEnd len="med" w="med" type="none"/>
+          </a:ln>
+        </p:spPr>
+        <p:txBody>
+          <a:bodyPr anchorCtr="0" anchor="ctr" bIns="91425" lIns="91425" rIns="91425" tIns="91425">
+            <a:noAutofit/>
+          </a:bodyPr>
+          <a:lstStyle/>
+          <a:p>
+            <a:pPr lvl="0" rtl="0" algn="ctr">
+              <a:spcBef>
+                <a:spcPts val="0"/>
+              </a:spcBef>
+              <a:buNone/>
+            </a:pPr>
+            <a:r>
+              <a:rPr lang="ja"/>
+              <a:t>ボタンを点灯</a:t>
+            </a:r>
+          </a:p>
+        </p:txBody>
+      </p:sp>
+      <p:sp>
+        <p:nvSpPr>
+          <p:cNvPr id="268" name="Shape 268"/>
+          <p:cNvSpPr/>
+          <p:nvPr/>
+        </p:nvSpPr>
+        <p:spPr>
+          <a:xfrm>
+            <a:off x="5995500" y="3018612"/>
+            <a:ext cx="1177199" cy="286350"/>
+          </a:xfrm>
+          <a:prstGeom prst="flowChartManualInput">
+            <a:avLst/>
+          </a:prstGeom>
+          <a:solidFill>
+            <a:schemeClr val="lt2"/>
+          </a:solidFill>
+          <a:ln cap="flat" cmpd="sng" w="9525">
+            <a:solidFill>
+              <a:schemeClr val="dk2"/>
+            </a:solidFill>
+            <a:prstDash val="solid"/>
+            <a:round/>
+            <a:headEnd len="med" w="med" type="none"/>
+            <a:tailEnd len="med" w="med" type="none"/>
+          </a:ln>
+        </p:spPr>
+        <p:txBody>
+          <a:bodyPr anchorCtr="0" anchor="ctr" bIns="91425" lIns="91425" rIns="91425" tIns="91425">
+            <a:noAutofit/>
+          </a:bodyPr>
+          <a:lstStyle/>
+          <a:p>
+            <a:pPr lvl="0" rtl="0" algn="ctr">
+              <a:spcBef>
+                <a:spcPts val="0"/>
+              </a:spcBef>
+              <a:buNone/>
+            </a:pPr>
+            <a:r>
+              <a:rPr lang="ja"/>
+              <a:t>ボタンを押す</a:t>
+            </a:r>
+          </a:p>
+        </p:txBody>
+      </p:sp>
+      <p:cxnSp>
+        <p:nvCxnSpPr>
+          <p:cNvPr id="269" name="Shape 269"/>
+          <p:cNvCxnSpPr>
+            <a:stCxn id="267" idx="2"/>
+            <a:endCxn id="268" idx="0"/>
+          </p:cNvCxnSpPr>
+          <p:nvPr/>
+        </p:nvCxnSpPr>
+        <p:spPr>
+          <a:xfrm>
+            <a:off x="6584112" y="2856437"/>
+            <a:ext cx="0" cy="190800"/>
+          </a:xfrm>
+          <a:prstGeom prst="straightConnector1">
+            <a:avLst/>
+          </a:prstGeom>
+          <a:noFill/>
+          <a:ln cap="flat" cmpd="sng" w="9525">
+            <a:solidFill>
+              <a:schemeClr val="dk2"/>
+            </a:solidFill>
+            <a:prstDash val="solid"/>
+            <a:round/>
+            <a:headEnd len="lg" w="lg" type="none"/>
+            <a:tailEnd len="lg" w="lg" type="triangle"/>
+          </a:ln>
+        </p:spPr>
+      </p:cxnSp>
+      <p:sp>
+        <p:nvSpPr>
+          <p:cNvPr id="270" name="Shape 270"/>
+          <p:cNvSpPr/>
+          <p:nvPr/>
+        </p:nvSpPr>
+        <p:spPr>
+          <a:xfrm>
+            <a:off x="6045475" y="3467150"/>
+            <a:ext cx="1077300" cy="238799"/>
+          </a:xfrm>
+          <a:prstGeom prst="rect">
+            <a:avLst/>
+          </a:prstGeom>
+          <a:solidFill>
+            <a:schemeClr val="lt2"/>
+          </a:solidFill>
+          <a:ln cap="flat" cmpd="sng" w="9525">
+            <a:solidFill>
+              <a:schemeClr val="dk2"/>
+            </a:solidFill>
+            <a:prstDash val="solid"/>
+            <a:round/>
+            <a:headEnd len="med" w="med" type="none"/>
+            <a:tailEnd len="med" w="med" type="none"/>
+          </a:ln>
+        </p:spPr>
+        <p:txBody>
+          <a:bodyPr anchorCtr="0" anchor="ctr" bIns="91425" lIns="91425" rIns="91425" tIns="91425">
+            <a:noAutofit/>
+          </a:bodyPr>
+          <a:lstStyle/>
+          <a:p>
+            <a:pPr lvl="0" rtl="0" algn="ctr">
+              <a:spcBef>
+                <a:spcPts val="0"/>
+              </a:spcBef>
+              <a:buNone/>
+            </a:pPr>
+            <a:r>
+              <a:rPr lang="ja"/>
+              <a:t>商品を出す</a:t>
+            </a:r>
+          </a:p>
+        </p:txBody>
+      </p:sp>
+      <p:cxnSp>
+        <p:nvCxnSpPr>
+          <p:cNvPr id="271" name="Shape 271"/>
+          <p:cNvCxnSpPr>
+            <a:endCxn id="270" idx="0"/>
+          </p:cNvCxnSpPr>
+          <p:nvPr/>
+        </p:nvCxnSpPr>
+        <p:spPr>
+          <a:xfrm>
             <a:off x="6584125" y="3304850"/>
             <a:ext cx="0" cy="162300"/>
           </a:xfrm>
@@ -6918,7 +6870,7 @@
       </p:cxnSp>
       <p:sp>
         <p:nvSpPr>
-          <p:cNvPr id="266" name="Shape 266"/>
+          <p:cNvPr id="272" name="Shape 272"/>
           <p:cNvSpPr/>
           <p:nvPr/>
         </p:nvSpPr>
@@ -6964,10 +6916,10 @@
       </p:sp>
       <p:cxnSp>
         <p:nvCxnSpPr>
-          <p:cNvPr id="267" name="Shape 267"/>
+          <p:cNvPr id="273" name="Shape 273"/>
           <p:cNvCxnSpPr>
-            <a:stCxn id="264" idx="2"/>
-            <a:endCxn id="266" idx="0"/>
+            <a:stCxn id="270" idx="2"/>
+            <a:endCxn id="272" idx="0"/>
           </p:cNvCxnSpPr>
           <p:nvPr/>
         </p:nvCxnSpPr>
@@ -6993,7 +6945,7 @@
       </p:cxnSp>
       <p:sp>
         <p:nvSpPr>
-          <p:cNvPr id="268" name="Shape 268"/>
+          <p:cNvPr id="274" name="Shape 274"/>
           <p:cNvSpPr/>
           <p:nvPr/>
         </p:nvSpPr>
@@ -7039,9 +6991,9 @@
       </p:sp>
       <p:cxnSp>
         <p:nvCxnSpPr>
-          <p:cNvPr id="269" name="Shape 269"/>
+          <p:cNvPr id="275" name="Shape 275"/>
           <p:cNvCxnSpPr>
-            <a:endCxn id="268" idx="0"/>
+            <a:endCxn id="274" idx="0"/>
           </p:cNvCxnSpPr>
           <p:nvPr/>
         </p:nvCxnSpPr>
@@ -7067,9 +7019,9 @@
       </p:cxnSp>
       <p:cxnSp>
         <p:nvCxnSpPr>
-          <p:cNvPr id="270" name="Shape 270"/>
+          <p:cNvPr id="276" name="Shape 276"/>
           <p:cNvCxnSpPr>
-            <a:stCxn id="266" idx="3"/>
+            <a:stCxn id="272" idx="3"/>
           </p:cNvCxnSpPr>
           <p:nvPr/>
         </p:nvCxnSpPr>
@@ -7095,7 +7047,7 @@
       </p:cxnSp>
       <p:sp>
         <p:nvSpPr>
-          <p:cNvPr id="271" name="Shape 271"/>
+          <p:cNvPr id="277" name="Shape 277"/>
           <p:cNvSpPr txBox="1"/>
           <p:nvPr/>
         </p:nvSpPr>
@@ -7140,9 +7092,9 @@
       </p:sp>
       <p:cxnSp>
         <p:nvCxnSpPr>
-          <p:cNvPr id="272" name="Shape 272"/>
+          <p:cNvPr id="278" name="Shape 278"/>
           <p:cNvCxnSpPr>
-            <a:stCxn id="266" idx="2"/>
+            <a:stCxn id="272" idx="2"/>
           </p:cNvCxnSpPr>
           <p:nvPr/>
         </p:nvCxnSpPr>
@@ -7168,7 +7120,7 @@
       </p:cxnSp>
       <p:cxnSp>
         <p:nvCxnSpPr>
-          <p:cNvPr id="273" name="Shape 273"/>
+          <p:cNvPr id="279" name="Shape 279"/>
           <p:cNvCxnSpPr/>
           <p:nvPr/>
         </p:nvCxnSpPr>
@@ -7194,7 +7146,7 @@
       </p:cxnSp>
       <p:cxnSp>
         <p:nvCxnSpPr>
-          <p:cNvPr id="274" name="Shape 274"/>
+          <p:cNvPr id="280" name="Shape 280"/>
           <p:cNvCxnSpPr/>
           <p:nvPr/>
         </p:nvCxnSpPr>
@@ -7220,7 +7172,7 @@
       </p:cxnSp>
       <p:cxnSp>
         <p:nvCxnSpPr>
-          <p:cNvPr id="275" name="Shape 275"/>
+          <p:cNvPr id="281" name="Shape 281"/>
           <p:cNvCxnSpPr/>
           <p:nvPr/>
         </p:nvCxnSpPr>
@@ -7246,7 +7198,7 @@
       </p:cxnSp>
       <p:sp>
         <p:nvSpPr>
-          <p:cNvPr id="276" name="Shape 276"/>
+          <p:cNvPr id="282" name="Shape 282"/>
           <p:cNvSpPr/>
           <p:nvPr/>
         </p:nvSpPr>
@@ -7292,10 +7244,10 @@
       </p:sp>
       <p:cxnSp>
         <p:nvCxnSpPr>
-          <p:cNvPr id="277" name="Shape 277"/>
+          <p:cNvPr id="283" name="Shape 283"/>
           <p:cNvCxnSpPr>
-            <a:stCxn id="252" idx="2"/>
-            <a:endCxn id="276" idx="0"/>
+            <a:stCxn id="259" idx="2"/>
+            <a:endCxn id="282" idx="0"/>
           </p:cNvCxnSpPr>
           <p:nvPr/>
         </p:nvCxnSpPr>
@@ -7321,7 +7273,7 @@
       </p:cxnSp>
       <p:sp>
         <p:nvSpPr>
-          <p:cNvPr id="278" name="Shape 278"/>
+          <p:cNvPr id="284" name="Shape 284"/>
           <p:cNvSpPr/>
           <p:nvPr/>
         </p:nvSpPr>
@@ -7367,10 +7319,10 @@
       </p:sp>
       <p:cxnSp>
         <p:nvCxnSpPr>
-          <p:cNvPr id="279" name="Shape 279"/>
+          <p:cNvPr id="285" name="Shape 285"/>
           <p:cNvCxnSpPr>
-            <a:stCxn id="276" idx="2"/>
-            <a:endCxn id="278" idx="0"/>
+            <a:stCxn id="282" idx="2"/>
+            <a:endCxn id="284" idx="0"/>
           </p:cNvCxnSpPr>
           <p:nvPr/>
         </p:nvCxnSpPr>
@@ -7396,7 +7348,7 @@
       </p:cxnSp>
       <p:sp>
         <p:nvSpPr>
-          <p:cNvPr id="280" name="Shape 280"/>
+          <p:cNvPr id="286" name="Shape 286"/>
           <p:cNvSpPr txBox="1"/>
           <p:nvPr/>
         </p:nvSpPr>
@@ -7441,7 +7393,7 @@
       </p:sp>
       <p:sp>
         <p:nvSpPr>
-          <p:cNvPr id="281" name="Shape 281"/>
+          <p:cNvPr id="287" name="Shape 287"/>
           <p:cNvSpPr txBox="1"/>
           <p:nvPr/>
         </p:nvSpPr>
@@ -7486,7 +7438,7 @@
       </p:sp>
       <p:sp>
         <p:nvSpPr>
-          <p:cNvPr id="282" name="Shape 282"/>
+          <p:cNvPr id="288" name="Shape 288"/>
           <p:cNvSpPr txBox="1"/>
           <p:nvPr/>
         </p:nvSpPr>
@@ -7531,16 +7483,16 @@
       </p:sp>
       <p:cxnSp>
         <p:nvCxnSpPr>
-          <p:cNvPr id="283" name="Shape 283"/>
+          <p:cNvPr id="289" name="Shape 289"/>
           <p:cNvCxnSpPr>
-            <a:stCxn id="255" idx="1"/>
-            <a:endCxn id="257" idx="0"/>
+            <a:stCxn id="290" idx="1"/>
+            <a:endCxn id="263" idx="0"/>
           </p:cNvCxnSpPr>
           <p:nvPr/>
         </p:nvCxnSpPr>
         <p:spPr>
           <a:xfrm flipH="1">
-            <a:off x="6584100" y="1230799"/>
+            <a:off x="6584100" y="1230797"/>
             <a:ext cx="900" cy="190800"/>
           </a:xfrm>
           <a:prstGeom prst="straightConnector1">
@@ -7560,9 +7512,9 @@
       </p:cxnSp>
       <p:cxnSp>
         <p:nvCxnSpPr>
-          <p:cNvPr id="284" name="Shape 284"/>
+          <p:cNvPr id="291" name="Shape 291"/>
           <p:cNvCxnSpPr>
-            <a:endCxn id="260" idx="3"/>
+            <a:endCxn id="266" idx="3"/>
           </p:cNvCxnSpPr>
           <p:nvPr/>
         </p:nvCxnSpPr>
@@ -7588,10 +7540,10 @@
       </p:cxnSp>
       <p:cxnSp>
         <p:nvCxnSpPr>
-          <p:cNvPr id="285" name="Shape 285"/>
+          <p:cNvPr id="292" name="Shape 292"/>
           <p:cNvCxnSpPr>
-            <a:stCxn id="260" idx="1"/>
-            <a:endCxn id="261" idx="0"/>
+            <a:stCxn id="266" idx="1"/>
+            <a:endCxn id="267" idx="0"/>
           </p:cNvCxnSpPr>
           <p:nvPr/>
         </p:nvCxnSpPr>
@@ -7615,6 +7567,55 @@
           </a:ln>
         </p:spPr>
       </p:cxnSp>
+      <p:sp>
+        <p:nvSpPr>
+          <p:cNvPr id="293" name="Shape 293"/>
+          <p:cNvSpPr/>
+          <p:nvPr/>
+        </p:nvSpPr>
+        <p:spPr>
+          <a:xfrm>
+            <a:off x="5783100" y="1023800"/>
+            <a:ext cx="1604099" cy="206999"/>
+          </a:xfrm>
+          <a:prstGeom prst="snip2SameRect">
+            <a:avLst>
+              <a:gd fmla="val 50000" name="adj1"/>
+              <a:gd fmla="val 0" name="adj2"/>
+            </a:avLst>
+          </a:prstGeom>
+          <a:solidFill>
+            <a:schemeClr val="lt2"/>
+          </a:solidFill>
+          <a:ln cap="flat" cmpd="sng" w="9525">
+            <a:solidFill>
+              <a:schemeClr val="dk2"/>
+            </a:solidFill>
+            <a:prstDash val="solid"/>
+            <a:round/>
+            <a:headEnd len="med" w="med" type="none"/>
+            <a:tailEnd len="med" w="med" type="none"/>
+          </a:ln>
+        </p:spPr>
+        <p:txBody>
+          <a:bodyPr anchorCtr="0" anchor="ctr" bIns="91425" lIns="91425" rIns="91425" tIns="91425">
+            <a:noAutofit/>
+          </a:bodyPr>
+          <a:lstStyle/>
+          <a:p>
+            <a:pPr algn="ctr">
+              <a:spcBef>
+                <a:spcPts val="0"/>
+              </a:spcBef>
+              <a:buNone/>
+            </a:pPr>
+            <a:r>
+              <a:rPr lang="ja"/>
+              <a:t>商品の金額未満</a:t>
+            </a:r>
+          </a:p>
+        </p:txBody>
+      </p:sp>
     </p:spTree>
   </p:cSld>
   <p:clrMapOvr>
@@ -7631,7 +7632,7 @@
   <p:cSld>
     <p:spTree>
       <p:nvGrpSpPr>
-        <p:cNvPr id="289" name="Shape 289"/>
+        <p:cNvPr id="297" name="Shape 297"/>
         <p:cNvGrpSpPr/>
         <p:nvPr/>
       </p:nvGrpSpPr>
@@ -7645,7 +7646,7 @@
       </p:grpSpPr>
       <p:sp>
         <p:nvSpPr>
-          <p:cNvPr id="290" name="Shape 290"/>
+          <p:cNvPr id="298" name="Shape 298"/>
           <p:cNvSpPr txBox="1"/>
           <p:nvPr>
             <p:ph type="title"/>
@@ -7681,208 +7682,14 @@
       </p:sp>
       <p:sp>
         <p:nvSpPr>
-          <p:cNvPr id="291" name="Shape 291"/>
+          <p:cNvPr id="299" name="Shape 299"/>
           <p:cNvSpPr/>
           <p:nvPr/>
         </p:nvSpPr>
         <p:spPr>
           <a:xfrm>
-            <a:off x="4062942" y="286375"/>
-            <a:ext cx="1018116" cy="339389"/>
-          </a:xfrm>
-          <a:prstGeom prst="flowChartTerminator">
-            <a:avLst/>
-          </a:prstGeom>
-          <a:solidFill>
-            <a:schemeClr val="lt2"/>
-          </a:solidFill>
-          <a:ln cap="flat" cmpd="sng" w="9525">
-            <a:solidFill>
-              <a:schemeClr val="dk2"/>
-            </a:solidFill>
-            <a:prstDash val="solid"/>
-            <a:round/>
-            <a:headEnd len="med" w="med" type="none"/>
-            <a:tailEnd len="med" w="med" type="none"/>
-          </a:ln>
-        </p:spPr>
-        <p:txBody>
-          <a:bodyPr anchorCtr="0" anchor="ctr" bIns="91425" lIns="91425" rIns="91425" tIns="91425">
-            <a:noAutofit/>
-          </a:bodyPr>
-          <a:lstStyle/>
-          <a:p>
-            <a:pPr algn="ctr">
-              <a:spcBef>
-                <a:spcPts val="0"/>
-              </a:spcBef>
-              <a:buNone/>
-            </a:pPr>
-            <a:r>
-              <a:rPr lang="ja"/>
-              <a:t>start</a:t>
-            </a:r>
-          </a:p>
-        </p:txBody>
-      </p:sp>
-      <p:cxnSp>
-        <p:nvCxnSpPr>
-          <p:cNvPr id="292" name="Shape 292"/>
-          <p:cNvCxnSpPr>
-            <a:stCxn id="291" idx="2"/>
-          </p:cNvCxnSpPr>
-          <p:nvPr/>
-        </p:nvCxnSpPr>
-        <p:spPr>
-          <a:xfrm flipH="1">
-            <a:off x="4570800" y="625764"/>
-            <a:ext cx="1200" cy="243900"/>
-          </a:xfrm>
-          <a:prstGeom prst="straightConnector1">
-            <a:avLst/>
-          </a:prstGeom>
-          <a:noFill/>
-          <a:ln cap="flat" cmpd="sng" w="9525">
-            <a:solidFill>
-              <a:schemeClr val="dk2"/>
-            </a:solidFill>
-            <a:prstDash val="solid"/>
-            <a:round/>
-            <a:headEnd len="lg" w="lg" type="none"/>
-            <a:tailEnd len="lg" w="lg" type="triangle"/>
-          </a:ln>
-        </p:spPr>
-      </p:cxnSp>
-      <p:sp>
-        <p:nvSpPr>
-          <p:cNvPr id="293" name="Shape 293"/>
-          <p:cNvSpPr/>
-          <p:nvPr/>
-        </p:nvSpPr>
-        <p:spPr>
-          <a:xfrm>
-            <a:off x="4322250" y="869675"/>
-            <a:ext cx="498299" cy="243899"/>
-          </a:xfrm>
-          <a:prstGeom prst="rect">
-            <a:avLst/>
-          </a:prstGeom>
-          <a:solidFill>
-            <a:schemeClr val="lt2"/>
-          </a:solidFill>
-          <a:ln cap="flat" cmpd="sng" w="9525">
-            <a:solidFill>
-              <a:schemeClr val="dk2"/>
-            </a:solidFill>
-            <a:prstDash val="solid"/>
-            <a:round/>
-            <a:headEnd len="med" w="med" type="none"/>
-            <a:tailEnd len="med" w="med" type="none"/>
-          </a:ln>
-        </p:spPr>
-        <p:txBody>
-          <a:bodyPr anchorCtr="0" anchor="ctr" bIns="91425" lIns="91425" rIns="91425" tIns="91425">
-            <a:noAutofit/>
-          </a:bodyPr>
-          <a:lstStyle/>
-          <a:p>
-            <a:pPr algn="ctr">
-              <a:spcBef>
-                <a:spcPts val="0"/>
-              </a:spcBef>
-              <a:buNone/>
-            </a:pPr>
-            <a:r>
-              <a:rPr lang="ja"/>
-              <a:t>x=1</a:t>
-            </a:r>
-          </a:p>
-        </p:txBody>
-      </p:sp>
-      <p:cxnSp>
-        <p:nvCxnSpPr>
-          <p:cNvPr id="294" name="Shape 294"/>
-          <p:cNvCxnSpPr>
-            <a:stCxn id="293" idx="2"/>
-          </p:cNvCxnSpPr>
-          <p:nvPr/>
-        </p:nvCxnSpPr>
-        <p:spPr>
-          <a:xfrm flipH="1">
-            <a:off x="4570799" y="1113574"/>
-            <a:ext cx="600" cy="339300"/>
-          </a:xfrm>
-          <a:prstGeom prst="straightConnector1">
-            <a:avLst/>
-          </a:prstGeom>
-          <a:noFill/>
-          <a:ln cap="flat" cmpd="sng" w="9525">
-            <a:solidFill>
-              <a:schemeClr val="dk2"/>
-            </a:solidFill>
-            <a:prstDash val="solid"/>
-            <a:round/>
-            <a:headEnd len="lg" w="lg" type="none"/>
-            <a:tailEnd len="lg" w="lg" type="triangle"/>
-          </a:ln>
-        </p:spPr>
-      </p:cxnSp>
-      <p:sp>
-        <p:nvSpPr>
-          <p:cNvPr id="295" name="Shape 295"/>
-          <p:cNvSpPr/>
-          <p:nvPr/>
-        </p:nvSpPr>
-        <p:spPr>
-          <a:xfrm>
-            <a:off x="3813750" y="1910812"/>
-            <a:ext cx="1516500" cy="243899"/>
-          </a:xfrm>
-          <a:prstGeom prst="rect">
-            <a:avLst/>
-          </a:prstGeom>
-          <a:solidFill>
-            <a:schemeClr val="lt2"/>
-          </a:solidFill>
-          <a:ln cap="flat" cmpd="sng" w="9525">
-            <a:solidFill>
-              <a:schemeClr val="dk2"/>
-            </a:solidFill>
-            <a:prstDash val="solid"/>
-            <a:round/>
-            <a:headEnd len="med" w="med" type="none"/>
-            <a:tailEnd len="med" w="med" type="none"/>
-          </a:ln>
-        </p:spPr>
-        <p:txBody>
-          <a:bodyPr anchorCtr="0" anchor="ctr" bIns="91425" lIns="91425" rIns="91425" tIns="91425">
-            <a:noAutofit/>
-          </a:bodyPr>
-          <a:lstStyle/>
-          <a:p>
-            <a:pPr algn="ctr">
-              <a:spcBef>
-                <a:spcPts val="0"/>
-              </a:spcBef>
-              <a:buNone/>
-            </a:pPr>
-            <a:r>
-              <a:rPr lang="ja"/>
-              <a:t>x番目の値を表示</a:t>
-            </a:r>
-          </a:p>
-        </p:txBody>
-      </p:sp>
-      <p:sp>
-        <p:nvSpPr>
-          <p:cNvPr id="296" name="Shape 296"/>
-          <p:cNvSpPr/>
-          <p:nvPr/>
-        </p:nvSpPr>
-        <p:spPr>
-          <a:xfrm>
-            <a:off x="3669600" y="1450512"/>
-            <a:ext cx="1802699" cy="243899"/>
+            <a:off x="4053300" y="1550575"/>
+            <a:ext cx="1037400" cy="203099"/>
           </a:xfrm>
           <a:prstGeom prst="snip2SameRect">
             <a:avLst>
@@ -7909,7 +7716,148 @@
           </a:bodyPr>
           <a:lstStyle/>
           <a:p>
-            <a:pPr>
+            <a:pPr algn="ctr">
+              <a:spcBef>
+                <a:spcPts val="0"/>
+              </a:spcBef>
+              <a:buNone/>
+            </a:pPr>
+            <a:r>
+              <a:rPr lang="ja"/>
+              <a:t>値がある</a:t>
+            </a:r>
+          </a:p>
+        </p:txBody>
+      </p:sp>
+      <p:sp>
+        <p:nvSpPr>
+          <p:cNvPr id="300" name="Shape 300"/>
+          <p:cNvSpPr/>
+          <p:nvPr/>
+        </p:nvSpPr>
+        <p:spPr>
+          <a:xfrm>
+            <a:off x="4058730" y="1017725"/>
+            <a:ext cx="1026540" cy="342198"/>
+          </a:xfrm>
+          <a:prstGeom prst="flowChartTerminator">
+            <a:avLst/>
+          </a:prstGeom>
+          <a:solidFill>
+            <a:schemeClr val="lt2"/>
+          </a:solidFill>
+          <a:ln cap="flat" cmpd="sng" w="9525">
+            <a:solidFill>
+              <a:schemeClr val="dk2"/>
+            </a:solidFill>
+            <a:prstDash val="solid"/>
+            <a:round/>
+            <a:headEnd len="med" w="med" type="none"/>
+            <a:tailEnd len="med" w="med" type="none"/>
+          </a:ln>
+        </p:spPr>
+        <p:txBody>
+          <a:bodyPr anchorCtr="0" anchor="ctr" bIns="91425" lIns="91425" rIns="91425" tIns="91425">
+            <a:noAutofit/>
+          </a:bodyPr>
+          <a:lstStyle/>
+          <a:p>
+            <a:pPr algn="ctr">
+              <a:spcBef>
+                <a:spcPts val="0"/>
+              </a:spcBef>
+              <a:buNone/>
+            </a:pPr>
+            <a:r>
+              <a:rPr lang="ja"/>
+              <a:t>start</a:t>
+            </a:r>
+          </a:p>
+        </p:txBody>
+      </p:sp>
+      <p:sp>
+        <p:nvSpPr>
+          <p:cNvPr id="301" name="Shape 301"/>
+          <p:cNvSpPr/>
+          <p:nvPr/>
+        </p:nvSpPr>
+        <p:spPr>
+          <a:xfrm>
+            <a:off x="4326000" y="1944325"/>
+            <a:ext cx="492000" cy="288599"/>
+          </a:xfrm>
+          <a:prstGeom prst="rect">
+            <a:avLst/>
+          </a:prstGeom>
+          <a:solidFill>
+            <a:schemeClr val="lt2"/>
+          </a:solidFill>
+          <a:ln cap="flat" cmpd="sng" w="9525">
+            <a:solidFill>
+              <a:schemeClr val="dk2"/>
+            </a:solidFill>
+            <a:prstDash val="solid"/>
+            <a:round/>
+            <a:headEnd len="med" w="med" type="none"/>
+            <a:tailEnd len="med" w="med" type="none"/>
+          </a:ln>
+        </p:spPr>
+        <p:txBody>
+          <a:bodyPr anchorCtr="0" anchor="ctr" bIns="91425" lIns="91425" rIns="91425" tIns="91425">
+            <a:noAutofit/>
+          </a:bodyPr>
+          <a:lstStyle/>
+          <a:p>
+            <a:pPr lvl="0" rtl="0" algn="ctr">
+              <a:spcBef>
+                <a:spcPts val="0"/>
+              </a:spcBef>
+              <a:buNone/>
+            </a:pPr>
+            <a:r>
+              <a:rPr lang="ja"/>
+              <a:t>x=1</a:t>
+            </a:r>
+          </a:p>
+        </p:txBody>
+      </p:sp>
+      <p:sp>
+        <p:nvSpPr>
+          <p:cNvPr id="302" name="Shape 302"/>
+          <p:cNvSpPr/>
+          <p:nvPr/>
+        </p:nvSpPr>
+        <p:spPr>
+          <a:xfrm>
+            <a:off x="3647100" y="2423575"/>
+            <a:ext cx="1849799" cy="194400"/>
+          </a:xfrm>
+          <a:prstGeom prst="snip2SameRect">
+            <a:avLst>
+              <a:gd fmla="val 50000" name="adj1"/>
+              <a:gd fmla="val 0" name="adj2"/>
+            </a:avLst>
+          </a:prstGeom>
+          <a:solidFill>
+            <a:schemeClr val="lt2"/>
+          </a:solidFill>
+          <a:ln cap="flat" cmpd="sng" w="9525">
+            <a:solidFill>
+              <a:schemeClr val="dk2"/>
+            </a:solidFill>
+            <a:prstDash val="solid"/>
+            <a:round/>
+            <a:headEnd len="med" w="med" type="none"/>
+            <a:tailEnd len="med" w="med" type="none"/>
+          </a:ln>
+        </p:spPr>
+        <p:txBody>
+          <a:bodyPr anchorCtr="0" anchor="ctr" bIns="91425" lIns="91425" rIns="91425" tIns="91425">
+            <a:noAutofit/>
+          </a:bodyPr>
+          <a:lstStyle/>
+          <a:p>
+            <a:pPr lvl="0" rtl="0" algn="ctr">
               <a:spcBef>
                 <a:spcPts val="0"/>
               </a:spcBef>
@@ -7922,72 +7870,16 @@
           </a:p>
         </p:txBody>
       </p:sp>
-      <p:cxnSp>
-        <p:nvCxnSpPr>
-          <p:cNvPr id="297" name="Shape 297"/>
-          <p:cNvCxnSpPr>
-            <a:stCxn id="296" idx="1"/>
-          </p:cNvCxnSpPr>
-          <p:nvPr/>
-        </p:nvCxnSpPr>
-        <p:spPr>
-          <a:xfrm flipH="1">
-            <a:off x="4569749" y="1694412"/>
-            <a:ext cx="1200" cy="201600"/>
-          </a:xfrm>
-          <a:prstGeom prst="straightConnector1">
-            <a:avLst/>
-          </a:prstGeom>
-          <a:noFill/>
-          <a:ln cap="flat" cmpd="sng" w="9525">
-            <a:solidFill>
-              <a:schemeClr val="dk2"/>
-            </a:solidFill>
-            <a:prstDash val="solid"/>
-            <a:round/>
-            <a:headEnd len="lg" w="lg" type="none"/>
-            <a:tailEnd len="lg" w="lg" type="triangle"/>
-          </a:ln>
-        </p:spPr>
-      </p:cxnSp>
-      <p:cxnSp>
-        <p:nvCxnSpPr>
-          <p:cNvPr id="298" name="Shape 298"/>
-          <p:cNvCxnSpPr>
-            <a:stCxn id="295" idx="2"/>
-          </p:cNvCxnSpPr>
-          <p:nvPr/>
-        </p:nvCxnSpPr>
-        <p:spPr>
-          <a:xfrm flipH="1">
-            <a:off x="4570800" y="2154712"/>
-            <a:ext cx="1200" cy="212100"/>
-          </a:xfrm>
-          <a:prstGeom prst="straightConnector1">
-            <a:avLst/>
-          </a:prstGeom>
-          <a:noFill/>
-          <a:ln cap="flat" cmpd="sng" w="9525">
-            <a:solidFill>
-              <a:schemeClr val="dk2"/>
-            </a:solidFill>
-            <a:prstDash val="solid"/>
-            <a:round/>
-            <a:headEnd len="lg" w="lg" type="none"/>
-            <a:tailEnd len="lg" w="lg" type="triangle"/>
-          </a:ln>
-        </p:spPr>
-      </p:cxnSp>
-      <p:sp>
-        <p:nvSpPr>
-          <p:cNvPr id="299" name="Shape 299"/>
+      <p:sp>
+        <p:nvSpPr>
+          <p:cNvPr id="303" name="Shape 303"/>
           <p:cNvSpPr/>
           <p:nvPr/>
         </p:nvSpPr>
         <p:spPr>
           <a:xfrm>
-            <a:off x="3987000" y="2358212"/>
-            <a:ext cx="1166700" cy="243899"/>
+            <a:off x="3823500" y="2808625"/>
+            <a:ext cx="1497000" cy="288599"/>
           </a:xfrm>
           <a:prstGeom prst="rect">
             <a:avLst/>
@@ -8011,7 +7903,53 @@
           </a:bodyPr>
           <a:lstStyle/>
           <a:p>
-            <a:pPr algn="ctr">
+            <a:pPr lvl="0" rtl="0" algn="ctr">
+              <a:spcBef>
+                <a:spcPts val="0"/>
+              </a:spcBef>
+              <a:buNone/>
+            </a:pPr>
+            <a:r>
+              <a:rPr lang="ja"/>
+              <a:t>x番目の値を表示</a:t>
+            </a:r>
+          </a:p>
+        </p:txBody>
+      </p:sp>
+      <p:sp>
+        <p:nvSpPr>
+          <p:cNvPr id="304" name="Shape 304"/>
+          <p:cNvSpPr/>
+          <p:nvPr/>
+        </p:nvSpPr>
+        <p:spPr>
+          <a:xfrm>
+            <a:off x="3989250" y="3287875"/>
+            <a:ext cx="1165500" cy="288599"/>
+          </a:xfrm>
+          <a:prstGeom prst="rect">
+            <a:avLst/>
+          </a:prstGeom>
+          <a:solidFill>
+            <a:schemeClr val="lt2"/>
+          </a:solidFill>
+          <a:ln cap="flat" cmpd="sng" w="9525">
+            <a:solidFill>
+              <a:schemeClr val="dk2"/>
+            </a:solidFill>
+            <a:prstDash val="solid"/>
+            <a:round/>
+            <a:headEnd len="med" w="med" type="none"/>
+            <a:tailEnd len="med" w="med" type="none"/>
+          </a:ln>
+        </p:spPr>
+        <p:txBody>
+          <a:bodyPr anchorCtr="0" anchor="ctr" bIns="91425" lIns="91425" rIns="91425" tIns="91425">
+            <a:noAutofit/>
+          </a:bodyPr>
+          <a:lstStyle/>
+          <a:p>
+            <a:pPr lvl="0" rtl="0" algn="ctr">
               <a:spcBef>
                 <a:spcPts val="0"/>
               </a:spcBef>
@@ -8024,44 +7962,16 @@
           </a:p>
         </p:txBody>
       </p:sp>
-      <p:cxnSp>
-        <p:nvCxnSpPr>
-          <p:cNvPr id="300" name="Shape 300"/>
-          <p:cNvCxnSpPr>
-            <a:stCxn id="299" idx="2"/>
-          </p:cNvCxnSpPr>
-          <p:nvPr/>
-        </p:nvCxnSpPr>
-        <p:spPr>
-          <a:xfrm flipH="1">
-            <a:off x="4570050" y="2602112"/>
-            <a:ext cx="300" cy="180300"/>
-          </a:xfrm>
-          <a:prstGeom prst="straightConnector1">
-            <a:avLst/>
-          </a:prstGeom>
-          <a:noFill/>
-          <a:ln cap="flat" cmpd="sng" w="9525">
-            <a:solidFill>
-              <a:schemeClr val="dk2"/>
-            </a:solidFill>
-            <a:prstDash val="solid"/>
-            <a:round/>
-            <a:headEnd len="lg" w="lg" type="none"/>
-            <a:tailEnd len="lg" w="lg" type="triangle"/>
-          </a:ln>
-        </p:spPr>
-      </p:cxnSp>
-      <p:sp>
-        <p:nvSpPr>
-          <p:cNvPr id="301" name="Shape 301"/>
+      <p:sp>
+        <p:nvSpPr>
+          <p:cNvPr id="305" name="Shape 305"/>
           <p:cNvSpPr/>
           <p:nvPr/>
         </p:nvSpPr>
         <p:spPr>
           <a:xfrm>
-            <a:off x="3813750" y="2790600"/>
-            <a:ext cx="1516500" cy="243899"/>
+            <a:off x="3823500" y="3767125"/>
+            <a:ext cx="1497000" cy="288599"/>
           </a:xfrm>
           <a:prstGeom prst="rect">
             <a:avLst/>
@@ -8100,16 +8010,17 @@
       </p:sp>
       <p:cxnSp>
         <p:nvCxnSpPr>
-          <p:cNvPr id="302" name="Shape 302"/>
+          <p:cNvPr id="306" name="Shape 306"/>
           <p:cNvCxnSpPr>
-            <a:stCxn id="301" idx="2"/>
+            <a:stCxn id="300" idx="2"/>
+            <a:endCxn id="299" idx="3"/>
           </p:cNvCxnSpPr>
           <p:nvPr/>
         </p:nvCxnSpPr>
         <p:spPr>
           <a:xfrm>
-            <a:off x="4572000" y="3034499"/>
-            <a:ext cx="0" cy="169800"/>
+            <a:off x="4572000" y="1359923"/>
+            <a:ext cx="0" cy="190800"/>
           </a:xfrm>
           <a:prstGeom prst="straightConnector1">
             <a:avLst/>
@@ -8123,93 +8034,22 @@
             <a:round/>
             <a:headEnd len="lg" w="lg" type="none"/>
             <a:tailEnd len="lg" w="lg" type="triangle"/>
-          </a:ln>
-        </p:spPr>
-      </p:cxnSp>
-      <p:sp>
-        <p:nvSpPr>
-          <p:cNvPr id="303" name="Shape 303"/>
-          <p:cNvSpPr/>
-          <p:nvPr/>
-        </p:nvSpPr>
-        <p:spPr>
-          <a:xfrm>
-            <a:off x="3176275" y="3213000"/>
-            <a:ext cx="2810350" cy="625700"/>
-          </a:xfrm>
-          <a:prstGeom prst="flowChartDecision">
-            <a:avLst/>
-          </a:prstGeom>
-          <a:solidFill>
-            <a:schemeClr val="lt2"/>
-          </a:solidFill>
-          <a:ln cap="flat" cmpd="sng" w="9525">
-            <a:solidFill>
-              <a:schemeClr val="dk2"/>
-            </a:solidFill>
-            <a:prstDash val="solid"/>
-            <a:round/>
-            <a:headEnd len="med" w="med" type="none"/>
-            <a:tailEnd len="med" w="med" type="none"/>
-          </a:ln>
-        </p:spPr>
-        <p:txBody>
-          <a:bodyPr anchorCtr="0" anchor="ctr" bIns="91425" lIns="91425" rIns="91425" tIns="91425">
-            <a:noAutofit/>
-          </a:bodyPr>
-          <a:lstStyle/>
-          <a:p>
-            <a:pPr algn="ctr">
-              <a:spcBef>
-                <a:spcPts val="0"/>
-              </a:spcBef>
-              <a:buNone/>
-            </a:pPr>
-            <a:r>
-              <a:rPr lang="ja"/>
-              <a:t>最初に表示した値の方が大きい</a:t>
-            </a:r>
-          </a:p>
-        </p:txBody>
-      </p:sp>
-      <p:cxnSp>
-        <p:nvCxnSpPr>
-          <p:cNvPr id="304" name="Shape 304"/>
-          <p:cNvCxnSpPr>
-            <a:stCxn id="303" idx="3"/>
-          </p:cNvCxnSpPr>
-          <p:nvPr/>
-        </p:nvCxnSpPr>
-        <p:spPr>
-          <a:xfrm>
-            <a:off x="5986625" y="3525850"/>
-            <a:ext cx="959700" cy="5400"/>
-          </a:xfrm>
-          <a:prstGeom prst="straightConnector1">
-            <a:avLst/>
-          </a:prstGeom>
-          <a:noFill/>
-          <a:ln cap="flat" cmpd="sng" w="9525">
-            <a:solidFill>
-              <a:schemeClr val="dk2"/>
-            </a:solidFill>
-            <a:prstDash val="solid"/>
-            <a:round/>
-            <a:headEnd len="lg" w="lg" type="none"/>
-            <a:tailEnd len="lg" w="lg" type="none"/>
           </a:ln>
         </p:spPr>
       </p:cxnSp>
       <p:cxnSp>
         <p:nvCxnSpPr>
-          <p:cNvPr id="305" name="Shape 305"/>
-          <p:cNvCxnSpPr/>
+          <p:cNvPr id="307" name="Shape 307"/>
+          <p:cNvCxnSpPr>
+            <a:stCxn id="299" idx="1"/>
+            <a:endCxn id="301" idx="0"/>
+          </p:cNvCxnSpPr>
           <p:nvPr/>
         </p:nvCxnSpPr>
         <p:spPr>
           <a:xfrm>
-            <a:off x="6925175" y="3525850"/>
-            <a:ext cx="0" cy="233399"/>
+            <a:off x="4572000" y="1753674"/>
+            <a:ext cx="0" cy="190800"/>
           </a:xfrm>
           <a:prstGeom prst="straightConnector1">
             <a:avLst/>
@@ -8226,154 +8066,48 @@
           </a:ln>
         </p:spPr>
       </p:cxnSp>
-      <p:sp>
-        <p:nvSpPr>
-          <p:cNvPr id="306" name="Shape 306"/>
-          <p:cNvSpPr txBox="1"/>
-          <p:nvPr/>
-        </p:nvSpPr>
-        <p:spPr>
-          <a:xfrm>
-            <a:off x="6217312" y="3266050"/>
-            <a:ext cx="498299" cy="265199"/>
-          </a:xfrm>
-          <a:prstGeom prst="rect">
+      <p:cxnSp>
+        <p:nvCxnSpPr>
+          <p:cNvPr id="308" name="Shape 308"/>
+          <p:cNvCxnSpPr>
+            <a:stCxn id="301" idx="2"/>
+            <a:endCxn id="302" idx="3"/>
+          </p:cNvCxnSpPr>
+          <p:nvPr/>
+        </p:nvCxnSpPr>
+        <p:spPr>
+          <a:xfrm>
+            <a:off x="4572000" y="2232924"/>
+            <a:ext cx="0" cy="190800"/>
+          </a:xfrm>
+          <a:prstGeom prst="straightConnector1">
             <a:avLst/>
           </a:prstGeom>
           <a:noFill/>
-          <a:ln>
-            <a:noFill/>
-          </a:ln>
-        </p:spPr>
-        <p:txBody>
-          <a:bodyPr anchorCtr="0" anchor="ctr" bIns="91425" lIns="91425" rIns="91425" tIns="91425">
-            <a:noAutofit/>
-          </a:bodyPr>
-          <a:lstStyle/>
-          <a:p>
-            <a:pPr indent="0" lvl="0" marL="0" rtl="0" algn="ctr">
-              <a:lnSpc>
-                <a:spcPct val="115000"/>
-              </a:lnSpc>
-              <a:spcBef>
-                <a:spcPts val="0"/>
-              </a:spcBef>
-              <a:buNone/>
-            </a:pPr>
-            <a:r>
-              <a:rPr lang="ja">
-                <a:solidFill>
-                  <a:schemeClr val="dk1"/>
-                </a:solidFill>
-              </a:rPr>
-              <a:t>yes</a:t>
-            </a:r>
-          </a:p>
-        </p:txBody>
-      </p:sp>
-      <p:sp>
-        <p:nvSpPr>
-          <p:cNvPr id="307" name="Shape 307"/>
-          <p:cNvSpPr txBox="1"/>
-          <p:nvPr/>
-        </p:nvSpPr>
-        <p:spPr>
-          <a:xfrm>
-            <a:off x="4507225" y="3890487"/>
-            <a:ext cx="498299" cy="265199"/>
-          </a:xfrm>
-          <a:prstGeom prst="rect">
-            <a:avLst/>
-          </a:prstGeom>
-          <a:noFill/>
-          <a:ln>
-            <a:noFill/>
-          </a:ln>
-        </p:spPr>
-        <p:txBody>
-          <a:bodyPr anchorCtr="0" anchor="ctr" bIns="91425" lIns="91425" rIns="91425" tIns="91425">
-            <a:noAutofit/>
-          </a:bodyPr>
-          <a:lstStyle/>
-          <a:p>
-            <a:pPr indent="0" lvl="0" marL="0" rtl="0" algn="ctr">
-              <a:lnSpc>
-                <a:spcPct val="115000"/>
-              </a:lnSpc>
-              <a:spcBef>
-                <a:spcPts val="0"/>
-              </a:spcBef>
-              <a:buNone/>
-            </a:pPr>
-            <a:r>
-              <a:rPr lang="ja">
-                <a:solidFill>
-                  <a:schemeClr val="dk1"/>
-                </a:solidFill>
-              </a:rPr>
-              <a:t>no</a:t>
-            </a:r>
-          </a:p>
-        </p:txBody>
-      </p:sp>
-      <p:sp>
-        <p:nvSpPr>
-          <p:cNvPr id="308" name="Shape 308"/>
-          <p:cNvSpPr/>
-          <p:nvPr/>
-        </p:nvSpPr>
-        <p:spPr>
-          <a:xfrm>
-            <a:off x="6267725" y="3757162"/>
-            <a:ext cx="1314900" cy="265199"/>
-          </a:xfrm>
-          <a:prstGeom prst="rect">
-            <a:avLst/>
-          </a:prstGeom>
-          <a:solidFill>
-            <a:schemeClr val="lt2"/>
-          </a:solidFill>
-          <a:ln cap="flat" cmpd="sng" w="9525">
-            <a:solidFill>
-              <a:schemeClr val="dk2"/>
-            </a:solidFill>
-            <a:prstDash val="solid"/>
-            <a:round/>
-            <a:headEnd len="med" w="med" type="none"/>
-            <a:tailEnd len="med" w="med" type="none"/>
-          </a:ln>
-        </p:spPr>
-        <p:txBody>
-          <a:bodyPr anchorCtr="0" anchor="ctr" bIns="91425" lIns="91425" rIns="91425" tIns="91425">
-            <a:noAutofit/>
-          </a:bodyPr>
-          <a:lstStyle/>
-          <a:p>
-            <a:pPr algn="ctr">
-              <a:spcBef>
-                <a:spcPts val="0"/>
-              </a:spcBef>
-              <a:buNone/>
-            </a:pPr>
-            <a:r>
-              <a:rPr lang="ja"/>
-              <a:t>2つの値を交換</a:t>
-            </a:r>
-          </a:p>
-        </p:txBody>
-      </p:sp>
+          <a:ln cap="flat" cmpd="sng" w="9525">
+            <a:solidFill>
+              <a:schemeClr val="dk2"/>
+            </a:solidFill>
+            <a:prstDash val="solid"/>
+            <a:round/>
+            <a:headEnd len="lg" w="lg" type="none"/>
+            <a:tailEnd len="lg" w="lg" type="triangle"/>
+          </a:ln>
+        </p:spPr>
+      </p:cxnSp>
       <p:cxnSp>
         <p:nvCxnSpPr>
           <p:cNvPr id="309" name="Shape 309"/>
           <p:cNvCxnSpPr>
-            <a:stCxn id="303" idx="2"/>
+            <a:stCxn id="302" idx="1"/>
+            <a:endCxn id="303" idx="0"/>
           </p:cNvCxnSpPr>
           <p:nvPr/>
         </p:nvCxnSpPr>
         <p:spPr>
           <a:xfrm>
-            <a:off x="4581450" y="3838700"/>
-            <a:ext cx="0" cy="540900"/>
+            <a:off x="4571999" y="2617975"/>
+            <a:ext cx="0" cy="190500"/>
           </a:xfrm>
           <a:prstGeom prst="straightConnector1">
             <a:avLst/>
@@ -8394,14 +8128,15 @@
         <p:nvCxnSpPr>
           <p:cNvPr id="310" name="Shape 310"/>
           <p:cNvCxnSpPr>
-            <a:stCxn id="308" idx="2"/>
+            <a:stCxn id="303" idx="2"/>
+            <a:endCxn id="304" idx="0"/>
           </p:cNvCxnSpPr>
           <p:nvPr/>
         </p:nvCxnSpPr>
         <p:spPr>
-          <a:xfrm flipH="1">
-            <a:off x="6924875" y="4022362"/>
-            <a:ext cx="300" cy="190500"/>
+          <a:xfrm>
+            <a:off x="4572000" y="3097224"/>
+            <a:ext cx="0" cy="190799"/>
           </a:xfrm>
           <a:prstGeom prst="straightConnector1">
             <a:avLst/>
@@ -8414,149 +8149,52 @@
             <a:prstDash val="solid"/>
             <a:round/>
             <a:headEnd len="lg" w="lg" type="none"/>
-            <a:tailEnd len="lg" w="lg" type="none"/>
+            <a:tailEnd len="lg" w="lg" type="triangle"/>
           </a:ln>
         </p:spPr>
       </p:cxnSp>
-      <p:sp>
-        <p:nvSpPr>
+      <p:cxnSp>
+        <p:nvCxnSpPr>
           <p:cNvPr id="311" name="Shape 311"/>
-          <p:cNvSpPr/>
-          <p:nvPr/>
-        </p:nvSpPr>
-        <p:spPr>
-          <a:xfrm>
-            <a:off x="3668850" y="4390987"/>
-            <a:ext cx="1802699" cy="243899"/>
-          </a:xfrm>
-          <a:prstGeom prst="snip2SameRect">
-            <a:avLst>
-              <a:gd fmla="val 0" name="adj1"/>
-              <a:gd fmla="val 50000" name="adj2"/>
-            </a:avLst>
-          </a:prstGeom>
-          <a:solidFill>
-            <a:schemeClr val="lt2"/>
-          </a:solidFill>
-          <a:ln cap="flat" cmpd="sng" w="9525">
-            <a:solidFill>
-              <a:schemeClr val="dk2"/>
-            </a:solidFill>
-            <a:prstDash val="solid"/>
-            <a:round/>
-            <a:headEnd len="med" w="med" type="none"/>
-            <a:tailEnd len="med" w="med" type="none"/>
-          </a:ln>
-        </p:spPr>
-        <p:txBody>
-          <a:bodyPr anchorCtr="0" anchor="ctr" bIns="91425" lIns="91425" rIns="91425" tIns="91425">
-            <a:noAutofit/>
-          </a:bodyPr>
-          <a:lstStyle/>
-          <a:p>
-            <a:pPr>
-              <a:spcBef>
-                <a:spcPts val="0"/>
-              </a:spcBef>
-              <a:buNone/>
-            </a:pPr>
-            <a:r>
-              <a:t/>
-            </a:r>
-            <a:endParaRPr/>
-          </a:p>
-        </p:txBody>
-      </p:sp>
+          <p:cNvCxnSpPr>
+            <a:stCxn id="304" idx="2"/>
+            <a:endCxn id="305" idx="0"/>
+          </p:cNvCxnSpPr>
+          <p:nvPr/>
+        </p:nvCxnSpPr>
+        <p:spPr>
+          <a:xfrm>
+            <a:off x="4572000" y="3576474"/>
+            <a:ext cx="0" cy="190800"/>
+          </a:xfrm>
+          <a:prstGeom prst="straightConnector1">
+            <a:avLst/>
+          </a:prstGeom>
+          <a:noFill/>
+          <a:ln cap="flat" cmpd="sng" w="9525">
+            <a:solidFill>
+              <a:schemeClr val="dk2"/>
+            </a:solidFill>
+            <a:prstDash val="solid"/>
+            <a:round/>
+            <a:headEnd len="lg" w="lg" type="none"/>
+            <a:tailEnd len="lg" w="lg" type="triangle"/>
+          </a:ln>
+        </p:spPr>
+      </p:cxnSp>
       <p:cxnSp>
         <p:nvCxnSpPr>
           <p:cNvPr id="312" name="Shape 312"/>
           <p:cNvCxnSpPr>
-            <a:stCxn id="311" idx="1"/>
+            <a:stCxn id="305" idx="2"/>
+            <a:endCxn id="313" idx="0"/>
           </p:cNvCxnSpPr>
           <p:nvPr/>
         </p:nvCxnSpPr>
         <p:spPr>
           <a:xfrm>
-            <a:off x="4570199" y="4634887"/>
-            <a:ext cx="0" cy="254700"/>
-          </a:xfrm>
-          <a:prstGeom prst="straightConnector1">
-            <a:avLst/>
-          </a:prstGeom>
-          <a:noFill/>
-          <a:ln cap="flat" cmpd="sng" w="9525">
-            <a:solidFill>
-              <a:schemeClr val="dk2"/>
-            </a:solidFill>
-            <a:prstDash val="solid"/>
-            <a:round/>
-            <a:headEnd len="lg" w="lg" type="none"/>
-            <a:tailEnd len="lg" w="lg" type="triangle"/>
-          </a:ln>
-        </p:spPr>
-      </p:cxnSp>
-      <p:cxnSp>
-        <p:nvCxnSpPr>
-          <p:cNvPr id="313" name="Shape 313"/>
-          <p:cNvCxnSpPr/>
-          <p:nvPr/>
-        </p:nvCxnSpPr>
-        <p:spPr>
-          <a:xfrm rot="10800000">
-            <a:off x="4572000" y="4207487"/>
-            <a:ext cx="2354399" cy="10500"/>
-          </a:xfrm>
-          <a:prstGeom prst="straightConnector1">
-            <a:avLst/>
-          </a:prstGeom>
-          <a:noFill/>
-          <a:ln cap="flat" cmpd="sng" w="9525">
-            <a:solidFill>
-              <a:schemeClr val="dk2"/>
-            </a:solidFill>
-            <a:prstDash val="solid"/>
-            <a:round/>
-            <a:headEnd len="lg" w="lg" type="none"/>
-            <a:tailEnd len="lg" w="lg" type="triangle"/>
-          </a:ln>
-        </p:spPr>
-      </p:cxnSp>
-      <p:cxnSp>
-        <p:nvCxnSpPr>
-          <p:cNvPr id="314" name="Shape 314"/>
-          <p:cNvCxnSpPr/>
-          <p:nvPr/>
-        </p:nvCxnSpPr>
-        <p:spPr>
-          <a:xfrm rot="10800000">
-            <a:off x="2948225" y="1293874"/>
-            <a:ext cx="0" cy="3573900"/>
-          </a:xfrm>
-          <a:prstGeom prst="straightConnector1">
-            <a:avLst/>
-          </a:prstGeom>
-          <a:noFill/>
-          <a:ln cap="flat" cmpd="sng" w="9525">
-            <a:solidFill>
-              <a:schemeClr val="dk2"/>
-            </a:solidFill>
-            <a:prstDash val="solid"/>
-            <a:round/>
-            <a:headEnd len="lg" w="lg" type="none"/>
-            <a:tailEnd len="lg" w="lg" type="none"/>
-          </a:ln>
-        </p:spPr>
-      </p:cxnSp>
-      <p:cxnSp>
-        <p:nvCxnSpPr>
-          <p:cNvPr id="315" name="Shape 315"/>
-          <p:cNvCxnSpPr/>
-          <p:nvPr/>
-        </p:nvCxnSpPr>
-        <p:spPr>
-          <a:xfrm>
-            <a:off x="2958850" y="1293825"/>
-            <a:ext cx="1633199" cy="0"/>
+            <a:off x="4572000" y="4055724"/>
+            <a:ext cx="0" cy="575700"/>
           </a:xfrm>
           <a:prstGeom prst="straightConnector1">
             <a:avLst/>
@@ -8589,7 +8227,7 @@
   <p:cSld>
     <p:spTree>
       <p:nvGrpSpPr>
-        <p:cNvPr id="319" name="Shape 319"/>
+        <p:cNvPr id="317" name="Shape 317"/>
         <p:cNvGrpSpPr/>
         <p:nvPr/>
       </p:nvGrpSpPr>
@@ -8603,7 +8241,7 @@
       </p:grpSpPr>
       <p:sp>
         <p:nvSpPr>
-          <p:cNvPr id="320" name="Shape 320"/>
+          <p:cNvPr id="318" name="Shape 318"/>
           <p:cNvSpPr txBox="1"/>
           <p:nvPr>
             <p:ph type="title"/>
@@ -8624,7 +8262,7 @@
           </a:bodyPr>
           <a:lstStyle/>
           <a:p>
-            <a:pPr lvl="0" rtl="0">
+            <a:pPr>
               <a:spcBef>
                 <a:spcPts val="0"/>
               </a:spcBef>
@@ -8637,44 +8275,18 @@
           </a:p>
         </p:txBody>
       </p:sp>
-      <p:cxnSp>
-        <p:nvCxnSpPr>
-          <p:cNvPr id="321" name="Shape 321"/>
-          <p:cNvCxnSpPr/>
-          <p:nvPr/>
-        </p:nvCxnSpPr>
-        <p:spPr>
-          <a:xfrm>
-            <a:off x="4571700" y="339225"/>
-            <a:ext cx="599" cy="1983000"/>
-          </a:xfrm>
-          <a:prstGeom prst="straightConnector1">
-            <a:avLst/>
-          </a:prstGeom>
-          <a:noFill/>
-          <a:ln cap="flat" cmpd="sng" w="9525">
-            <a:solidFill>
-              <a:schemeClr val="dk2"/>
-            </a:solidFill>
-            <a:prstDash val="solid"/>
-            <a:round/>
-            <a:headEnd len="lg" w="lg" type="none"/>
-            <a:tailEnd len="lg" w="lg" type="triangle"/>
-          </a:ln>
-        </p:spPr>
-      </p:cxnSp>
-      <p:sp>
-        <p:nvSpPr>
-          <p:cNvPr id="322" name="Shape 322"/>
+      <p:sp>
+        <p:nvSpPr>
+          <p:cNvPr id="319" name="Shape 319"/>
           <p:cNvSpPr/>
           <p:nvPr/>
         </p:nvSpPr>
         <p:spPr>
           <a:xfrm>
-            <a:off x="3868800" y="2322225"/>
-            <a:ext cx="1405200" cy="243899"/>
-          </a:xfrm>
-          <a:prstGeom prst="rect">
+            <a:off x="3181862" y="1391675"/>
+            <a:ext cx="2780275" cy="572700"/>
+          </a:xfrm>
+          <a:prstGeom prst="flowChartDecision">
             <a:avLst/>
           </a:prstGeom>
           <a:solidFill>
@@ -8704,24 +8316,76 @@
             </a:pPr>
             <a:r>
               <a:rPr lang="ja"/>
-              <a:t>終端の値を除外</a:t>
+              <a:t>最初に表示した値の方が大きい</a:t>
             </a:r>
           </a:p>
         </p:txBody>
       </p:sp>
+      <p:cxnSp>
+        <p:nvCxnSpPr>
+          <p:cNvPr id="320" name="Shape 320"/>
+          <p:cNvCxnSpPr>
+            <a:stCxn id="321" idx="2"/>
+            <a:endCxn id="319" idx="0"/>
+          </p:cNvCxnSpPr>
+          <p:nvPr/>
+        </p:nvCxnSpPr>
+        <p:spPr>
+          <a:xfrm>
+            <a:off x="4572000" y="698975"/>
+            <a:ext cx="0" cy="692700"/>
+          </a:xfrm>
+          <a:prstGeom prst="straightConnector1">
+            <a:avLst/>
+          </a:prstGeom>
+          <a:noFill/>
+          <a:ln cap="flat" cmpd="sng" w="9525">
+            <a:solidFill>
+              <a:schemeClr val="dk2"/>
+            </a:solidFill>
+            <a:prstDash val="solid"/>
+            <a:round/>
+            <a:headEnd len="lg" w="lg" type="none"/>
+            <a:tailEnd len="lg" w="lg" type="triangle"/>
+          </a:ln>
+        </p:spPr>
+      </p:cxnSp>
+      <p:cxnSp>
+        <p:nvCxnSpPr>
+          <p:cNvPr id="322" name="Shape 322"/>
+          <p:cNvCxnSpPr/>
+          <p:nvPr/>
+        </p:nvCxnSpPr>
+        <p:spPr>
+          <a:xfrm>
+            <a:off x="5962150" y="1674725"/>
+            <a:ext cx="988499" cy="6599"/>
+          </a:xfrm>
+          <a:prstGeom prst="straightConnector1">
+            <a:avLst/>
+          </a:prstGeom>
+          <a:noFill/>
+          <a:ln cap="flat" cmpd="sng" w="9525">
+            <a:solidFill>
+              <a:schemeClr val="dk2"/>
+            </a:solidFill>
+            <a:prstDash val="solid"/>
+            <a:round/>
+            <a:headEnd len="lg" w="lg" type="none"/>
+            <a:tailEnd len="lg" w="lg" type="none"/>
+          </a:ln>
+        </p:spPr>
+      </p:cxnSp>
       <p:cxnSp>
         <p:nvCxnSpPr>
           <p:cNvPr id="323" name="Shape 323"/>
-          <p:cNvCxnSpPr>
-            <a:stCxn id="322" idx="2"/>
-            <a:endCxn id="324" idx="0"/>
-          </p:cNvCxnSpPr>
+          <p:cNvCxnSpPr/>
           <p:nvPr/>
         </p:nvCxnSpPr>
         <p:spPr>
           <a:xfrm>
-            <a:off x="4571400" y="2566124"/>
-            <a:ext cx="600" cy="312900"/>
+            <a:off x="6950650" y="1674725"/>
+            <a:ext cx="0" cy="192599"/>
           </a:xfrm>
           <a:prstGeom prst="straightConnector1">
             <a:avLst/>
@@ -8746,10 +8410,10 @@
         </p:nvSpPr>
         <p:spPr>
           <a:xfrm>
-            <a:off x="3702350" y="2879125"/>
-            <a:ext cx="1739300" cy="339400"/>
-          </a:xfrm>
-          <a:prstGeom prst="flowChartDecision">
+            <a:off x="6287650" y="1867312"/>
+            <a:ext cx="1326000" cy="288599"/>
+          </a:xfrm>
+          <a:prstGeom prst="rect">
             <a:avLst/>
           </a:prstGeom>
           <a:solidFill>
@@ -8771,7 +8435,7 @@
           </a:bodyPr>
           <a:lstStyle/>
           <a:p>
-            <a:pPr algn="ctr">
+            <a:pPr lvl="0" rtl="0" algn="ctr">
               <a:spcBef>
                 <a:spcPts val="0"/>
               </a:spcBef>
@@ -8779,7 +8443,7 @@
             </a:pPr>
             <a:r>
               <a:rPr lang="ja"/>
-              <a:t>値がない</a:t>
+              <a:t>2つの値を交換</a:t>
             </a:r>
           </a:p>
         </p:txBody>
@@ -8787,15 +8451,13 @@
       <p:cxnSp>
         <p:nvCxnSpPr>
           <p:cNvPr id="325" name="Shape 325"/>
-          <p:cNvCxnSpPr>
-            <a:stCxn id="324" idx="2"/>
-          </p:cNvCxnSpPr>
+          <p:cNvCxnSpPr/>
           <p:nvPr/>
         </p:nvCxnSpPr>
         <p:spPr>
-          <a:xfrm flipH="1">
-            <a:off x="4570800" y="3218525"/>
-            <a:ext cx="1200" cy="312900"/>
+          <a:xfrm>
+            <a:off x="6950650" y="2155925"/>
+            <a:ext cx="0" cy="181800"/>
           </a:xfrm>
           <a:prstGeom prst="straightConnector1">
             <a:avLst/>
@@ -8820,88 +8482,8 @@
         </p:nvCxnSpPr>
         <p:spPr>
           <a:xfrm rot="10800000">
-            <a:off x="2820975" y="3531525"/>
-            <a:ext cx="1771199" cy="0"/>
-          </a:xfrm>
-          <a:prstGeom prst="straightConnector1">
-            <a:avLst/>
-          </a:prstGeom>
-          <a:noFill/>
-          <a:ln cap="flat" cmpd="sng" w="9525">
-            <a:solidFill>
-              <a:schemeClr val="dk2"/>
-            </a:solidFill>
-            <a:prstDash val="solid"/>
-            <a:round/>
-            <a:headEnd len="lg" w="lg" type="none"/>
-            <a:tailEnd len="lg" w="lg" type="none"/>
-          </a:ln>
-        </p:spPr>
-      </p:cxnSp>
-      <p:cxnSp>
-        <p:nvCxnSpPr>
-          <p:cNvPr id="327" name="Shape 327"/>
-          <p:cNvCxnSpPr/>
-          <p:nvPr/>
-        </p:nvCxnSpPr>
-        <p:spPr>
-          <a:xfrm rot="10800000">
-            <a:off x="2820975" y="403125"/>
-            <a:ext cx="0" cy="3128399"/>
-          </a:xfrm>
-          <a:prstGeom prst="straightConnector1">
-            <a:avLst/>
-          </a:prstGeom>
-          <a:noFill/>
-          <a:ln cap="flat" cmpd="sng" w="9525">
-            <a:solidFill>
-              <a:schemeClr val="dk2"/>
-            </a:solidFill>
-            <a:prstDash val="solid"/>
-            <a:round/>
-            <a:headEnd len="lg" w="lg" type="none"/>
-            <a:tailEnd len="lg" w="lg" type="none"/>
-          </a:ln>
-        </p:spPr>
-      </p:cxnSp>
-      <p:cxnSp>
-        <p:nvCxnSpPr>
-          <p:cNvPr id="328" name="Shape 328"/>
-          <p:cNvCxnSpPr>
-            <a:stCxn id="324" idx="3"/>
-          </p:cNvCxnSpPr>
-          <p:nvPr/>
-        </p:nvCxnSpPr>
-        <p:spPr>
-          <a:xfrm>
-            <a:off x="5441650" y="3048825"/>
-            <a:ext cx="762300" cy="5400"/>
-          </a:xfrm>
-          <a:prstGeom prst="straightConnector1">
-            <a:avLst/>
-          </a:prstGeom>
-          <a:noFill/>
-          <a:ln cap="flat" cmpd="sng" w="9525">
-            <a:solidFill>
-              <a:schemeClr val="dk2"/>
-            </a:solidFill>
-            <a:prstDash val="solid"/>
-            <a:round/>
-            <a:headEnd len="lg" w="lg" type="none"/>
-            <a:tailEnd len="lg" w="lg" type="none"/>
-          </a:ln>
-        </p:spPr>
-      </p:cxnSp>
-      <p:cxnSp>
-        <p:nvCxnSpPr>
-          <p:cNvPr id="329" name="Shape 329"/>
-          <p:cNvCxnSpPr/>
-          <p:nvPr/>
-        </p:nvCxnSpPr>
-        <p:spPr>
-          <a:xfrm>
-            <a:off x="6204025" y="3064900"/>
-            <a:ext cx="0" cy="689400"/>
+            <a:off x="4572000" y="2334375"/>
+            <a:ext cx="2373899" cy="0"/>
           </a:xfrm>
           <a:prstGeom prst="straightConnector1">
             <a:avLst/>
@@ -8920,16 +8502,16 @@
       </p:cxnSp>
       <p:sp>
         <p:nvSpPr>
-          <p:cNvPr id="330" name="Shape 330"/>
+          <p:cNvPr id="327" name="Shape 327"/>
           <p:cNvSpPr/>
           <p:nvPr/>
         </p:nvSpPr>
         <p:spPr>
           <a:xfrm>
-            <a:off x="5694962" y="3754300"/>
-            <a:ext cx="1018116" cy="339389"/>
-          </a:xfrm>
-          <a:prstGeom prst="flowChartTerminator">
+            <a:off x="3826487" y="3405475"/>
+            <a:ext cx="1491000" cy="288599"/>
+          </a:xfrm>
+          <a:prstGeom prst="rect">
             <a:avLst/>
           </a:prstGeom>
           <a:solidFill>
@@ -8959,20 +8541,20 @@
             </a:pPr>
             <a:r>
               <a:rPr lang="ja"/>
-              <a:t>end</a:t>
+              <a:t>x番目の値を除外</a:t>
             </a:r>
           </a:p>
         </p:txBody>
       </p:sp>
       <p:sp>
         <p:nvSpPr>
-          <p:cNvPr id="331" name="Shape 331"/>
+          <p:cNvPr id="328" name="Shape 328"/>
           <p:cNvSpPr txBox="1"/>
           <p:nvPr/>
         </p:nvSpPr>
         <p:spPr>
           <a:xfrm>
-            <a:off x="5573637" y="2789025"/>
+            <a:off x="6207250" y="1416125"/>
             <a:ext cx="498299" cy="265199"/>
           </a:xfrm>
           <a:prstGeom prst="rect">
@@ -9011,13 +8593,13 @@
       </p:sp>
       <p:sp>
         <p:nvSpPr>
-          <p:cNvPr id="332" name="Shape 332"/>
+          <p:cNvPr id="329" name="Shape 329"/>
           <p:cNvSpPr txBox="1"/>
           <p:nvPr/>
         </p:nvSpPr>
         <p:spPr>
           <a:xfrm>
-            <a:off x="4496625" y="3242362"/>
+            <a:off x="4474600" y="2016762"/>
             <a:ext cx="498299" cy="265199"/>
           </a:xfrm>
           <a:prstGeom prst="rect">
@@ -9054,6 +8636,340 @@
           </a:p>
         </p:txBody>
       </p:sp>
+      <p:sp>
+        <p:nvSpPr>
+          <p:cNvPr id="330" name="Shape 330"/>
+          <p:cNvSpPr/>
+          <p:nvPr/>
+        </p:nvSpPr>
+        <p:spPr>
+          <a:xfrm>
+            <a:off x="3647100" y="2495462"/>
+            <a:ext cx="1849799" cy="194400"/>
+          </a:xfrm>
+          <a:prstGeom prst="snip2SameRect">
+            <a:avLst>
+              <a:gd fmla="val 0" name="adj1"/>
+              <a:gd fmla="val 50000" name="adj2"/>
+            </a:avLst>
+          </a:prstGeom>
+          <a:solidFill>
+            <a:schemeClr val="lt2"/>
+          </a:solidFill>
+          <a:ln cap="flat" cmpd="sng" w="9525">
+            <a:solidFill>
+              <a:schemeClr val="dk2"/>
+            </a:solidFill>
+            <a:prstDash val="solid"/>
+            <a:round/>
+            <a:headEnd len="med" w="med" type="none"/>
+            <a:tailEnd len="med" w="med" type="none"/>
+          </a:ln>
+        </p:spPr>
+        <p:txBody>
+          <a:bodyPr anchorCtr="0" anchor="ctr" bIns="91425" lIns="91425" rIns="91425" tIns="91425">
+            <a:noAutofit/>
+          </a:bodyPr>
+          <a:lstStyle/>
+          <a:p>
+            <a:pPr lvl="0" rtl="0" algn="ctr">
+              <a:spcBef>
+                <a:spcPts val="0"/>
+              </a:spcBef>
+              <a:buNone/>
+            </a:pPr>
+            <a:r>
+              <a:t/>
+            </a:r>
+            <a:endParaRPr/>
+          </a:p>
+        </p:txBody>
+      </p:sp>
+      <p:sp>
+        <p:nvSpPr>
+          <p:cNvPr id="331" name="Shape 331"/>
+          <p:cNvSpPr/>
+          <p:nvPr/>
+        </p:nvSpPr>
+        <p:spPr>
+          <a:xfrm>
+            <a:off x="4053287" y="3907575"/>
+            <a:ext cx="1037400" cy="203099"/>
+          </a:xfrm>
+          <a:prstGeom prst="snip2SameRect">
+            <a:avLst>
+              <a:gd fmla="val 0" name="adj1"/>
+              <a:gd fmla="val 50000" name="adj2"/>
+            </a:avLst>
+          </a:prstGeom>
+          <a:solidFill>
+            <a:schemeClr val="lt2"/>
+          </a:solidFill>
+          <a:ln cap="flat" cmpd="sng" w="9525">
+            <a:solidFill>
+              <a:schemeClr val="dk2"/>
+            </a:solidFill>
+            <a:prstDash val="solid"/>
+            <a:round/>
+            <a:headEnd len="med" w="med" type="none"/>
+            <a:tailEnd len="med" w="med" type="none"/>
+          </a:ln>
+        </p:spPr>
+        <p:txBody>
+          <a:bodyPr anchorCtr="0" anchor="ctr" bIns="91425" lIns="91425" rIns="91425" tIns="91425">
+            <a:noAutofit/>
+          </a:bodyPr>
+          <a:lstStyle/>
+          <a:p>
+            <a:pPr lvl="0" rtl="0" algn="ctr">
+              <a:spcBef>
+                <a:spcPts val="0"/>
+              </a:spcBef>
+              <a:buNone/>
+            </a:pPr>
+            <a:r>
+              <a:t/>
+            </a:r>
+            <a:endParaRPr/>
+          </a:p>
+        </p:txBody>
+      </p:sp>
+      <p:cxnSp>
+        <p:nvCxnSpPr>
+          <p:cNvPr id="332" name="Shape 332"/>
+          <p:cNvCxnSpPr>
+            <a:stCxn id="319" idx="2"/>
+            <a:endCxn id="330" idx="3"/>
+          </p:cNvCxnSpPr>
+          <p:nvPr/>
+        </p:nvCxnSpPr>
+        <p:spPr>
+          <a:xfrm>
+            <a:off x="4572000" y="1964375"/>
+            <a:ext cx="0" cy="531000"/>
+          </a:xfrm>
+          <a:prstGeom prst="straightConnector1">
+            <a:avLst/>
+          </a:prstGeom>
+          <a:noFill/>
+          <a:ln cap="flat" cmpd="sng" w="9525">
+            <a:solidFill>
+              <a:schemeClr val="dk2"/>
+            </a:solidFill>
+            <a:prstDash val="solid"/>
+            <a:round/>
+            <a:headEnd len="lg" w="lg" type="none"/>
+            <a:tailEnd len="lg" w="lg" type="triangle"/>
+          </a:ln>
+        </p:spPr>
+      </p:cxnSp>
+      <p:sp>
+        <p:nvSpPr>
+          <p:cNvPr id="333" name="Shape 333"/>
+          <p:cNvSpPr/>
+          <p:nvPr/>
+        </p:nvSpPr>
+        <p:spPr>
+          <a:xfrm>
+            <a:off x="3826500" y="2903375"/>
+            <a:ext cx="1491000" cy="288599"/>
+          </a:xfrm>
+          <a:prstGeom prst="rect">
+            <a:avLst/>
+          </a:prstGeom>
+          <a:solidFill>
+            <a:schemeClr val="lt2"/>
+          </a:solidFill>
+          <a:ln cap="flat" cmpd="sng" w="9525">
+            <a:solidFill>
+              <a:schemeClr val="dk2"/>
+            </a:solidFill>
+            <a:prstDash val="solid"/>
+            <a:round/>
+            <a:headEnd len="med" w="med" type="none"/>
+            <a:tailEnd len="med" w="med" type="none"/>
+          </a:ln>
+        </p:spPr>
+        <p:txBody>
+          <a:bodyPr anchorCtr="0" anchor="ctr" bIns="91425" lIns="91425" rIns="91425" tIns="91425">
+            <a:noAutofit/>
+          </a:bodyPr>
+          <a:lstStyle/>
+          <a:p>
+            <a:pPr lvl="0" rtl="0" algn="ctr">
+              <a:spcBef>
+                <a:spcPts val="0"/>
+              </a:spcBef>
+              <a:buNone/>
+            </a:pPr>
+            <a:r>
+              <a:rPr lang="ja"/>
+              <a:t>x番目の値を表示</a:t>
+            </a:r>
+          </a:p>
+        </p:txBody>
+      </p:sp>
+      <p:sp>
+        <p:nvSpPr>
+          <p:cNvPr id="334" name="Shape 334"/>
+          <p:cNvSpPr/>
+          <p:nvPr/>
+        </p:nvSpPr>
+        <p:spPr>
+          <a:xfrm>
+            <a:off x="4058725" y="4324175"/>
+            <a:ext cx="1026540" cy="342198"/>
+          </a:xfrm>
+          <a:prstGeom prst="flowChartTerminator">
+            <a:avLst/>
+          </a:prstGeom>
+          <a:solidFill>
+            <a:schemeClr val="lt2"/>
+          </a:solidFill>
+          <a:ln cap="flat" cmpd="sng" w="9525">
+            <a:solidFill>
+              <a:schemeClr val="dk2"/>
+            </a:solidFill>
+            <a:prstDash val="solid"/>
+            <a:round/>
+            <a:headEnd len="med" w="med" type="none"/>
+            <a:tailEnd len="med" w="med" type="none"/>
+          </a:ln>
+        </p:spPr>
+        <p:txBody>
+          <a:bodyPr anchorCtr="0" anchor="ctr" bIns="91425" lIns="91425" rIns="91425" tIns="91425">
+            <a:noAutofit/>
+          </a:bodyPr>
+          <a:lstStyle/>
+          <a:p>
+            <a:pPr lvl="0" rtl="0" algn="ctr">
+              <a:spcBef>
+                <a:spcPts val="0"/>
+              </a:spcBef>
+              <a:buNone/>
+            </a:pPr>
+            <a:r>
+              <a:rPr lang="ja"/>
+              <a:t>end</a:t>
+            </a:r>
+          </a:p>
+        </p:txBody>
+      </p:sp>
+      <p:cxnSp>
+        <p:nvCxnSpPr>
+          <p:cNvPr id="335" name="Shape 335"/>
+          <p:cNvCxnSpPr>
+            <a:endCxn id="333" idx="0"/>
+          </p:cNvCxnSpPr>
+          <p:nvPr/>
+        </p:nvCxnSpPr>
+        <p:spPr>
+          <a:xfrm>
+            <a:off x="4572000" y="2689775"/>
+            <a:ext cx="0" cy="213600"/>
+          </a:xfrm>
+          <a:prstGeom prst="straightConnector1">
+            <a:avLst/>
+          </a:prstGeom>
+          <a:noFill/>
+          <a:ln cap="flat" cmpd="sng" w="9525">
+            <a:solidFill>
+              <a:schemeClr val="dk2"/>
+            </a:solidFill>
+            <a:prstDash val="solid"/>
+            <a:round/>
+            <a:headEnd len="lg" w="lg" type="none"/>
+            <a:tailEnd len="lg" w="lg" type="triangle"/>
+          </a:ln>
+        </p:spPr>
+      </p:cxnSp>
+      <p:cxnSp>
+        <p:nvCxnSpPr>
+          <p:cNvPr id="336" name="Shape 336"/>
+          <p:cNvCxnSpPr>
+            <a:stCxn id="333" idx="2"/>
+            <a:endCxn id="327" idx="0"/>
+          </p:cNvCxnSpPr>
+          <p:nvPr/>
+        </p:nvCxnSpPr>
+        <p:spPr>
+          <a:xfrm>
+            <a:off x="4572000" y="3191974"/>
+            <a:ext cx="0" cy="213599"/>
+          </a:xfrm>
+          <a:prstGeom prst="straightConnector1">
+            <a:avLst/>
+          </a:prstGeom>
+          <a:noFill/>
+          <a:ln cap="flat" cmpd="sng" w="9525">
+            <a:solidFill>
+              <a:schemeClr val="dk2"/>
+            </a:solidFill>
+            <a:prstDash val="solid"/>
+            <a:round/>
+            <a:headEnd len="lg" w="lg" type="none"/>
+            <a:tailEnd len="lg" w="lg" type="triangle"/>
+          </a:ln>
+        </p:spPr>
+      </p:cxnSp>
+      <p:cxnSp>
+        <p:nvCxnSpPr>
+          <p:cNvPr id="337" name="Shape 337"/>
+          <p:cNvCxnSpPr>
+            <a:stCxn id="327" idx="2"/>
+            <a:endCxn id="331" idx="3"/>
+          </p:cNvCxnSpPr>
+          <p:nvPr/>
+        </p:nvCxnSpPr>
+        <p:spPr>
+          <a:xfrm>
+            <a:off x="4571987" y="3694074"/>
+            <a:ext cx="0" cy="213600"/>
+          </a:xfrm>
+          <a:prstGeom prst="straightConnector1">
+            <a:avLst/>
+          </a:prstGeom>
+          <a:noFill/>
+          <a:ln cap="flat" cmpd="sng" w="9525">
+            <a:solidFill>
+              <a:schemeClr val="dk2"/>
+            </a:solidFill>
+            <a:prstDash val="solid"/>
+            <a:round/>
+            <a:headEnd len="lg" w="lg" type="none"/>
+            <a:tailEnd len="lg" w="lg" type="triangle"/>
+          </a:ln>
+        </p:spPr>
+      </p:cxnSp>
+      <p:cxnSp>
+        <p:nvCxnSpPr>
+          <p:cNvPr id="338" name="Shape 338"/>
+          <p:cNvCxnSpPr>
+            <a:stCxn id="331" idx="1"/>
+            <a:endCxn id="334" idx="0"/>
+          </p:cNvCxnSpPr>
+          <p:nvPr/>
+        </p:nvCxnSpPr>
+        <p:spPr>
+          <a:xfrm>
+            <a:off x="4571987" y="4110674"/>
+            <a:ext cx="0" cy="213600"/>
+          </a:xfrm>
+          <a:prstGeom prst="straightConnector1">
+            <a:avLst/>
+          </a:prstGeom>
+          <a:noFill/>
+          <a:ln cap="flat" cmpd="sng" w="9525">
+            <a:solidFill>
+              <a:schemeClr val="dk2"/>
+            </a:solidFill>
+            <a:prstDash val="solid"/>
+            <a:round/>
+            <a:headEnd len="lg" w="lg" type="none"/>
+            <a:tailEnd len="lg" w="lg" type="triangle"/>
+          </a:ln>
+        </p:spPr>
+      </p:cxnSp>
     </p:spTree>
   </p:cSld>
   <p:clrMapOvr>
@@ -9070,7 +8986,7 @@
   <p:cSld>
     <p:spTree>
       <p:nvGrpSpPr>
-        <p:cNvPr id="336" name="Shape 336"/>
+        <p:cNvPr id="342" name="Shape 342"/>
         <p:cNvGrpSpPr/>
         <p:nvPr/>
       </p:nvGrpSpPr>
@@ -9084,7 +9000,7 @@
       </p:grpSpPr>
       <p:sp>
         <p:nvSpPr>
-          <p:cNvPr id="337" name="Shape 337"/>
+          <p:cNvPr id="343" name="Shape 343"/>
           <p:cNvSpPr txBox="1"/>
           <p:nvPr>
             <p:ph type="title"/>
@@ -9120,14 +9036,14 @@
       </p:sp>
       <p:sp>
         <p:nvSpPr>
-          <p:cNvPr id="338" name="Shape 338"/>
+          <p:cNvPr id="344" name="Shape 344"/>
           <p:cNvSpPr/>
           <p:nvPr/>
         </p:nvSpPr>
         <p:spPr>
           <a:xfrm>
-            <a:off x="4062942" y="1049900"/>
-            <a:ext cx="1018116" cy="339389"/>
+            <a:off x="4058580" y="675525"/>
+            <a:ext cx="1026540" cy="342198"/>
           </a:xfrm>
           <a:prstGeom prst="flowChartTerminator">
             <a:avLst/>
@@ -9164,44 +9080,16 @@
           </a:p>
         </p:txBody>
       </p:sp>
-      <p:cxnSp>
-        <p:nvCxnSpPr>
-          <p:cNvPr id="339" name="Shape 339"/>
-          <p:cNvCxnSpPr>
-            <a:stCxn id="338" idx="2"/>
-          </p:cNvCxnSpPr>
-          <p:nvPr/>
-        </p:nvCxnSpPr>
-        <p:spPr>
-          <a:xfrm flipH="1">
-            <a:off x="4570800" y="1389289"/>
-            <a:ext cx="1200" cy="222600"/>
-          </a:xfrm>
-          <a:prstGeom prst="straightConnector1">
-            <a:avLst/>
-          </a:prstGeom>
-          <a:noFill/>
-          <a:ln cap="flat" cmpd="sng" w="9525">
-            <a:solidFill>
-              <a:schemeClr val="dk2"/>
-            </a:solidFill>
-            <a:prstDash val="solid"/>
-            <a:round/>
-            <a:headEnd len="lg" w="lg" type="none"/>
-            <a:tailEnd len="lg" w="lg" type="triangle"/>
-          </a:ln>
-        </p:spPr>
-      </p:cxnSp>
-      <p:sp>
-        <p:nvSpPr>
-          <p:cNvPr id="340" name="Shape 340"/>
+      <p:sp>
+        <p:nvSpPr>
+          <p:cNvPr id="345" name="Shape 345"/>
           <p:cNvSpPr/>
           <p:nvPr/>
         </p:nvSpPr>
         <p:spPr>
           <a:xfrm>
-            <a:off x="4333350" y="1611900"/>
-            <a:ext cx="477299" cy="265199"/>
+            <a:off x="4331400" y="1235025"/>
+            <a:ext cx="481200" cy="283499"/>
           </a:xfrm>
           <a:prstGeom prst="rect">
             <a:avLst/>
@@ -9233,49 +9121,21 @@
             </a:pPr>
             <a:r>
               <a:rPr lang="ja"/>
-              <a:t>x=1</a:t>
+              <a:t>x=0</a:t>
             </a:r>
           </a:p>
         </p:txBody>
       </p:sp>
-      <p:cxnSp>
-        <p:nvCxnSpPr>
-          <p:cNvPr id="341" name="Shape 341"/>
-          <p:cNvCxnSpPr>
-            <a:stCxn id="340" idx="2"/>
-          </p:cNvCxnSpPr>
-          <p:nvPr/>
-        </p:nvCxnSpPr>
-        <p:spPr>
-          <a:xfrm flipH="1">
-            <a:off x="4570799" y="1877099"/>
-            <a:ext cx="1200" cy="222600"/>
-          </a:xfrm>
-          <a:prstGeom prst="straightConnector1">
-            <a:avLst/>
-          </a:prstGeom>
-          <a:noFill/>
-          <a:ln cap="flat" cmpd="sng" w="9525">
-            <a:solidFill>
-              <a:schemeClr val="dk2"/>
-            </a:solidFill>
-            <a:prstDash val="solid"/>
-            <a:round/>
-            <a:headEnd len="lg" w="lg" type="none"/>
-            <a:tailEnd len="lg" w="lg" type="triangle"/>
-          </a:ln>
-        </p:spPr>
-      </p:cxnSp>
-      <p:sp>
-        <p:nvSpPr>
-          <p:cNvPr id="342" name="Shape 342"/>
+      <p:sp>
+        <p:nvSpPr>
+          <p:cNvPr id="346" name="Shape 346"/>
           <p:cNvSpPr/>
           <p:nvPr/>
         </p:nvSpPr>
         <p:spPr>
           <a:xfrm>
-            <a:off x="3818700" y="2099700"/>
-            <a:ext cx="1506600" cy="222599"/>
+            <a:off x="3646950" y="1735812"/>
+            <a:ext cx="1850099" cy="206699"/>
           </a:xfrm>
           <a:prstGeom prst="snip2SameRect">
             <a:avLst>
@@ -9302,7 +9162,7 @@
           </a:bodyPr>
           <a:lstStyle/>
           <a:p>
-            <a:pPr>
+            <a:pPr algn="ctr">
               <a:spcBef>
                 <a:spcPts val="0"/>
               </a:spcBef>
@@ -9310,21 +9170,21 @@
             </a:pPr>
             <a:r>
               <a:rPr lang="ja"/>
-              <a:t>探す値と不一致</a:t>
+              <a:t>探したい値と不一致</a:t>
             </a:r>
           </a:p>
         </p:txBody>
       </p:sp>
       <p:sp>
         <p:nvSpPr>
-          <p:cNvPr id="343" name="Shape 343"/>
+          <p:cNvPr id="347" name="Shape 347"/>
           <p:cNvSpPr/>
           <p:nvPr/>
         </p:nvSpPr>
         <p:spPr>
           <a:xfrm>
-            <a:off x="3943150" y="2544900"/>
-            <a:ext cx="1255500" cy="487799"/>
+            <a:off x="3859650" y="2660625"/>
+            <a:ext cx="1424399" cy="451199"/>
           </a:xfrm>
           <a:prstGeom prst="rect">
             <a:avLst/>
@@ -9356,77 +9216,21 @@
             </a:pPr>
             <a:r>
               <a:rPr lang="ja"/>
-              <a:t>探す値とx番目の値を比較</a:t>
+              <a:t>探したい値とx番目の値を比較</a:t>
             </a:r>
           </a:p>
         </p:txBody>
       </p:sp>
-      <p:cxnSp>
-        <p:nvCxnSpPr>
-          <p:cNvPr id="344" name="Shape 344"/>
-          <p:cNvCxnSpPr>
-            <a:stCxn id="343" idx="2"/>
-          </p:cNvCxnSpPr>
-          <p:nvPr/>
-        </p:nvCxnSpPr>
-        <p:spPr>
-          <a:xfrm flipH="1">
-            <a:off x="4569700" y="3032699"/>
-            <a:ext cx="1200" cy="244200"/>
-          </a:xfrm>
-          <a:prstGeom prst="straightConnector1">
-            <a:avLst/>
-          </a:prstGeom>
-          <a:noFill/>
-          <a:ln cap="flat" cmpd="sng" w="9525">
-            <a:solidFill>
-              <a:schemeClr val="dk2"/>
-            </a:solidFill>
-            <a:prstDash val="solid"/>
-            <a:round/>
-            <a:headEnd len="lg" w="lg" type="none"/>
-            <a:tailEnd len="lg" w="lg" type="triangle"/>
-          </a:ln>
-        </p:spPr>
-      </p:cxnSp>
-      <p:cxnSp>
-        <p:nvCxnSpPr>
-          <p:cNvPr id="345" name="Shape 345"/>
-          <p:cNvCxnSpPr>
-            <a:stCxn id="342" idx="1"/>
-          </p:cNvCxnSpPr>
-          <p:nvPr/>
-        </p:nvCxnSpPr>
-        <p:spPr>
-          <a:xfrm>
-            <a:off x="4572000" y="2322299"/>
-            <a:ext cx="0" cy="212400"/>
-          </a:xfrm>
-          <a:prstGeom prst="straightConnector1">
-            <a:avLst/>
-          </a:prstGeom>
-          <a:noFill/>
-          <a:ln cap="flat" cmpd="sng" w="9525">
-            <a:solidFill>
-              <a:schemeClr val="dk2"/>
-            </a:solidFill>
-            <a:prstDash val="solid"/>
-            <a:round/>
-            <a:headEnd len="lg" w="lg" type="none"/>
-            <a:tailEnd len="lg" w="lg" type="triangle"/>
-          </a:ln>
-        </p:spPr>
-      </p:cxnSp>
-      <p:sp>
-        <p:nvSpPr>
-          <p:cNvPr id="346" name="Shape 346"/>
+      <p:sp>
+        <p:nvSpPr>
+          <p:cNvPr id="348" name="Shape 348"/>
           <p:cNvSpPr/>
           <p:nvPr/>
         </p:nvSpPr>
         <p:spPr>
           <a:xfrm>
-            <a:off x="3986950" y="3276900"/>
-            <a:ext cx="1166700" cy="265199"/>
+            <a:off x="3994500" y="2159825"/>
+            <a:ext cx="1154999" cy="283499"/>
           </a:xfrm>
           <a:prstGeom prst="rect">
             <a:avLst/>
@@ -9463,44 +9267,16 @@
           </a:p>
         </p:txBody>
       </p:sp>
-      <p:cxnSp>
-        <p:nvCxnSpPr>
-          <p:cNvPr id="347" name="Shape 347"/>
-          <p:cNvCxnSpPr>
-            <a:stCxn id="346" idx="2"/>
-          </p:cNvCxnSpPr>
-          <p:nvPr/>
-        </p:nvCxnSpPr>
-        <p:spPr>
-          <a:xfrm>
-            <a:off x="4570300" y="3542099"/>
-            <a:ext cx="600" cy="222600"/>
-          </a:xfrm>
-          <a:prstGeom prst="straightConnector1">
-            <a:avLst/>
-          </a:prstGeom>
-          <a:noFill/>
-          <a:ln cap="flat" cmpd="sng" w="9525">
-            <a:solidFill>
-              <a:schemeClr val="dk2"/>
-            </a:solidFill>
-            <a:prstDash val="solid"/>
-            <a:round/>
-            <a:headEnd len="lg" w="lg" type="none"/>
-            <a:tailEnd len="lg" w="lg" type="triangle"/>
-          </a:ln>
-        </p:spPr>
-      </p:cxnSp>
-      <p:sp>
-        <p:nvSpPr>
-          <p:cNvPr id="348" name="Shape 348"/>
+      <p:sp>
+        <p:nvSpPr>
+          <p:cNvPr id="349" name="Shape 349"/>
           <p:cNvSpPr/>
           <p:nvPr/>
         </p:nvSpPr>
         <p:spPr>
           <a:xfrm>
-            <a:off x="3818700" y="3786300"/>
-            <a:ext cx="1506600" cy="222599"/>
+            <a:off x="3646800" y="3329125"/>
+            <a:ext cx="1850099" cy="206699"/>
           </a:xfrm>
           <a:prstGeom prst="snip2SameRect">
             <a:avLst>
@@ -9542,16 +9318,17 @@
       </p:sp>
       <p:cxnSp>
         <p:nvCxnSpPr>
-          <p:cNvPr id="349" name="Shape 349"/>
+          <p:cNvPr id="350" name="Shape 350"/>
           <p:cNvCxnSpPr>
-            <a:stCxn id="348" idx="1"/>
+            <a:stCxn id="344" idx="2"/>
+            <a:endCxn id="345" idx="0"/>
           </p:cNvCxnSpPr>
           <p:nvPr/>
         </p:nvCxnSpPr>
         <p:spPr>
-          <a:xfrm flipH="1">
-            <a:off x="4570800" y="4008899"/>
-            <a:ext cx="1200" cy="233100"/>
+          <a:xfrm>
+            <a:off x="4571850" y="1017723"/>
+            <a:ext cx="0" cy="217200"/>
           </a:xfrm>
           <a:prstGeom prst="straightConnector1">
             <a:avLst/>
@@ -9568,16 +9345,91 @@
           </a:ln>
         </p:spPr>
       </p:cxnSp>
-      <p:sp>
-        <p:nvSpPr>
-          <p:cNvPr id="350" name="Shape 350"/>
+      <p:cxnSp>
+        <p:nvCxnSpPr>
+          <p:cNvPr id="351" name="Shape 351"/>
+          <p:cNvCxnSpPr>
+            <a:stCxn id="345" idx="2"/>
+            <a:endCxn id="346" idx="3"/>
+          </p:cNvCxnSpPr>
+          <p:nvPr/>
+        </p:nvCxnSpPr>
+        <p:spPr>
+          <a:xfrm>
+            <a:off x="4572000" y="1518524"/>
+            <a:ext cx="0" cy="217200"/>
+          </a:xfrm>
+          <a:prstGeom prst="straightConnector1">
+            <a:avLst/>
+          </a:prstGeom>
+          <a:noFill/>
+          <a:ln cap="flat" cmpd="sng" w="9525">
+            <a:solidFill>
+              <a:schemeClr val="dk2"/>
+            </a:solidFill>
+            <a:prstDash val="solid"/>
+            <a:round/>
+            <a:headEnd len="lg" w="lg" type="none"/>
+            <a:tailEnd len="lg" w="lg" type="triangle"/>
+          </a:ln>
+        </p:spPr>
+      </p:cxnSp>
+      <p:sp>
+        <p:nvSpPr>
+          <p:cNvPr id="352" name="Shape 352"/>
           <p:cNvSpPr/>
           <p:nvPr/>
         </p:nvSpPr>
         <p:spPr>
           <a:xfrm>
-            <a:off x="4062937" y="4253100"/>
-            <a:ext cx="1018116" cy="339389"/>
+            <a:off x="3994350" y="3753125"/>
+            <a:ext cx="1154999" cy="283499"/>
+          </a:xfrm>
+          <a:prstGeom prst="rect">
+            <a:avLst/>
+          </a:prstGeom>
+          <a:solidFill>
+            <a:schemeClr val="lt2"/>
+          </a:solidFill>
+          <a:ln cap="flat" cmpd="sng" w="9525">
+            <a:solidFill>
+              <a:schemeClr val="dk2"/>
+            </a:solidFill>
+            <a:prstDash val="solid"/>
+            <a:round/>
+            <a:headEnd len="med" w="med" type="none"/>
+            <a:tailEnd len="med" w="med" type="none"/>
+          </a:ln>
+        </p:spPr>
+        <p:txBody>
+          <a:bodyPr anchorCtr="0" anchor="ctr" bIns="91425" lIns="91425" rIns="91425" tIns="91425">
+            <a:noAutofit/>
+          </a:bodyPr>
+          <a:lstStyle/>
+          <a:p>
+            <a:pPr algn="ctr">
+              <a:spcBef>
+                <a:spcPts val="0"/>
+              </a:spcBef>
+              <a:buNone/>
+            </a:pPr>
+            <a:r>
+              <a:rPr lang="ja"/>
+              <a:t>xの値を表示</a:t>
+            </a:r>
+          </a:p>
+        </p:txBody>
+      </p:sp>
+      <p:sp>
+        <p:nvSpPr>
+          <p:cNvPr id="353" name="Shape 353"/>
+          <p:cNvSpPr/>
+          <p:nvPr/>
+        </p:nvSpPr>
+        <p:spPr>
+          <a:xfrm>
+            <a:off x="4058575" y="4253925"/>
+            <a:ext cx="1026540" cy="342198"/>
           </a:xfrm>
           <a:prstGeom prst="flowChartTerminator">
             <a:avLst/>
@@ -9614,6 +9466,148 @@
           </a:p>
         </p:txBody>
       </p:sp>
+      <p:cxnSp>
+        <p:nvCxnSpPr>
+          <p:cNvPr id="354" name="Shape 354"/>
+          <p:cNvCxnSpPr>
+            <a:endCxn id="348" idx="0"/>
+          </p:cNvCxnSpPr>
+          <p:nvPr/>
+        </p:nvCxnSpPr>
+        <p:spPr>
+          <a:xfrm>
+            <a:off x="4571999" y="1942624"/>
+            <a:ext cx="0" cy="217200"/>
+          </a:xfrm>
+          <a:prstGeom prst="straightConnector1">
+            <a:avLst/>
+          </a:prstGeom>
+          <a:noFill/>
+          <a:ln cap="flat" cmpd="sng" w="9525">
+            <a:solidFill>
+              <a:schemeClr val="dk2"/>
+            </a:solidFill>
+            <a:prstDash val="solid"/>
+            <a:round/>
+            <a:headEnd len="lg" w="lg" type="none"/>
+            <a:tailEnd len="lg" w="lg" type="triangle"/>
+          </a:ln>
+        </p:spPr>
+      </p:cxnSp>
+      <p:cxnSp>
+        <p:nvCxnSpPr>
+          <p:cNvPr id="355" name="Shape 355"/>
+          <p:cNvCxnSpPr>
+            <a:stCxn id="348" idx="2"/>
+            <a:endCxn id="347" idx="0"/>
+          </p:cNvCxnSpPr>
+          <p:nvPr/>
+        </p:nvCxnSpPr>
+        <p:spPr>
+          <a:xfrm>
+            <a:off x="4571999" y="2443324"/>
+            <a:ext cx="0" cy="217200"/>
+          </a:xfrm>
+          <a:prstGeom prst="straightConnector1">
+            <a:avLst/>
+          </a:prstGeom>
+          <a:noFill/>
+          <a:ln cap="flat" cmpd="sng" w="9525">
+            <a:solidFill>
+              <a:schemeClr val="dk2"/>
+            </a:solidFill>
+            <a:prstDash val="solid"/>
+            <a:round/>
+            <a:headEnd len="lg" w="lg" type="none"/>
+            <a:tailEnd len="lg" w="lg" type="triangle"/>
+          </a:ln>
+        </p:spPr>
+      </p:cxnSp>
+      <p:cxnSp>
+        <p:nvCxnSpPr>
+          <p:cNvPr id="356" name="Shape 356"/>
+          <p:cNvCxnSpPr>
+            <a:stCxn id="347" idx="2"/>
+            <a:endCxn id="349" idx="3"/>
+          </p:cNvCxnSpPr>
+          <p:nvPr/>
+        </p:nvCxnSpPr>
+        <p:spPr>
+          <a:xfrm>
+            <a:off x="4571849" y="3111824"/>
+            <a:ext cx="0" cy="217199"/>
+          </a:xfrm>
+          <a:prstGeom prst="straightConnector1">
+            <a:avLst/>
+          </a:prstGeom>
+          <a:noFill/>
+          <a:ln cap="flat" cmpd="sng" w="9525">
+            <a:solidFill>
+              <a:schemeClr val="dk2"/>
+            </a:solidFill>
+            <a:prstDash val="solid"/>
+            <a:round/>
+            <a:headEnd len="lg" w="lg" type="none"/>
+            <a:tailEnd len="lg" w="lg" type="triangle"/>
+          </a:ln>
+        </p:spPr>
+      </p:cxnSp>
+      <p:cxnSp>
+        <p:nvCxnSpPr>
+          <p:cNvPr id="357" name="Shape 357"/>
+          <p:cNvCxnSpPr>
+            <a:endCxn id="352" idx="0"/>
+          </p:cNvCxnSpPr>
+          <p:nvPr/>
+        </p:nvCxnSpPr>
+        <p:spPr>
+          <a:xfrm>
+            <a:off x="4571849" y="3535924"/>
+            <a:ext cx="0" cy="217200"/>
+          </a:xfrm>
+          <a:prstGeom prst="straightConnector1">
+            <a:avLst/>
+          </a:prstGeom>
+          <a:noFill/>
+          <a:ln cap="flat" cmpd="sng" w="9525">
+            <a:solidFill>
+              <a:schemeClr val="dk2"/>
+            </a:solidFill>
+            <a:prstDash val="solid"/>
+            <a:round/>
+            <a:headEnd len="lg" w="lg" type="none"/>
+            <a:tailEnd len="lg" w="lg" type="triangle"/>
+          </a:ln>
+        </p:spPr>
+      </p:cxnSp>
+      <p:cxnSp>
+        <p:nvCxnSpPr>
+          <p:cNvPr id="358" name="Shape 358"/>
+          <p:cNvCxnSpPr>
+            <a:endCxn id="353" idx="0"/>
+          </p:cNvCxnSpPr>
+          <p:nvPr/>
+        </p:nvCxnSpPr>
+        <p:spPr>
+          <a:xfrm>
+            <a:off x="4571845" y="4036724"/>
+            <a:ext cx="0" cy="217200"/>
+          </a:xfrm>
+          <a:prstGeom prst="straightConnector1">
+            <a:avLst/>
+          </a:prstGeom>
+          <a:noFill/>
+          <a:ln cap="flat" cmpd="sng" w="9525">
+            <a:solidFill>
+              <a:schemeClr val="dk2"/>
+            </a:solidFill>
+            <a:prstDash val="solid"/>
+            <a:round/>
+            <a:headEnd len="lg" w="lg" type="none"/>
+            <a:tailEnd len="lg" w="lg" type="triangle"/>
+          </a:ln>
+        </p:spPr>
+      </p:cxnSp>
     </p:spTree>
   </p:cSld>
   <p:clrMapOvr>
@@ -9630,7 +9624,7 @@
   <p:cSld>
     <p:spTree>
       <p:nvGrpSpPr>
-        <p:cNvPr id="59" name="Shape 59"/>
+        <p:cNvPr id="62" name="Shape 62"/>
         <p:cNvGrpSpPr/>
         <p:nvPr/>
       </p:nvGrpSpPr>
@@ -9644,7 +9638,7 @@
       </p:grpSpPr>
       <p:sp>
         <p:nvSpPr>
-          <p:cNvPr id="60" name="Shape 60"/>
+          <p:cNvPr id="63" name="Shape 63"/>
           <p:cNvSpPr txBox="1"/>
           <p:nvPr>
             <p:ph type="title"/>
@@ -9680,7 +9674,7 @@
       </p:sp>
       <p:sp>
         <p:nvSpPr>
-          <p:cNvPr id="61" name="Shape 61"/>
+          <p:cNvPr id="64" name="Shape 64"/>
           <p:cNvSpPr/>
           <p:nvPr/>
         </p:nvSpPr>
@@ -9726,7 +9720,7 @@
       </p:sp>
       <p:sp>
         <p:nvSpPr>
-          <p:cNvPr id="62" name="Shape 62"/>
+          <p:cNvPr id="65" name="Shape 65"/>
           <p:cNvSpPr/>
           <p:nvPr/>
         </p:nvSpPr>
@@ -9772,10 +9766,10 @@
       </p:sp>
       <p:cxnSp>
         <p:nvCxnSpPr>
-          <p:cNvPr id="63" name="Shape 63"/>
+          <p:cNvPr id="66" name="Shape 66"/>
           <p:cNvCxnSpPr>
-            <a:stCxn id="61" idx="2"/>
-            <a:endCxn id="62" idx="0"/>
+            <a:stCxn id="64" idx="2"/>
+            <a:endCxn id="65" idx="0"/>
           </p:cNvCxnSpPr>
           <p:nvPr/>
         </p:nvCxnSpPr>
@@ -9801,14 +9795,14 @@
       </p:cxnSp>
       <p:sp>
         <p:nvSpPr>
-          <p:cNvPr id="64" name="Shape 64"/>
+          <p:cNvPr id="67" name="Shape 67"/>
           <p:cNvSpPr/>
           <p:nvPr/>
         </p:nvSpPr>
         <p:spPr>
           <a:xfrm>
-            <a:off x="3830250" y="2737312"/>
-            <a:ext cx="1483500" cy="516899"/>
+            <a:off x="3407400" y="2714275"/>
+            <a:ext cx="2329200" cy="516899"/>
           </a:xfrm>
           <a:prstGeom prst="rect">
             <a:avLst/>
@@ -9840,20 +9834,20 @@
             </a:pPr>
             <a:r>
               <a:rPr lang="ja"/>
-              <a:t>文字「入力された文字は：」を表示</a:t>
+              <a:t>文字「入力された文字は：」を入力された文字の前に表示</a:t>
             </a:r>
           </a:p>
         </p:txBody>
       </p:sp>
       <p:sp>
         <p:nvSpPr>
-          <p:cNvPr id="65" name="Shape 65"/>
+          <p:cNvPr id="68" name="Shape 68"/>
           <p:cNvSpPr/>
           <p:nvPr/>
         </p:nvSpPr>
         <p:spPr>
           <a:xfrm>
-            <a:off x="4062937" y="3568700"/>
+            <a:off x="4062950" y="3522650"/>
             <a:ext cx="1018116" cy="339389"/>
           </a:xfrm>
           <a:prstGeom prst="flowChartTerminator">
@@ -9893,17 +9887,17 @@
       </p:sp>
       <p:cxnSp>
         <p:nvCxnSpPr>
-          <p:cNvPr id="66" name="Shape 66"/>
+          <p:cNvPr id="69" name="Shape 69"/>
           <p:cNvCxnSpPr>
-            <a:stCxn id="62" idx="2"/>
-            <a:endCxn id="64" idx="0"/>
+            <a:stCxn id="65" idx="2"/>
+            <a:endCxn id="67" idx="0"/>
           </p:cNvCxnSpPr>
           <p:nvPr/>
         </p:nvCxnSpPr>
         <p:spPr>
           <a:xfrm>
             <a:off x="4572000" y="2422812"/>
-            <a:ext cx="0" cy="314400"/>
+            <a:ext cx="0" cy="291600"/>
           </a:xfrm>
           <a:prstGeom prst="straightConnector1">
             <a:avLst/>
@@ -9922,17 +9916,17 @@
       </p:cxnSp>
       <p:cxnSp>
         <p:nvCxnSpPr>
-          <p:cNvPr id="67" name="Shape 67"/>
+          <p:cNvPr id="70" name="Shape 70"/>
           <p:cNvCxnSpPr>
-            <a:stCxn id="64" idx="2"/>
-            <a:endCxn id="65" idx="0"/>
+            <a:stCxn id="67" idx="2"/>
+            <a:endCxn id="68" idx="0"/>
           </p:cNvCxnSpPr>
           <p:nvPr/>
         </p:nvCxnSpPr>
         <p:spPr>
           <a:xfrm>
-            <a:off x="4572000" y="3254212"/>
-            <a:ext cx="0" cy="314400"/>
+            <a:off x="4572000" y="3231174"/>
+            <a:ext cx="0" cy="291600"/>
           </a:xfrm>
           <a:prstGeom prst="straightConnector1">
             <a:avLst/>
@@ -9965,7 +9959,7 @@
   <p:cSld>
     <p:spTree>
       <p:nvGrpSpPr>
-        <p:cNvPr id="71" name="Shape 71"/>
+        <p:cNvPr id="74" name="Shape 74"/>
         <p:cNvGrpSpPr/>
         <p:nvPr/>
       </p:nvGrpSpPr>
@@ -9979,7 +9973,7 @@
       </p:grpSpPr>
       <p:sp>
         <p:nvSpPr>
-          <p:cNvPr id="72" name="Shape 72"/>
+          <p:cNvPr id="75" name="Shape 75"/>
           <p:cNvSpPr txBox="1"/>
           <p:nvPr>
             <p:ph type="title"/>
@@ -10015,7 +10009,7 @@
       </p:sp>
       <p:sp>
         <p:nvSpPr>
-          <p:cNvPr id="73" name="Shape 73"/>
+          <p:cNvPr id="76" name="Shape 76"/>
           <p:cNvSpPr/>
           <p:nvPr/>
         </p:nvSpPr>
@@ -10061,7 +10055,7 @@
       </p:sp>
       <p:sp>
         <p:nvSpPr>
-          <p:cNvPr id="74" name="Shape 74"/>
+          <p:cNvPr id="77" name="Shape 77"/>
           <p:cNvSpPr/>
           <p:nvPr/>
         </p:nvSpPr>
@@ -10107,10 +10101,10 @@
       </p:sp>
       <p:cxnSp>
         <p:nvCxnSpPr>
-          <p:cNvPr id="75" name="Shape 75"/>
+          <p:cNvPr id="78" name="Shape 78"/>
           <p:cNvCxnSpPr>
-            <a:stCxn id="73" idx="2"/>
-            <a:endCxn id="74" idx="0"/>
+            <a:stCxn id="76" idx="2"/>
+            <a:endCxn id="77" idx="0"/>
           </p:cNvCxnSpPr>
           <p:nvPr/>
         </p:nvCxnSpPr>
@@ -10136,7 +10130,7 @@
       </p:cxnSp>
       <p:sp>
         <p:nvSpPr>
-          <p:cNvPr id="76" name="Shape 76"/>
+          <p:cNvPr id="79" name="Shape 79"/>
           <p:cNvSpPr/>
           <p:nvPr/>
         </p:nvSpPr>
@@ -10182,10 +10176,10 @@
       </p:sp>
       <p:cxnSp>
         <p:nvCxnSpPr>
-          <p:cNvPr id="77" name="Shape 77"/>
+          <p:cNvPr id="80" name="Shape 80"/>
           <p:cNvCxnSpPr>
-            <a:stCxn id="74" idx="2"/>
-            <a:endCxn id="76" idx="0"/>
+            <a:stCxn id="77" idx="2"/>
+            <a:endCxn id="79" idx="0"/>
           </p:cNvCxnSpPr>
           <p:nvPr/>
         </p:nvCxnSpPr>
@@ -10211,9 +10205,9 @@
       </p:cxnSp>
       <p:cxnSp>
         <p:nvCxnSpPr>
-          <p:cNvPr id="78" name="Shape 78"/>
+          <p:cNvPr id="81" name="Shape 81"/>
           <p:cNvCxnSpPr>
-            <a:stCxn id="76" idx="3"/>
+            <a:stCxn id="79" idx="3"/>
           </p:cNvCxnSpPr>
           <p:nvPr/>
         </p:nvCxnSpPr>
@@ -10239,7 +10233,7 @@
       </p:cxnSp>
       <p:cxnSp>
         <p:nvCxnSpPr>
-          <p:cNvPr id="79" name="Shape 79"/>
+          <p:cNvPr id="82" name="Shape 82"/>
           <p:cNvCxnSpPr/>
           <p:nvPr/>
         </p:nvCxnSpPr>
@@ -10265,7 +10259,7 @@
       </p:cxnSp>
       <p:sp>
         <p:nvSpPr>
-          <p:cNvPr id="80" name="Shape 80"/>
+          <p:cNvPr id="83" name="Shape 83"/>
           <p:cNvSpPr/>
           <p:nvPr/>
         </p:nvSpPr>
@@ -10311,7 +10305,7 @@
       </p:sp>
       <p:sp>
         <p:nvSpPr>
-          <p:cNvPr id="81" name="Shape 81"/>
+          <p:cNvPr id="84" name="Shape 84"/>
           <p:cNvSpPr/>
           <p:nvPr/>
         </p:nvSpPr>
@@ -10357,10 +10351,10 @@
       </p:sp>
       <p:cxnSp>
         <p:nvCxnSpPr>
-          <p:cNvPr id="82" name="Shape 82"/>
+          <p:cNvPr id="85" name="Shape 85"/>
           <p:cNvCxnSpPr>
-            <a:stCxn id="76" idx="2"/>
-            <a:endCxn id="81" idx="0"/>
+            <a:stCxn id="79" idx="2"/>
+            <a:endCxn id="84" idx="0"/>
           </p:cNvCxnSpPr>
           <p:nvPr/>
         </p:nvCxnSpPr>
@@ -10386,7 +10380,7 @@
       </p:cxnSp>
       <p:sp>
         <p:nvSpPr>
-          <p:cNvPr id="83" name="Shape 83"/>
+          <p:cNvPr id="86" name="Shape 86"/>
           <p:cNvSpPr/>
           <p:nvPr/>
         </p:nvSpPr>
@@ -10432,10 +10426,10 @@
       </p:sp>
       <p:cxnSp>
         <p:nvCxnSpPr>
-          <p:cNvPr id="84" name="Shape 84"/>
+          <p:cNvPr id="87" name="Shape 87"/>
           <p:cNvCxnSpPr>
-            <a:stCxn id="81" idx="2"/>
-            <a:endCxn id="83" idx="0"/>
+            <a:stCxn id="84" idx="2"/>
+            <a:endCxn id="86" idx="0"/>
           </p:cNvCxnSpPr>
           <p:nvPr/>
         </p:nvCxnSpPr>
@@ -10461,7 +10455,7 @@
       </p:cxnSp>
       <p:sp>
         <p:nvSpPr>
-          <p:cNvPr id="85" name="Shape 85"/>
+          <p:cNvPr id="88" name="Shape 88"/>
           <p:cNvSpPr txBox="1"/>
           <p:nvPr/>
         </p:nvSpPr>
@@ -10506,7 +10500,7 @@
       </p:sp>
       <p:sp>
         <p:nvSpPr>
-          <p:cNvPr id="86" name="Shape 86"/>
+          <p:cNvPr id="89" name="Shape 89"/>
           <p:cNvSpPr txBox="1"/>
           <p:nvPr/>
         </p:nvSpPr>
@@ -10551,9 +10545,9 @@
       </p:sp>
       <p:cxnSp>
         <p:nvCxnSpPr>
-          <p:cNvPr id="87" name="Shape 87"/>
+          <p:cNvPr id="90" name="Shape 90"/>
           <p:cNvCxnSpPr>
-            <a:stCxn id="80" idx="2"/>
+            <a:stCxn id="83" idx="2"/>
           </p:cNvCxnSpPr>
           <p:nvPr/>
         </p:nvCxnSpPr>
@@ -10579,7 +10573,7 @@
       </p:cxnSp>
       <p:cxnSp>
         <p:nvCxnSpPr>
-          <p:cNvPr id="88" name="Shape 88"/>
+          <p:cNvPr id="91" name="Shape 91"/>
           <p:cNvCxnSpPr/>
           <p:nvPr/>
         </p:nvCxnSpPr>
@@ -10619,7 +10613,7 @@
   <p:cSld>
     <p:spTree>
       <p:nvGrpSpPr>
-        <p:cNvPr id="92" name="Shape 92"/>
+        <p:cNvPr id="95" name="Shape 95"/>
         <p:cNvGrpSpPr/>
         <p:nvPr/>
       </p:nvGrpSpPr>
@@ -10633,7 +10627,7 @@
       </p:grpSpPr>
       <p:sp>
         <p:nvSpPr>
-          <p:cNvPr id="93" name="Shape 93"/>
+          <p:cNvPr id="96" name="Shape 96"/>
           <p:cNvSpPr txBox="1"/>
           <p:nvPr>
             <p:ph type="title"/>
@@ -10669,7 +10663,7 @@
       </p:sp>
       <p:sp>
         <p:nvSpPr>
-          <p:cNvPr id="94" name="Shape 94"/>
+          <p:cNvPr id="97" name="Shape 97"/>
           <p:cNvSpPr/>
           <p:nvPr/>
         </p:nvSpPr>
@@ -10715,7 +10709,7 @@
       </p:sp>
       <p:sp>
         <p:nvSpPr>
-          <p:cNvPr id="95" name="Shape 95"/>
+          <p:cNvPr id="98" name="Shape 98"/>
           <p:cNvSpPr/>
           <p:nvPr/>
         </p:nvSpPr>
@@ -10761,7 +10755,7 @@
       </p:sp>
       <p:sp>
         <p:nvSpPr>
-          <p:cNvPr id="96" name="Shape 96"/>
+          <p:cNvPr id="99" name="Shape 99"/>
           <p:cNvSpPr/>
           <p:nvPr/>
         </p:nvSpPr>
@@ -10807,7 +10801,7 @@
       </p:sp>
       <p:cxnSp>
         <p:nvCxnSpPr>
-          <p:cNvPr id="97" name="Shape 97"/>
+          <p:cNvPr id="100" name="Shape 100"/>
           <p:cNvCxnSpPr/>
           <p:nvPr/>
         </p:nvCxnSpPr>
@@ -10833,7 +10827,7 @@
       </p:cxnSp>
       <p:cxnSp>
         <p:nvCxnSpPr>
-          <p:cNvPr id="98" name="Shape 98"/>
+          <p:cNvPr id="101" name="Shape 101"/>
           <p:cNvCxnSpPr/>
           <p:nvPr/>
         </p:nvCxnSpPr>
@@ -10859,7 +10853,7 @@
       </p:cxnSp>
       <p:sp>
         <p:nvSpPr>
-          <p:cNvPr id="99" name="Shape 99"/>
+          <p:cNvPr id="102" name="Shape 102"/>
           <p:cNvSpPr/>
           <p:nvPr/>
         </p:nvSpPr>
@@ -10905,7 +10899,7 @@
       </p:sp>
       <p:sp>
         <p:nvSpPr>
-          <p:cNvPr id="100" name="Shape 100"/>
+          <p:cNvPr id="103" name="Shape 103"/>
           <p:cNvSpPr/>
           <p:nvPr/>
         </p:nvSpPr>
@@ -10951,10 +10945,10 @@
       </p:sp>
       <p:cxnSp>
         <p:nvCxnSpPr>
-          <p:cNvPr id="101" name="Shape 101"/>
+          <p:cNvPr id="104" name="Shape 104"/>
           <p:cNvCxnSpPr>
-            <a:stCxn id="96" idx="2"/>
-            <a:endCxn id="100" idx="0"/>
+            <a:stCxn id="99" idx="2"/>
+            <a:endCxn id="103" idx="0"/>
           </p:cNvCxnSpPr>
           <p:nvPr/>
         </p:nvCxnSpPr>
@@ -10980,7 +10974,7 @@
       </p:cxnSp>
       <p:sp>
         <p:nvSpPr>
-          <p:cNvPr id="102" name="Shape 102"/>
+          <p:cNvPr id="105" name="Shape 105"/>
           <p:cNvSpPr txBox="1"/>
           <p:nvPr/>
         </p:nvSpPr>
@@ -11025,7 +11019,7 @@
       </p:sp>
       <p:sp>
         <p:nvSpPr>
-          <p:cNvPr id="103" name="Shape 103"/>
+          <p:cNvPr id="106" name="Shape 106"/>
           <p:cNvSpPr txBox="1"/>
           <p:nvPr/>
         </p:nvSpPr>
@@ -11070,9 +11064,9 @@
       </p:sp>
       <p:cxnSp>
         <p:nvCxnSpPr>
-          <p:cNvPr id="104" name="Shape 104"/>
+          <p:cNvPr id="107" name="Shape 107"/>
           <p:cNvCxnSpPr>
-            <a:stCxn id="99" idx="2"/>
+            <a:stCxn id="102" idx="2"/>
           </p:cNvCxnSpPr>
           <p:nvPr/>
         </p:nvCxnSpPr>
@@ -11098,7 +11092,7 @@
       </p:cxnSp>
       <p:cxnSp>
         <p:nvCxnSpPr>
-          <p:cNvPr id="105" name="Shape 105"/>
+          <p:cNvPr id="108" name="Shape 108"/>
           <p:cNvCxnSpPr/>
           <p:nvPr/>
         </p:nvCxnSpPr>
@@ -11124,9 +11118,9 @@
       </p:cxnSp>
       <p:cxnSp>
         <p:nvCxnSpPr>
-          <p:cNvPr id="106" name="Shape 106"/>
+          <p:cNvPr id="109" name="Shape 109"/>
           <p:cNvCxnSpPr>
-            <a:endCxn id="95" idx="0"/>
+            <a:endCxn id="98" idx="0"/>
           </p:cNvCxnSpPr>
           <p:nvPr/>
         </p:nvCxnSpPr>
@@ -11152,9 +11146,9 @@
       </p:cxnSp>
       <p:cxnSp>
         <p:nvCxnSpPr>
-          <p:cNvPr id="107" name="Shape 107"/>
+          <p:cNvPr id="110" name="Shape 110"/>
           <p:cNvCxnSpPr>
-            <a:endCxn id="96" idx="0"/>
+            <a:endCxn id="99" idx="0"/>
           </p:cNvCxnSpPr>
           <p:nvPr/>
         </p:nvCxnSpPr>
@@ -11194,7 +11188,7 @@
   <p:cSld>
     <p:spTree>
       <p:nvGrpSpPr>
-        <p:cNvPr id="111" name="Shape 111"/>
+        <p:cNvPr id="114" name="Shape 114"/>
         <p:cNvGrpSpPr/>
         <p:nvPr/>
       </p:nvGrpSpPr>
@@ -11208,7 +11202,7 @@
       </p:grpSpPr>
       <p:sp>
         <p:nvSpPr>
-          <p:cNvPr id="112" name="Shape 112"/>
+          <p:cNvPr id="115" name="Shape 115"/>
           <p:cNvSpPr txBox="1"/>
           <p:nvPr>
             <p:ph type="title"/>
@@ -11244,7 +11238,7 @@
       </p:sp>
       <p:sp>
         <p:nvSpPr>
-          <p:cNvPr id="113" name="Shape 113"/>
+          <p:cNvPr id="116" name="Shape 116"/>
           <p:cNvSpPr/>
           <p:nvPr/>
         </p:nvSpPr>
@@ -11290,7 +11284,7 @@
       </p:sp>
       <p:sp>
         <p:nvSpPr>
-          <p:cNvPr id="114" name="Shape 114"/>
+          <p:cNvPr id="117" name="Shape 117"/>
           <p:cNvSpPr/>
           <p:nvPr/>
         </p:nvSpPr>
@@ -11336,9 +11330,9 @@
       </p:sp>
       <p:cxnSp>
         <p:nvCxnSpPr>
-          <p:cNvPr id="115" name="Shape 115"/>
+          <p:cNvPr id="118" name="Shape 118"/>
           <p:cNvCxnSpPr>
-            <a:endCxn id="114" idx="0"/>
+            <a:endCxn id="117" idx="0"/>
           </p:cNvCxnSpPr>
           <p:nvPr/>
         </p:nvCxnSpPr>
@@ -11364,7 +11358,7 @@
       </p:cxnSp>
       <p:sp>
         <p:nvSpPr>
-          <p:cNvPr id="116" name="Shape 116"/>
+          <p:cNvPr id="119" name="Shape 119"/>
           <p:cNvSpPr/>
           <p:nvPr/>
         </p:nvSpPr>
@@ -11413,10 +11407,10 @@
       </p:sp>
       <p:cxnSp>
         <p:nvCxnSpPr>
-          <p:cNvPr id="117" name="Shape 117"/>
+          <p:cNvPr id="120" name="Shape 120"/>
           <p:cNvCxnSpPr>
-            <a:stCxn id="114" idx="2"/>
-            <a:endCxn id="116" idx="3"/>
+            <a:stCxn id="117" idx="2"/>
+            <a:endCxn id="119" idx="3"/>
           </p:cNvCxnSpPr>
           <p:nvPr/>
         </p:nvCxnSpPr>
@@ -11442,7 +11436,7 @@
       </p:cxnSp>
       <p:sp>
         <p:nvSpPr>
-          <p:cNvPr id="118" name="Shape 118"/>
+          <p:cNvPr id="121" name="Shape 121"/>
           <p:cNvSpPr/>
           <p:nvPr/>
         </p:nvSpPr>
@@ -11488,10 +11482,10 @@
       </p:sp>
       <p:cxnSp>
         <p:nvCxnSpPr>
-          <p:cNvPr id="119" name="Shape 119"/>
+          <p:cNvPr id="122" name="Shape 122"/>
           <p:cNvCxnSpPr>
-            <a:stCxn id="116" idx="1"/>
-            <a:endCxn id="118" idx="0"/>
+            <a:stCxn id="119" idx="1"/>
+            <a:endCxn id="121" idx="0"/>
           </p:cNvCxnSpPr>
           <p:nvPr/>
         </p:nvCxnSpPr>
@@ -11517,7 +11511,7 @@
       </p:cxnSp>
       <p:sp>
         <p:nvSpPr>
-          <p:cNvPr id="120" name="Shape 120"/>
+          <p:cNvPr id="123" name="Shape 123"/>
           <p:cNvSpPr/>
           <p:nvPr/>
         </p:nvSpPr>
@@ -11563,10 +11557,10 @@
       </p:sp>
       <p:cxnSp>
         <p:nvCxnSpPr>
-          <p:cNvPr id="121" name="Shape 121"/>
+          <p:cNvPr id="124" name="Shape 124"/>
           <p:cNvCxnSpPr>
-            <a:stCxn id="118" idx="2"/>
-            <a:endCxn id="120" idx="0"/>
+            <a:stCxn id="121" idx="2"/>
+            <a:endCxn id="123" idx="0"/>
           </p:cNvCxnSpPr>
           <p:nvPr/>
         </p:nvCxnSpPr>
@@ -11592,7 +11586,7 @@
       </p:cxnSp>
       <p:sp>
         <p:nvSpPr>
-          <p:cNvPr id="122" name="Shape 122"/>
+          <p:cNvPr id="125" name="Shape 125"/>
           <p:cNvSpPr/>
           <p:nvPr/>
         </p:nvSpPr>
@@ -11641,10 +11635,10 @@
       </p:sp>
       <p:cxnSp>
         <p:nvCxnSpPr>
-          <p:cNvPr id="123" name="Shape 123"/>
+          <p:cNvPr id="126" name="Shape 126"/>
           <p:cNvCxnSpPr>
-            <a:stCxn id="120" idx="2"/>
-            <a:endCxn id="122" idx="3"/>
+            <a:stCxn id="123" idx="2"/>
+            <a:endCxn id="125" idx="3"/>
           </p:cNvCxnSpPr>
           <p:nvPr/>
         </p:nvCxnSpPr>
@@ -11670,7 +11664,7 @@
       </p:cxnSp>
       <p:sp>
         <p:nvSpPr>
-          <p:cNvPr id="124" name="Shape 124"/>
+          <p:cNvPr id="127" name="Shape 127"/>
           <p:cNvSpPr/>
           <p:nvPr/>
         </p:nvSpPr>
@@ -11716,9 +11710,9 @@
       </p:sp>
       <p:cxnSp>
         <p:nvCxnSpPr>
-          <p:cNvPr id="125" name="Shape 125"/>
+          <p:cNvPr id="128" name="Shape 128"/>
           <p:cNvCxnSpPr>
-            <a:endCxn id="124" idx="0"/>
+            <a:endCxn id="127" idx="0"/>
           </p:cNvCxnSpPr>
           <p:nvPr/>
         </p:nvCxnSpPr>
@@ -11758,7 +11752,7 @@
   <p:cSld>
     <p:spTree>
       <p:nvGrpSpPr>
-        <p:cNvPr id="129" name="Shape 129"/>
+        <p:cNvPr id="132" name="Shape 132"/>
         <p:cNvGrpSpPr/>
         <p:nvPr/>
       </p:nvGrpSpPr>
@@ -11772,7 +11766,7 @@
       </p:grpSpPr>
       <p:sp>
         <p:nvSpPr>
-          <p:cNvPr id="130" name="Shape 130"/>
+          <p:cNvPr id="133" name="Shape 133"/>
           <p:cNvSpPr txBox="1"/>
           <p:nvPr>
             <p:ph type="title"/>
@@ -11808,13 +11802,13 @@
       </p:sp>
       <p:sp>
         <p:nvSpPr>
-          <p:cNvPr id="131" name="Shape 131"/>
+          <p:cNvPr id="134" name="Shape 134"/>
           <p:cNvSpPr/>
           <p:nvPr/>
         </p:nvSpPr>
         <p:spPr>
           <a:xfrm>
-            <a:off x="4062942" y="1378675"/>
+            <a:off x="4062942" y="1198125"/>
             <a:ext cx="1018116" cy="339389"/>
           </a:xfrm>
           <a:prstGeom prst="flowChartTerminator">
@@ -11854,14 +11848,155 @@
       </p:sp>
       <p:sp>
         <p:nvSpPr>
-          <p:cNvPr id="132" name="Shape 132"/>
+          <p:cNvPr id="135" name="Shape 135"/>
           <p:cNvSpPr/>
           <p:nvPr/>
         </p:nvSpPr>
         <p:spPr>
           <a:xfrm>
-            <a:off x="3813300" y="1919525"/>
+            <a:off x="3813300" y="3594650"/>
             <a:ext cx="1517400" cy="243899"/>
+          </a:xfrm>
+          <a:prstGeom prst="snip2SameRect">
+            <a:avLst>
+              <a:gd fmla="val 0" name="adj1"/>
+              <a:gd fmla="val 50000" name="adj2"/>
+            </a:avLst>
+          </a:prstGeom>
+          <a:solidFill>
+            <a:schemeClr val="lt2"/>
+          </a:solidFill>
+          <a:ln cap="flat" cmpd="sng" w="9525">
+            <a:solidFill>
+              <a:schemeClr val="dk2"/>
+            </a:solidFill>
+            <a:prstDash val="solid"/>
+            <a:round/>
+            <a:headEnd len="med" w="med" type="none"/>
+            <a:tailEnd len="med" w="med" type="none"/>
+          </a:ln>
+        </p:spPr>
+        <p:txBody>
+          <a:bodyPr anchorCtr="0" anchor="ctr" bIns="91425" lIns="91425" rIns="91425" tIns="91425">
+            <a:noAutofit/>
+          </a:bodyPr>
+          <a:lstStyle/>
+          <a:p>
+            <a:pPr algn="ctr">
+              <a:spcBef>
+                <a:spcPts val="0"/>
+              </a:spcBef>
+              <a:buNone/>
+            </a:pPr>
+            <a:r>
+              <a:t/>
+            </a:r>
+            <a:endParaRPr/>
+          </a:p>
+        </p:txBody>
+      </p:sp>
+      <p:sp>
+        <p:nvSpPr>
+          <p:cNvPr id="136" name="Shape 136"/>
+          <p:cNvSpPr/>
+          <p:nvPr/>
+        </p:nvSpPr>
+        <p:spPr>
+          <a:xfrm>
+            <a:off x="4062937" y="4029475"/>
+            <a:ext cx="1018116" cy="339389"/>
+          </a:xfrm>
+          <a:prstGeom prst="flowChartTerminator">
+            <a:avLst/>
+          </a:prstGeom>
+          <a:solidFill>
+            <a:schemeClr val="lt2"/>
+          </a:solidFill>
+          <a:ln cap="flat" cmpd="sng" w="9525">
+            <a:solidFill>
+              <a:schemeClr val="dk2"/>
+            </a:solidFill>
+            <a:prstDash val="solid"/>
+            <a:round/>
+            <a:headEnd len="med" w="med" type="none"/>
+            <a:tailEnd len="med" w="med" type="none"/>
+          </a:ln>
+        </p:spPr>
+        <p:txBody>
+          <a:bodyPr anchorCtr="0" anchor="ctr" bIns="91425" lIns="91425" rIns="91425" tIns="91425">
+            <a:noAutofit/>
+          </a:bodyPr>
+          <a:lstStyle/>
+          <a:p>
+            <a:pPr algn="ctr">
+              <a:spcBef>
+                <a:spcPts val="0"/>
+              </a:spcBef>
+              <a:buNone/>
+            </a:pPr>
+            <a:r>
+              <a:rPr lang="ja"/>
+              <a:t>end</a:t>
+            </a:r>
+          </a:p>
+        </p:txBody>
+      </p:sp>
+      <p:sp>
+        <p:nvSpPr>
+          <p:cNvPr id="137" name="Shape 137"/>
+          <p:cNvSpPr/>
+          <p:nvPr/>
+        </p:nvSpPr>
+        <p:spPr>
+          <a:xfrm>
+            <a:off x="4320750" y="1728450"/>
+            <a:ext cx="502500" cy="286199"/>
+          </a:xfrm>
+          <a:prstGeom prst="rect">
+            <a:avLst/>
+          </a:prstGeom>
+          <a:solidFill>
+            <a:schemeClr val="lt2"/>
+          </a:solidFill>
+          <a:ln cap="flat" cmpd="sng" w="9525">
+            <a:solidFill>
+              <a:schemeClr val="dk2"/>
+            </a:solidFill>
+            <a:prstDash val="solid"/>
+            <a:round/>
+            <a:headEnd len="med" w="med" type="none"/>
+            <a:tailEnd len="med" w="med" type="none"/>
+          </a:ln>
+        </p:spPr>
+        <p:txBody>
+          <a:bodyPr anchorCtr="0" anchor="ctr" bIns="91425" lIns="91425" rIns="91425" tIns="91425">
+            <a:noAutofit/>
+          </a:bodyPr>
+          <a:lstStyle/>
+          <a:p>
+            <a:pPr algn="ctr">
+              <a:spcBef>
+                <a:spcPts val="0"/>
+              </a:spcBef>
+              <a:buNone/>
+            </a:pPr>
+            <a:r>
+              <a:rPr lang="ja"/>
+              <a:t>x=0</a:t>
+            </a:r>
+          </a:p>
+        </p:txBody>
+      </p:sp>
+      <p:sp>
+        <p:nvSpPr>
+          <p:cNvPr id="138" name="Shape 138"/>
+          <p:cNvSpPr/>
+          <p:nvPr/>
+        </p:nvSpPr>
+        <p:spPr>
+          <a:xfrm>
+            <a:off x="3855600" y="2205562"/>
+            <a:ext cx="1432800" cy="243899"/>
           </a:xfrm>
           <a:prstGeom prst="snip2SameRect">
             <a:avLst>
@@ -11888,7 +12023,7 @@
           </a:bodyPr>
           <a:lstStyle/>
           <a:p>
-            <a:pPr rtl="0" algn="ctr">
+            <a:pPr algn="ctr">
               <a:spcBef>
                 <a:spcPts val="0"/>
               </a:spcBef>
@@ -11896,20 +12031,20 @@
             </a:pPr>
             <a:r>
               <a:rPr lang="ja"/>
-              <a:t>表示が2回以下</a:t>
+              <a:t>xの値が2以下</a:t>
             </a:r>
           </a:p>
         </p:txBody>
       </p:sp>
       <p:sp>
         <p:nvSpPr>
-          <p:cNvPr id="133" name="Shape 133"/>
+          <p:cNvPr id="139" name="Shape 139"/>
           <p:cNvSpPr/>
           <p:nvPr/>
         </p:nvSpPr>
         <p:spPr>
           <a:xfrm>
-            <a:off x="3474300" y="2364875"/>
+            <a:off x="3474300" y="2640400"/>
             <a:ext cx="2195400" cy="286199"/>
           </a:xfrm>
           <a:prstGeom prst="rect">
@@ -11934,7 +12069,7 @@
           </a:bodyPr>
           <a:lstStyle/>
           <a:p>
-            <a:pPr algn="ctr">
+            <a:pPr lvl="0" rtl="0" algn="ctr">
               <a:spcBef>
                 <a:spcPts val="0"/>
               </a:spcBef>
@@ -11949,20 +12084,17 @@
       </p:sp>
       <p:sp>
         <p:nvSpPr>
-          <p:cNvPr id="134" name="Shape 134"/>
+          <p:cNvPr id="140" name="Shape 140"/>
           <p:cNvSpPr/>
           <p:nvPr/>
         </p:nvSpPr>
         <p:spPr>
           <a:xfrm>
-            <a:off x="3813300" y="2852525"/>
-            <a:ext cx="1517400" cy="243899"/>
-          </a:xfrm>
-          <a:prstGeom prst="snip2SameRect">
-            <a:avLst>
-              <a:gd fmla="val 0" name="adj1"/>
-              <a:gd fmla="val 50000" name="adj2"/>
-            </a:avLst>
+            <a:off x="3989250" y="3117525"/>
+            <a:ext cx="1165500" cy="286199"/>
+          </a:xfrm>
+          <a:prstGeom prst="rect">
+            <a:avLst/>
           </a:prstGeom>
           <a:solidFill>
             <a:schemeClr val="lt2"/>
@@ -11983,31 +12115,31 @@
           </a:bodyPr>
           <a:lstStyle/>
           <a:p>
-            <a:pPr>
+            <a:pPr algn="ctr">
               <a:spcBef>
                 <a:spcPts val="0"/>
               </a:spcBef>
               <a:buNone/>
             </a:pPr>
             <a:r>
-              <a:t/>
+              <a:rPr lang="ja"/>
+              <a:t>xに1をプラス</a:t>
             </a:r>
-            <a:endParaRPr/>
           </a:p>
         </p:txBody>
       </p:sp>
       <p:cxnSp>
         <p:nvCxnSpPr>
-          <p:cNvPr id="135" name="Shape 135"/>
+          <p:cNvPr id="141" name="Shape 141"/>
           <p:cNvCxnSpPr>
-            <a:endCxn id="134" idx="3"/>
+            <a:endCxn id="137" idx="0"/>
           </p:cNvCxnSpPr>
           <p:nvPr/>
         </p:nvCxnSpPr>
         <p:spPr>
           <a:xfrm>
-            <a:off x="4572000" y="2650925"/>
-            <a:ext cx="0" cy="201600"/>
+            <a:off x="4572000" y="1537649"/>
+            <a:ext cx="0" cy="190800"/>
           </a:xfrm>
           <a:prstGeom prst="straightConnector1">
             <a:avLst/>
@@ -12024,55 +12156,123 @@
           </a:ln>
         </p:spPr>
       </p:cxnSp>
-      <p:sp>
-        <p:nvSpPr>
-          <p:cNvPr id="136" name="Shape 136"/>
-          <p:cNvSpPr/>
-          <p:nvPr/>
-        </p:nvSpPr>
-        <p:spPr>
-          <a:xfrm>
-            <a:off x="4062937" y="3297875"/>
-            <a:ext cx="1018116" cy="339389"/>
-          </a:xfrm>
-          <a:prstGeom prst="flowChartTerminator">
-            <a:avLst/>
-          </a:prstGeom>
-          <a:solidFill>
-            <a:schemeClr val="lt2"/>
-          </a:solidFill>
-          <a:ln cap="flat" cmpd="sng" w="9525">
-            <a:solidFill>
-              <a:schemeClr val="dk2"/>
-            </a:solidFill>
-            <a:prstDash val="solid"/>
-            <a:round/>
-            <a:headEnd len="med" w="med" type="none"/>
-            <a:tailEnd len="med" w="med" type="none"/>
-          </a:ln>
-        </p:spPr>
-        <p:txBody>
-          <a:bodyPr anchorCtr="0" anchor="ctr" bIns="91425" lIns="91425" rIns="91425" tIns="91425">
-            <a:noAutofit/>
-          </a:bodyPr>
-          <a:lstStyle/>
-          <a:p>
-            <a:pPr algn="ctr">
-              <a:spcBef>
-                <a:spcPts val="0"/>
-              </a:spcBef>
-              <a:buNone/>
-            </a:pPr>
-            <a:r>
-              <a:rPr lang="ja"/>
-              <a:t>end</a:t>
-            </a:r>
-          </a:p>
-        </p:txBody>
-      </p:sp>
       <p:cxnSp>
         <p:nvCxnSpPr>
-          <p:cNvPr id="137" name="Shape 137"/>
+          <p:cNvPr id="142" name="Shape 142"/>
+          <p:cNvCxnSpPr>
+            <a:endCxn id="138" idx="3"/>
+          </p:cNvCxnSpPr>
+          <p:nvPr/>
+        </p:nvCxnSpPr>
+        <p:spPr>
+          <a:xfrm>
+            <a:off x="4572000" y="2014762"/>
+            <a:ext cx="0" cy="190800"/>
+          </a:xfrm>
+          <a:prstGeom prst="straightConnector1">
+            <a:avLst/>
+          </a:prstGeom>
+          <a:noFill/>
+          <a:ln cap="flat" cmpd="sng" w="9525">
+            <a:solidFill>
+              <a:schemeClr val="dk2"/>
+            </a:solidFill>
+            <a:prstDash val="solid"/>
+            <a:round/>
+            <a:headEnd len="lg" w="lg" type="none"/>
+            <a:tailEnd len="lg" w="lg" type="triangle"/>
+          </a:ln>
+        </p:spPr>
+      </p:cxnSp>
+      <p:cxnSp>
+        <p:nvCxnSpPr>
+          <p:cNvPr id="143" name="Shape 143"/>
+          <p:cNvCxnSpPr>
+            <a:stCxn id="138" idx="1"/>
+            <a:endCxn id="139" idx="0"/>
+          </p:cNvCxnSpPr>
+          <p:nvPr/>
+        </p:nvCxnSpPr>
+        <p:spPr>
+          <a:xfrm>
+            <a:off x="4572000" y="2449462"/>
+            <a:ext cx="0" cy="190800"/>
+          </a:xfrm>
+          <a:prstGeom prst="straightConnector1">
+            <a:avLst/>
+          </a:prstGeom>
+          <a:noFill/>
+          <a:ln cap="flat" cmpd="sng" w="9525">
+            <a:solidFill>
+              <a:schemeClr val="dk2"/>
+            </a:solidFill>
+            <a:prstDash val="solid"/>
+            <a:round/>
+            <a:headEnd len="lg" w="lg" type="none"/>
+            <a:tailEnd len="lg" w="lg" type="triangle"/>
+          </a:ln>
+        </p:spPr>
+      </p:cxnSp>
+      <p:cxnSp>
+        <p:nvCxnSpPr>
+          <p:cNvPr id="144" name="Shape 144"/>
+          <p:cNvCxnSpPr>
+            <a:endCxn id="140" idx="0"/>
+          </p:cNvCxnSpPr>
+          <p:nvPr/>
+        </p:nvCxnSpPr>
+        <p:spPr>
+          <a:xfrm>
+            <a:off x="4572000" y="2926724"/>
+            <a:ext cx="0" cy="190800"/>
+          </a:xfrm>
+          <a:prstGeom prst="straightConnector1">
+            <a:avLst/>
+          </a:prstGeom>
+          <a:noFill/>
+          <a:ln cap="flat" cmpd="sng" w="9525">
+            <a:solidFill>
+              <a:schemeClr val="dk2"/>
+            </a:solidFill>
+            <a:prstDash val="solid"/>
+            <a:round/>
+            <a:headEnd len="lg" w="lg" type="none"/>
+            <a:tailEnd len="lg" w="lg" type="triangle"/>
+          </a:ln>
+        </p:spPr>
+      </p:cxnSp>
+      <p:cxnSp>
+        <p:nvCxnSpPr>
+          <p:cNvPr id="145" name="Shape 145"/>
+          <p:cNvCxnSpPr>
+            <a:stCxn id="140" idx="2"/>
+            <a:endCxn id="135" idx="3"/>
+          </p:cNvCxnSpPr>
+          <p:nvPr/>
+        </p:nvCxnSpPr>
+        <p:spPr>
+          <a:xfrm>
+            <a:off x="4572000" y="3403724"/>
+            <a:ext cx="0" cy="190800"/>
+          </a:xfrm>
+          <a:prstGeom prst="straightConnector1">
+            <a:avLst/>
+          </a:prstGeom>
+          <a:noFill/>
+          <a:ln cap="flat" cmpd="sng" w="9525">
+            <a:solidFill>
+              <a:schemeClr val="dk2"/>
+            </a:solidFill>
+            <a:prstDash val="solid"/>
+            <a:round/>
+            <a:headEnd len="lg" w="lg" type="none"/>
+            <a:tailEnd len="lg" w="lg" type="triangle"/>
+          </a:ln>
+        </p:spPr>
+      </p:cxnSp>
+      <p:cxnSp>
+        <p:nvCxnSpPr>
+          <p:cNvPr id="146" name="Shape 146"/>
           <p:cNvCxnSpPr>
             <a:endCxn id="136" idx="0"/>
           </p:cNvCxnSpPr>
@@ -12080,64 +12280,8 @@
         </p:nvCxnSpPr>
         <p:spPr>
           <a:xfrm>
-            <a:off x="4571995" y="3096275"/>
-            <a:ext cx="0" cy="201599"/>
-          </a:xfrm>
-          <a:prstGeom prst="straightConnector1">
-            <a:avLst/>
-          </a:prstGeom>
-          <a:noFill/>
-          <a:ln cap="flat" cmpd="sng" w="9525">
-            <a:solidFill>
-              <a:schemeClr val="dk2"/>
-            </a:solidFill>
-            <a:prstDash val="solid"/>
-            <a:round/>
-            <a:headEnd len="lg" w="lg" type="none"/>
-            <a:tailEnd len="lg" w="lg" type="triangle"/>
-          </a:ln>
-        </p:spPr>
-      </p:cxnSp>
-      <p:cxnSp>
-        <p:nvCxnSpPr>
-          <p:cNvPr id="138" name="Shape 138"/>
-          <p:cNvCxnSpPr>
-            <a:endCxn id="132" idx="3"/>
-          </p:cNvCxnSpPr>
-          <p:nvPr/>
-        </p:nvCxnSpPr>
-        <p:spPr>
-          <a:xfrm>
-            <a:off x="4572000" y="1717925"/>
-            <a:ext cx="0" cy="201600"/>
-          </a:xfrm>
-          <a:prstGeom prst="straightConnector1">
-            <a:avLst/>
-          </a:prstGeom>
-          <a:noFill/>
-          <a:ln cap="flat" cmpd="sng" w="9525">
-            <a:solidFill>
-              <a:schemeClr val="dk2"/>
-            </a:solidFill>
-            <a:prstDash val="solid"/>
-            <a:round/>
-            <a:headEnd len="lg" w="lg" type="none"/>
-            <a:tailEnd len="lg" w="lg" type="triangle"/>
-          </a:ln>
-        </p:spPr>
-      </p:cxnSp>
-      <p:cxnSp>
-        <p:nvCxnSpPr>
-          <p:cNvPr id="139" name="Shape 139"/>
-          <p:cNvCxnSpPr>
-            <a:endCxn id="133" idx="0"/>
-          </p:cNvCxnSpPr>
-          <p:nvPr/>
-        </p:nvCxnSpPr>
-        <p:spPr>
-          <a:xfrm>
-            <a:off x="4572000" y="2163275"/>
-            <a:ext cx="0" cy="201600"/>
+            <a:off x="4571995" y="3838674"/>
+            <a:ext cx="0" cy="190800"/>
           </a:xfrm>
           <a:prstGeom prst="straightConnector1">
             <a:avLst/>
@@ -12170,7 +12314,7 @@
   <p:cSld>
     <p:spTree>
       <p:nvGrpSpPr>
-        <p:cNvPr id="143" name="Shape 143"/>
+        <p:cNvPr id="150" name="Shape 150"/>
         <p:cNvGrpSpPr/>
         <p:nvPr/>
       </p:nvGrpSpPr>
@@ -12184,7 +12328,7 @@
       </p:grpSpPr>
       <p:sp>
         <p:nvSpPr>
-          <p:cNvPr id="144" name="Shape 144"/>
+          <p:cNvPr id="151" name="Shape 151"/>
           <p:cNvSpPr txBox="1"/>
           <p:nvPr>
             <p:ph type="title"/>
@@ -12220,7 +12364,7 @@
       </p:sp>
       <p:sp>
         <p:nvSpPr>
-          <p:cNvPr id="145" name="Shape 145"/>
+          <p:cNvPr id="152" name="Shape 152"/>
           <p:cNvSpPr/>
           <p:nvPr/>
         </p:nvSpPr>
@@ -12266,7 +12410,7 @@
       </p:sp>
       <p:sp>
         <p:nvSpPr>
-          <p:cNvPr id="146" name="Shape 146"/>
+          <p:cNvPr id="153" name="Shape 153"/>
           <p:cNvSpPr/>
           <p:nvPr/>
         </p:nvSpPr>
@@ -12312,7 +12456,7 @@
       </p:sp>
       <p:sp>
         <p:nvSpPr>
-          <p:cNvPr id="147" name="Shape 147"/>
+          <p:cNvPr id="154" name="Shape 154"/>
           <p:cNvSpPr/>
           <p:nvPr/>
         </p:nvSpPr>
@@ -12361,10 +12505,10 @@
       </p:sp>
       <p:cxnSp>
         <p:nvCxnSpPr>
-          <p:cNvPr id="148" name="Shape 148"/>
+          <p:cNvPr id="155" name="Shape 155"/>
           <p:cNvCxnSpPr>
-            <a:stCxn id="145" idx="2"/>
-            <a:endCxn id="147" idx="3"/>
+            <a:stCxn id="152" idx="2"/>
+            <a:endCxn id="154" idx="3"/>
           </p:cNvCxnSpPr>
           <p:nvPr/>
         </p:nvCxnSpPr>
@@ -12390,7 +12534,7 @@
       </p:cxnSp>
       <p:sp>
         <p:nvSpPr>
-          <p:cNvPr id="149" name="Shape 149"/>
+          <p:cNvPr id="156" name="Shape 156"/>
           <p:cNvSpPr/>
           <p:nvPr/>
         </p:nvSpPr>
@@ -12436,9 +12580,9 @@
       </p:sp>
       <p:cxnSp>
         <p:nvCxnSpPr>
-          <p:cNvPr id="150" name="Shape 150"/>
+          <p:cNvPr id="157" name="Shape 157"/>
           <p:cNvCxnSpPr>
-            <a:endCxn id="149" idx="0"/>
+            <a:endCxn id="156" idx="0"/>
           </p:cNvCxnSpPr>
           <p:nvPr/>
         </p:nvCxnSpPr>
@@ -12464,10 +12608,10 @@
       </p:cxnSp>
       <p:cxnSp>
         <p:nvCxnSpPr>
-          <p:cNvPr id="151" name="Shape 151"/>
+          <p:cNvPr id="158" name="Shape 158"/>
           <p:cNvCxnSpPr>
-            <a:stCxn id="149" idx="2"/>
-            <a:endCxn id="146" idx="0"/>
+            <a:stCxn id="156" idx="2"/>
+            <a:endCxn id="153" idx="0"/>
           </p:cNvCxnSpPr>
           <p:nvPr/>
         </p:nvCxnSpPr>
@@ -12493,7 +12637,7 @@
       </p:cxnSp>
       <p:sp>
         <p:nvSpPr>
-          <p:cNvPr id="152" name="Shape 152"/>
+          <p:cNvPr id="159" name="Shape 159"/>
           <p:cNvSpPr/>
           <p:nvPr/>
         </p:nvSpPr>
@@ -12542,9 +12686,9 @@
       </p:sp>
       <p:cxnSp>
         <p:nvCxnSpPr>
-          <p:cNvPr id="153" name="Shape 153"/>
+          <p:cNvPr id="160" name="Shape 160"/>
           <p:cNvCxnSpPr>
-            <a:endCxn id="152" idx="3"/>
+            <a:endCxn id="159" idx="3"/>
           </p:cNvCxnSpPr>
           <p:nvPr/>
         </p:nvCxnSpPr>
@@ -12570,7 +12714,7 @@
       </p:cxnSp>
       <p:sp>
         <p:nvSpPr>
-          <p:cNvPr id="154" name="Shape 154"/>
+          <p:cNvPr id="161" name="Shape 161"/>
           <p:cNvSpPr/>
           <p:nvPr/>
         </p:nvSpPr>
@@ -12616,7 +12760,7 @@
       </p:sp>
       <p:sp>
         <p:nvSpPr>
-          <p:cNvPr id="155" name="Shape 155"/>
+          <p:cNvPr id="162" name="Shape 162"/>
           <p:cNvSpPr/>
           <p:nvPr/>
         </p:nvSpPr>
@@ -12662,9 +12806,9 @@
       </p:sp>
       <p:cxnSp>
         <p:nvCxnSpPr>
-          <p:cNvPr id="156" name="Shape 156"/>
+          <p:cNvPr id="163" name="Shape 163"/>
           <p:cNvCxnSpPr>
-            <a:endCxn id="154" idx="0"/>
+            <a:endCxn id="161" idx="0"/>
           </p:cNvCxnSpPr>
           <p:nvPr/>
         </p:nvCxnSpPr>
@@ -12690,9 +12834,9 @@
       </p:cxnSp>
       <p:cxnSp>
         <p:nvCxnSpPr>
-          <p:cNvPr id="157" name="Shape 157"/>
+          <p:cNvPr id="164" name="Shape 164"/>
           <p:cNvCxnSpPr>
-            <a:endCxn id="155" idx="0"/>
+            <a:endCxn id="162" idx="0"/>
           </p:cNvCxnSpPr>
           <p:nvPr/>
         </p:nvCxnSpPr>
@@ -12732,7 +12876,7 @@
   <p:cSld>
     <p:spTree>
       <p:nvGrpSpPr>
-        <p:cNvPr id="161" name="Shape 161"/>
+        <p:cNvPr id="168" name="Shape 168"/>
         <p:cNvGrpSpPr/>
         <p:nvPr/>
       </p:nvGrpSpPr>
@@ -12746,7 +12890,7 @@
       </p:grpSpPr>
       <p:sp>
         <p:nvSpPr>
-          <p:cNvPr id="162" name="Shape 162"/>
+          <p:cNvPr id="169" name="Shape 169"/>
           <p:cNvSpPr txBox="1"/>
           <p:nvPr>
             <p:ph type="title"/>
@@ -12782,7 +12926,7 @@
       </p:sp>
       <p:sp>
         <p:nvSpPr>
-          <p:cNvPr id="163" name="Shape 163"/>
+          <p:cNvPr id="170" name="Shape 170"/>
           <p:cNvSpPr/>
           <p:nvPr/>
         </p:nvSpPr>
@@ -12828,7 +12972,7 @@
       </p:sp>
       <p:sp>
         <p:nvSpPr>
-          <p:cNvPr id="164" name="Shape 164"/>
+          <p:cNvPr id="171" name="Shape 171"/>
           <p:cNvSpPr/>
           <p:nvPr/>
         </p:nvSpPr>
@@ -12874,9 +13018,9 @@
       </p:sp>
       <p:cxnSp>
         <p:nvCxnSpPr>
-          <p:cNvPr id="165" name="Shape 165"/>
+          <p:cNvPr id="172" name="Shape 172"/>
           <p:cNvCxnSpPr>
-            <a:endCxn id="164" idx="0"/>
+            <a:endCxn id="171" idx="0"/>
           </p:cNvCxnSpPr>
           <p:nvPr/>
         </p:nvCxnSpPr>
@@ -12902,7 +13046,7 @@
       </p:cxnSp>
       <p:sp>
         <p:nvSpPr>
-          <p:cNvPr id="166" name="Shape 166"/>
+          <p:cNvPr id="173" name="Shape 173"/>
           <p:cNvSpPr/>
           <p:nvPr/>
         </p:nvSpPr>
@@ -12948,9 +13092,9 @@
       </p:sp>
       <p:cxnSp>
         <p:nvCxnSpPr>
-          <p:cNvPr id="167" name="Shape 167"/>
+          <p:cNvPr id="174" name="Shape 174"/>
           <p:cNvCxnSpPr>
-            <a:endCxn id="166" idx="0"/>
+            <a:endCxn id="173" idx="0"/>
           </p:cNvCxnSpPr>
           <p:nvPr/>
         </p:nvCxnSpPr>
@@ -12976,9 +13120,9 @@
       </p:cxnSp>
       <p:cxnSp>
         <p:nvCxnSpPr>
-          <p:cNvPr id="168" name="Shape 168"/>
+          <p:cNvPr id="175" name="Shape 175"/>
           <p:cNvCxnSpPr>
-            <a:stCxn id="166" idx="3"/>
+            <a:stCxn id="173" idx="3"/>
           </p:cNvCxnSpPr>
           <p:nvPr/>
         </p:nvCxnSpPr>
@@ -13004,9 +13148,9 @@
       </p:cxnSp>
       <p:cxnSp>
         <p:nvCxnSpPr>
-          <p:cNvPr id="169" name="Shape 169"/>
+          <p:cNvPr id="176" name="Shape 176"/>
           <p:cNvCxnSpPr>
-            <a:endCxn id="170" idx="0"/>
+            <a:endCxn id="177" idx="0"/>
           </p:cNvCxnSpPr>
           <p:nvPr/>
         </p:nvCxnSpPr>
@@ -13032,7 +13176,7 @@
       </p:cxnSp>
       <p:sp>
         <p:nvSpPr>
-          <p:cNvPr id="170" name="Shape 170"/>
+          <p:cNvPr id="177" name="Shape 177"/>
           <p:cNvSpPr/>
           <p:nvPr/>
         </p:nvSpPr>
@@ -13078,7 +13222,7 @@
       </p:sp>
       <p:sp>
         <p:nvSpPr>
-          <p:cNvPr id="171" name="Shape 171"/>
+          <p:cNvPr id="178" name="Shape 178"/>
           <p:cNvSpPr/>
           <p:nvPr/>
         </p:nvSpPr>
@@ -13124,10 +13268,10 @@
       </p:sp>
       <p:cxnSp>
         <p:nvCxnSpPr>
-          <p:cNvPr id="172" name="Shape 172"/>
+          <p:cNvPr id="179" name="Shape 179"/>
           <p:cNvCxnSpPr>
-            <a:stCxn id="166" idx="2"/>
-            <a:endCxn id="171" idx="0"/>
+            <a:stCxn id="173" idx="2"/>
+            <a:endCxn id="178" idx="0"/>
           </p:cNvCxnSpPr>
           <p:nvPr/>
         </p:nvCxnSpPr>
@@ -13153,9 +13297,9 @@
       </p:cxnSp>
       <p:cxnSp>
         <p:nvCxnSpPr>
-          <p:cNvPr id="173" name="Shape 173"/>
+          <p:cNvPr id="180" name="Shape 180"/>
           <p:cNvCxnSpPr>
-            <a:stCxn id="171" idx="3"/>
+            <a:stCxn id="178" idx="3"/>
           </p:cNvCxnSpPr>
           <p:nvPr/>
         </p:nvCxnSpPr>
@@ -13181,7 +13325,7 @@
       </p:cxnSp>
       <p:sp>
         <p:nvSpPr>
-          <p:cNvPr id="174" name="Shape 174"/>
+          <p:cNvPr id="181" name="Shape 181"/>
           <p:cNvSpPr/>
           <p:nvPr/>
         </p:nvSpPr>
@@ -13227,7 +13371,7 @@
       </p:sp>
       <p:sp>
         <p:nvSpPr>
-          <p:cNvPr id="175" name="Shape 175"/>
+          <p:cNvPr id="182" name="Shape 182"/>
           <p:cNvSpPr/>
           <p:nvPr/>
         </p:nvSpPr>
@@ -13273,9 +13417,9 @@
       </p:sp>
       <p:cxnSp>
         <p:nvCxnSpPr>
-          <p:cNvPr id="176" name="Shape 176"/>
+          <p:cNvPr id="183" name="Shape 183"/>
           <p:cNvCxnSpPr>
-            <a:endCxn id="174" idx="0"/>
+            <a:endCxn id="181" idx="0"/>
           </p:cNvCxnSpPr>
           <p:nvPr/>
         </p:nvCxnSpPr>
@@ -13301,7 +13445,7 @@
       </p:cxnSp>
       <p:sp>
         <p:nvSpPr>
-          <p:cNvPr id="177" name="Shape 177"/>
+          <p:cNvPr id="184" name="Shape 184"/>
           <p:cNvSpPr/>
           <p:nvPr/>
         </p:nvSpPr>
@@ -13347,9 +13491,9 @@
       </p:sp>
       <p:cxnSp>
         <p:nvCxnSpPr>
-          <p:cNvPr id="178" name="Shape 178"/>
+          <p:cNvPr id="185" name="Shape 185"/>
           <p:cNvCxnSpPr>
-            <a:stCxn id="174" idx="2"/>
+            <a:stCxn id="181" idx="2"/>
           </p:cNvCxnSpPr>
           <p:nvPr/>
         </p:nvCxnSpPr>
@@ -13375,7 +13519,7 @@
       </p:cxnSp>
       <p:cxnSp>
         <p:nvCxnSpPr>
-          <p:cNvPr id="179" name="Shape 179"/>
+          <p:cNvPr id="186" name="Shape 186"/>
           <p:cNvCxnSpPr/>
           <p:nvPr/>
         </p:nvCxnSpPr>
@@ -13401,7 +13545,7 @@
       </p:cxnSp>
       <p:cxnSp>
         <p:nvCxnSpPr>
-          <p:cNvPr id="180" name="Shape 180"/>
+          <p:cNvPr id="187" name="Shape 187"/>
           <p:cNvCxnSpPr/>
           <p:nvPr/>
         </p:nvCxnSpPr>
@@ -13427,7 +13571,7 @@
       </p:cxnSp>
       <p:cxnSp>
         <p:nvCxnSpPr>
-          <p:cNvPr id="181" name="Shape 181"/>
+          <p:cNvPr id="188" name="Shape 188"/>
           <p:cNvCxnSpPr/>
           <p:nvPr/>
         </p:nvCxnSpPr>
@@ -13453,10 +13597,10 @@
       </p:cxnSp>
       <p:cxnSp>
         <p:nvCxnSpPr>
-          <p:cNvPr id="182" name="Shape 182"/>
+          <p:cNvPr id="189" name="Shape 189"/>
           <p:cNvCxnSpPr>
-            <a:stCxn id="171" idx="2"/>
-            <a:endCxn id="175" idx="0"/>
+            <a:stCxn id="178" idx="2"/>
+            <a:endCxn id="182" idx="0"/>
           </p:cNvCxnSpPr>
           <p:nvPr/>
         </p:nvCxnSpPr>
@@ -13482,9 +13626,9 @@
       </p:cxnSp>
       <p:cxnSp>
         <p:nvCxnSpPr>
-          <p:cNvPr id="183" name="Shape 183"/>
+          <p:cNvPr id="190" name="Shape 190"/>
           <p:cNvCxnSpPr>
-            <a:endCxn id="177" idx="0"/>
+            <a:endCxn id="184" idx="0"/>
           </p:cNvCxnSpPr>
           <p:nvPr/>
         </p:nvCxnSpPr>
@@ -13510,7 +13654,7 @@
       </p:cxnSp>
       <p:sp>
         <p:nvSpPr>
-          <p:cNvPr id="184" name="Shape 184"/>
+          <p:cNvPr id="191" name="Shape 191"/>
           <p:cNvSpPr txBox="1"/>
           <p:nvPr/>
         </p:nvSpPr>
@@ -13555,7 +13699,7 @@
       </p:sp>
       <p:sp>
         <p:nvSpPr>
-          <p:cNvPr id="185" name="Shape 185"/>
+          <p:cNvPr id="192" name="Shape 192"/>
           <p:cNvSpPr txBox="1"/>
           <p:nvPr/>
         </p:nvSpPr>
@@ -13600,7 +13744,7 @@
       </p:sp>
       <p:sp>
         <p:nvSpPr>
-          <p:cNvPr id="186" name="Shape 186"/>
+          <p:cNvPr id="193" name="Shape 193"/>
           <p:cNvSpPr txBox="1"/>
           <p:nvPr/>
         </p:nvSpPr>
@@ -13645,7 +13789,7 @@
       </p:sp>
       <p:sp>
         <p:nvSpPr>
-          <p:cNvPr id="187" name="Shape 187"/>
+          <p:cNvPr id="194" name="Shape 194"/>
           <p:cNvSpPr txBox="1"/>
           <p:nvPr/>
         </p:nvSpPr>
@@ -13704,7 +13848,7 @@
   <p:cSld>
     <p:spTree>
       <p:nvGrpSpPr>
-        <p:cNvPr id="191" name="Shape 191"/>
+        <p:cNvPr id="198" name="Shape 198"/>
         <p:cNvGrpSpPr/>
         <p:nvPr/>
       </p:nvGrpSpPr>
@@ -13718,7 +13862,7 @@
       </p:grpSpPr>
       <p:sp>
         <p:nvSpPr>
-          <p:cNvPr id="192" name="Shape 192"/>
+          <p:cNvPr id="199" name="Shape 199"/>
           <p:cNvSpPr txBox="1"/>
           <p:nvPr>
             <p:ph type="title"/>
@@ -13754,7 +13898,7 @@
       </p:sp>
       <p:sp>
         <p:nvSpPr>
-          <p:cNvPr id="193" name="Shape 193"/>
+          <p:cNvPr id="200" name="Shape 200"/>
           <p:cNvSpPr/>
           <p:nvPr/>
         </p:nvSpPr>
@@ -13800,9 +13944,9 @@
       </p:sp>
       <p:cxnSp>
         <p:nvCxnSpPr>
-          <p:cNvPr id="194" name="Shape 194"/>
+          <p:cNvPr id="201" name="Shape 201"/>
           <p:cNvCxnSpPr>
-            <a:stCxn id="193" idx="2"/>
+            <a:stCxn id="200" idx="2"/>
           </p:cNvCxnSpPr>
           <p:nvPr/>
         </p:nvCxnSpPr>
@@ -13828,7 +13972,7 @@
       </p:cxnSp>
       <p:sp>
         <p:nvSpPr>
-          <p:cNvPr id="195" name="Shape 195"/>
+          <p:cNvPr id="202" name="Shape 202"/>
           <p:cNvSpPr/>
           <p:nvPr/>
         </p:nvSpPr>
@@ -13874,9 +14018,9 @@
       </p:sp>
       <p:cxnSp>
         <p:nvCxnSpPr>
-          <p:cNvPr id="196" name="Shape 196"/>
+          <p:cNvPr id="203" name="Shape 203"/>
           <p:cNvCxnSpPr>
-            <a:stCxn id="195" idx="2"/>
+            <a:stCxn id="202" idx="2"/>
           </p:cNvCxnSpPr>
           <p:nvPr/>
         </p:nvCxnSpPr>
@@ -13902,7 +14046,7 @@
       </p:cxnSp>
       <p:sp>
         <p:nvSpPr>
-          <p:cNvPr id="197" name="Shape 197"/>
+          <p:cNvPr id="204" name="Shape 204"/>
           <p:cNvSpPr/>
           <p:nvPr/>
         </p:nvSpPr>
@@ -13948,9 +14092,9 @@
       </p:sp>
       <p:cxnSp>
         <p:nvCxnSpPr>
-          <p:cNvPr id="198" name="Shape 198"/>
+          <p:cNvPr id="205" name="Shape 205"/>
           <p:cNvCxnSpPr>
-            <a:stCxn id="197" idx="3"/>
+            <a:stCxn id="204" idx="3"/>
           </p:cNvCxnSpPr>
           <p:nvPr/>
         </p:nvCxnSpPr>
@@ -13976,7 +14120,7 @@
       </p:cxnSp>
       <p:sp>
         <p:nvSpPr>
-          <p:cNvPr id="199" name="Shape 199"/>
+          <p:cNvPr id="206" name="Shape 206"/>
           <p:cNvSpPr txBox="1"/>
           <p:nvPr/>
         </p:nvSpPr>
@@ -14021,7 +14165,7 @@
       </p:sp>
       <p:sp>
         <p:nvSpPr>
-          <p:cNvPr id="200" name="Shape 200"/>
+          <p:cNvPr id="207" name="Shape 207"/>
           <p:cNvSpPr txBox="1"/>
           <p:nvPr/>
         </p:nvSpPr>
@@ -14066,7 +14210,7 @@
       </p:sp>
       <p:cxnSp>
         <p:nvCxnSpPr>
-          <p:cNvPr id="201" name="Shape 201"/>
+          <p:cNvPr id="208" name="Shape 208"/>
           <p:cNvCxnSpPr/>
           <p:nvPr/>
         </p:nvCxnSpPr>
@@ -14092,7 +14236,7 @@
       </p:cxnSp>
       <p:sp>
         <p:nvSpPr>
-          <p:cNvPr id="202" name="Shape 202"/>
+          <p:cNvPr id="209" name="Shape 209"/>
           <p:cNvSpPr/>
           <p:nvPr/>
         </p:nvSpPr>
@@ -14138,7 +14282,7 @@
       </p:sp>
       <p:sp>
         <p:nvSpPr>
-          <p:cNvPr id="203" name="Shape 203"/>
+          <p:cNvPr id="210" name="Shape 210"/>
           <p:cNvSpPr/>
           <p:nvPr/>
         </p:nvSpPr>
@@ -14187,9 +14331,9 @@
       </p:sp>
       <p:cxnSp>
         <p:nvCxnSpPr>
-          <p:cNvPr id="204" name="Shape 204"/>
+          <p:cNvPr id="211" name="Shape 211"/>
           <p:cNvCxnSpPr>
-            <a:stCxn id="202" idx="2"/>
+            <a:stCxn id="209" idx="2"/>
           </p:cNvCxnSpPr>
           <p:nvPr/>
         </p:nvCxnSpPr>
@@ -14215,7 +14359,7 @@
       </p:cxnSp>
       <p:sp>
         <p:nvSpPr>
-          <p:cNvPr id="205" name="Shape 205"/>
+          <p:cNvPr id="212" name="Shape 212"/>
           <p:cNvSpPr/>
           <p:nvPr/>
         </p:nvSpPr>
@@ -14261,7 +14405,7 @@
       </p:sp>
       <p:cxnSp>
         <p:nvCxnSpPr>
-          <p:cNvPr id="206" name="Shape 206"/>
+          <p:cNvPr id="213" name="Shape 213"/>
           <p:cNvCxnSpPr/>
           <p:nvPr/>
         </p:nvCxnSpPr>
@@ -14287,7 +14431,7 @@
       </p:cxnSp>
       <p:sp>
         <p:nvSpPr>
-          <p:cNvPr id="207" name="Shape 207"/>
+          <p:cNvPr id="214" name="Shape 214"/>
           <p:cNvSpPr/>
           <p:nvPr/>
         </p:nvSpPr>
@@ -14333,9 +14477,9 @@
       </p:sp>
       <p:cxnSp>
         <p:nvCxnSpPr>
-          <p:cNvPr id="208" name="Shape 208"/>
+          <p:cNvPr id="215" name="Shape 215"/>
           <p:cNvCxnSpPr>
-            <a:stCxn id="207" idx="2"/>
+            <a:stCxn id="214" idx="2"/>
           </p:cNvCxnSpPr>
           <p:nvPr/>
         </p:nvCxnSpPr>
@@ -14361,7 +14505,7 @@
       </p:cxnSp>
       <p:cxnSp>
         <p:nvCxnSpPr>
-          <p:cNvPr id="209" name="Shape 209"/>
+          <p:cNvPr id="216" name="Shape 216"/>
           <p:cNvCxnSpPr/>
           <p:nvPr/>
         </p:nvCxnSpPr>
@@ -14387,7 +14531,7 @@
       </p:cxnSp>
       <p:sp>
         <p:nvSpPr>
-          <p:cNvPr id="210" name="Shape 210"/>
+          <p:cNvPr id="217" name="Shape 217"/>
           <p:cNvSpPr/>
           <p:nvPr/>
         </p:nvSpPr>
@@ -14436,9 +14580,9 @@
       </p:sp>
       <p:cxnSp>
         <p:nvCxnSpPr>
-          <p:cNvPr id="211" name="Shape 211"/>
+          <p:cNvPr id="218" name="Shape 218"/>
           <p:cNvCxnSpPr>
-            <a:stCxn id="210" idx="1"/>
+            <a:stCxn id="217" idx="1"/>
           </p:cNvCxnSpPr>
           <p:nvPr/>
         </p:nvCxnSpPr>
@@ -14464,7 +14608,7 @@
       </p:cxnSp>
       <p:cxnSp>
         <p:nvCxnSpPr>
-          <p:cNvPr id="212" name="Shape 212"/>
+          <p:cNvPr id="219" name="Shape 219"/>
           <p:cNvCxnSpPr/>
           <p:nvPr/>
         </p:nvCxnSpPr>
@@ -14490,7 +14634,7 @@
       </p:cxnSp>
       <p:sp>
         <p:nvSpPr>
-          <p:cNvPr id="213" name="Shape 213"/>
+          <p:cNvPr id="220" name="Shape 220"/>
           <p:cNvSpPr/>
           <p:nvPr/>
         </p:nvSpPr>
@@ -14536,7 +14680,7 @@
       </p:sp>
       <p:sp>
         <p:nvSpPr>
-          <p:cNvPr id="214" name="Shape 214"/>
+          <p:cNvPr id="221" name="Shape 221"/>
           <p:cNvSpPr/>
           <p:nvPr/>
         </p:nvSpPr>
@@ -14582,9 +14726,9 @@
       </p:sp>
       <p:cxnSp>
         <p:nvCxnSpPr>
-          <p:cNvPr id="215" name="Shape 215"/>
+          <p:cNvPr id="222" name="Shape 222"/>
           <p:cNvCxnSpPr>
-            <a:stCxn id="197" idx="2"/>
+            <a:stCxn id="204" idx="2"/>
           </p:cNvCxnSpPr>
           <p:nvPr/>
         </p:nvCxnSpPr>
@@ -14610,7 +14754,7 @@
       </p:cxnSp>
       <p:cxnSp>
         <p:nvCxnSpPr>
-          <p:cNvPr id="216" name="Shape 216"/>
+          <p:cNvPr id="223" name="Shape 223"/>
           <p:cNvCxnSpPr/>
           <p:nvPr/>
         </p:nvCxnSpPr>
@@ -14646,6 +14790,285 @@
 </file>
 
 <file path=ppt/theme/theme1.xml><?xml version="1.0" encoding="utf-8"?>
+<a:theme xmlns:a="http://schemas.openxmlformats.org/drawingml/2006/main" xmlns:r="http://schemas.openxmlformats.org/officeDocument/2006/relationships" name="Custom Theme">
+  <a:themeElements>
+    <a:clrScheme name="Default">
+      <a:dk1>
+        <a:srgbClr val="000000"/>
+      </a:dk1>
+      <a:lt1>
+        <a:srgbClr val="FFFFFF"/>
+      </a:lt1>
+      <a:dk2>
+        <a:srgbClr val="158158"/>
+      </a:dk2>
+      <a:lt2>
+        <a:srgbClr val="F3F3F3"/>
+      </a:lt2>
+      <a:accent1>
+        <a:srgbClr val="058DC7"/>
+      </a:accent1>
+      <a:accent2>
+        <a:srgbClr val="50B432"/>
+      </a:accent2>
+      <a:accent3>
+        <a:srgbClr val="ED561B"/>
+      </a:accent3>
+      <a:accent4>
+        <a:srgbClr val="EDEF00"/>
+      </a:accent4>
+      <a:accent5>
+        <a:srgbClr val="24CBE5"/>
+      </a:accent5>
+      <a:accent6>
+        <a:srgbClr val="64E572"/>
+      </a:accent6>
+      <a:hlink>
+        <a:srgbClr val="2200CC"/>
+      </a:hlink>
+      <a:folHlink>
+        <a:srgbClr val="551A8B"/>
+      </a:folHlink>
+    </a:clrScheme>
+    <a:fontScheme name="Office">
+      <a:majorFont>
+        <a:latin typeface="Arial"/>
+        <a:ea typeface=""/>
+        <a:cs typeface=""/>
+        <a:font script="Jpan" typeface="ＭＳ Ｐゴシック"/>
+        <a:font script="Hang" typeface="맑은 고딕"/>
+        <a:font script="Hans" typeface="宋体"/>
+        <a:font script="Hant" typeface="新細明體"/>
+        <a:font script="Arab" typeface="Times New Roman"/>
+        <a:font script="Hebr" typeface="Times New Roman"/>
+        <a:font script="Thai" typeface="Angsana New"/>
+        <a:font script="Ethi" typeface="Nyala"/>
+        <a:font script="Beng" typeface="Vrinda"/>
+        <a:font script="Gujr" typeface="Shruti"/>
+        <a:font script="Khmr" typeface="MoolBoran"/>
+        <a:font script="Knda" typeface="Tunga"/>
+        <a:font script="Guru" typeface="Raavi"/>
+        <a:font script="Cans" typeface="Euphemia"/>
+        <a:font script="Cher" typeface="Plantagenet Cherokee"/>
+        <a:font script="Yiii" typeface="Microsoft Yi Baiti"/>
+        <a:font script="Tibt" typeface="Microsoft Himalaya"/>
+        <a:font script="Thaa" typeface="MV Boli"/>
+        <a:font script="Deva" typeface="Mangal"/>
+        <a:font script="Telu" typeface="Gautami"/>
+        <a:font script="Taml" typeface="Latha"/>
+        <a:font script="Syrc" typeface="Estrangelo Edessa"/>
+        <a:font script="Orya" typeface="Kalinga"/>
+        <a:font script="Mlym" typeface="Kartika"/>
+        <a:font script="Laoo" typeface="DokChampa"/>
+        <a:font script="Sinh" typeface="Iskoola Pota"/>
+        <a:font script="Mong" typeface="Mongolian Baiti"/>
+        <a:font script="Viet" typeface="Times New Roman"/>
+        <a:font script="Uigh" typeface="Microsoft Uighur"/>
+        <a:font script="Geor" typeface="Sylfaen"/>
+      </a:majorFont>
+      <a:minorFont>
+        <a:latin typeface="Arial"/>
+        <a:ea typeface=""/>
+        <a:cs typeface=""/>
+        <a:font script="Jpan" typeface="ＭＳ Ｐゴシック"/>
+        <a:font script="Hang" typeface="맑은 고딕"/>
+        <a:font script="Hans" typeface="宋体"/>
+        <a:font script="Hant" typeface="新細明體"/>
+        <a:font script="Arab" typeface="Arial"/>
+        <a:font script="Hebr" typeface="Arial"/>
+        <a:font script="Thai" typeface="Cordia New"/>
+        <a:font script="Ethi" typeface="Nyala"/>
+        <a:font script="Beng" typeface="Vrinda"/>
+        <a:font script="Gujr" typeface="Shruti"/>
+        <a:font script="Khmr" typeface="DaunPenh"/>
+        <a:font script="Knda" typeface="Tunga"/>
+        <a:font script="Guru" typeface="Raavi"/>
+        <a:font script="Cans" typeface="Euphemia"/>
+        <a:font script="Cher" typeface="Plantagenet Cherokee"/>
+        <a:font script="Yiii" typeface="Microsoft Yi Baiti"/>
+        <a:font script="Tibt" typeface="Microsoft Himalaya"/>
+        <a:font script="Thaa" typeface="MV Boli"/>
+        <a:font script="Deva" typeface="Mangal"/>
+        <a:font script="Telu" typeface="Gautami"/>
+        <a:font script="Taml" typeface="Latha"/>
+        <a:font script="Syrc" typeface="Estrangelo Edessa"/>
+        <a:font script="Orya" typeface="Kalinga"/>
+        <a:font script="Mlym" typeface="Kartika"/>
+        <a:font script="Laoo" typeface="DokChampa"/>
+        <a:font script="Sinh" typeface="Iskoola Pota"/>
+        <a:font script="Mong" typeface="Mongolian Baiti"/>
+        <a:font script="Viet" typeface="Arial"/>
+        <a:font script="Uigh" typeface="Microsoft Uighur"/>
+        <a:font script="Geor" typeface="Sylfaen"/>
+      </a:minorFont>
+    </a:fontScheme>
+    <a:fmtScheme name="Office">
+      <a:fillStyleLst>
+        <a:solidFill>
+          <a:schemeClr val="phClr"/>
+        </a:solidFill>
+        <a:gradFill rotWithShape="1">
+          <a:gsLst>
+            <a:gs pos="0">
+              <a:schemeClr val="phClr">
+                <a:tint val="50000"/>
+                <a:satMod val="300000"/>
+              </a:schemeClr>
+            </a:gs>
+            <a:gs pos="35000">
+              <a:schemeClr val="phClr">
+                <a:tint val="37000"/>
+                <a:satMod val="300000"/>
+              </a:schemeClr>
+            </a:gs>
+            <a:gs pos="100000">
+              <a:schemeClr val="phClr">
+                <a:tint val="15000"/>
+                <a:satMod val="350000"/>
+              </a:schemeClr>
+            </a:gs>
+          </a:gsLst>
+          <a:lin ang="16200000" scaled="1"/>
+        </a:gradFill>
+        <a:gradFill rotWithShape="1">
+          <a:gsLst>
+            <a:gs pos="0">
+              <a:schemeClr val="phClr">
+                <a:tint val="100000"/>
+                <a:shade val="100000"/>
+                <a:satMod val="130000"/>
+              </a:schemeClr>
+            </a:gs>
+            <a:gs pos="100000">
+              <a:schemeClr val="phClr">
+                <a:tint val="50000"/>
+                <a:shade val="100000"/>
+                <a:satMod val="350000"/>
+              </a:schemeClr>
+            </a:gs>
+          </a:gsLst>
+          <a:lin ang="16200000" scaled="0"/>
+        </a:gradFill>
+      </a:fillStyleLst>
+      <a:lnStyleLst>
+        <a:ln w="9525" cap="flat" cmpd="sng" algn="ctr">
+          <a:solidFill>
+            <a:schemeClr val="phClr">
+              <a:shade val="95000"/>
+              <a:satMod val="105000"/>
+            </a:schemeClr>
+          </a:solidFill>
+          <a:prstDash val="solid"/>
+        </a:ln>
+        <a:ln w="25400" cap="flat" cmpd="sng" algn="ctr">
+          <a:solidFill>
+            <a:schemeClr val="phClr"/>
+          </a:solidFill>
+          <a:prstDash val="solid"/>
+        </a:ln>
+        <a:ln w="38100" cap="flat" cmpd="sng" algn="ctr">
+          <a:solidFill>
+            <a:schemeClr val="phClr"/>
+          </a:solidFill>
+          <a:prstDash val="solid"/>
+        </a:ln>
+      </a:lnStyleLst>
+      <a:effectStyleLst>
+        <a:effectStyle>
+          <a:effectLst>
+            <a:outerShdw blurRad="40000" dist="20000" dir="5400000" rotWithShape="0">
+              <a:srgbClr val="000000">
+                <a:alpha val="38000"/>
+              </a:srgbClr>
+            </a:outerShdw>
+          </a:effectLst>
+        </a:effectStyle>
+        <a:effectStyle>
+          <a:effectLst>
+            <a:outerShdw blurRad="40000" dist="23000" dir="5400000" rotWithShape="0">
+              <a:srgbClr val="000000">
+                <a:alpha val="35000"/>
+              </a:srgbClr>
+            </a:outerShdw>
+          </a:effectLst>
+        </a:effectStyle>
+        <a:effectStyle>
+          <a:effectLst>
+            <a:outerShdw blurRad="40000" dist="23000" dir="5400000" rotWithShape="0">
+              <a:srgbClr val="000000">
+                <a:alpha val="35000"/>
+              </a:srgbClr>
+            </a:outerShdw>
+          </a:effectLst>
+          <a:scene3d>
+            <a:camera prst="orthographicFront">
+              <a:rot lat="0" lon="0" rev="0"/>
+            </a:camera>
+            <a:lightRig rig="threePt" dir="t">
+              <a:rot lat="0" lon="0" rev="1200000"/>
+            </a:lightRig>
+          </a:scene3d>
+          <a:sp3d>
+            <a:bevelT w="63500" h="25400"/>
+          </a:sp3d>
+        </a:effectStyle>
+      </a:effectStyleLst>
+      <a:bgFillStyleLst>
+        <a:solidFill>
+          <a:schemeClr val="phClr"/>
+        </a:solidFill>
+        <a:gradFill rotWithShape="1">
+          <a:gsLst>
+            <a:gs pos="0">
+              <a:schemeClr val="phClr">
+                <a:tint val="40000"/>
+                <a:satMod val="350000"/>
+              </a:schemeClr>
+            </a:gs>
+            <a:gs pos="40000">
+              <a:schemeClr val="phClr">
+                <a:tint val="45000"/>
+                <a:shade val="99000"/>
+                <a:satMod val="350000"/>
+              </a:schemeClr>
+            </a:gs>
+            <a:gs pos="100000">
+              <a:schemeClr val="phClr">
+                <a:shade val="20000"/>
+                <a:satMod val="255000"/>
+              </a:schemeClr>
+            </a:gs>
+          </a:gsLst>
+          <a:path path="circle">
+            <a:fillToRect l="50000" t="-80000" r="50000" b="180000"/>
+          </a:path>
+        </a:gradFill>
+        <a:gradFill rotWithShape="1">
+          <a:gsLst>
+            <a:gs pos="0">
+              <a:schemeClr val="phClr">
+                <a:tint val="80000"/>
+                <a:satMod val="300000"/>
+              </a:schemeClr>
+            </a:gs>
+            <a:gs pos="100000">
+              <a:schemeClr val="phClr">
+                <a:shade val="30000"/>
+                <a:satMod val="200000"/>
+              </a:schemeClr>
+            </a:gs>
+          </a:gsLst>
+          <a:path path="circle">
+            <a:fillToRect l="50000" t="50000" r="50000" b="50000"/>
+          </a:path>
+        </a:gradFill>
+      </a:bgFillStyleLst>
+    </a:fmtScheme>
+  </a:themeElements>
+</a:theme>
+</file>
+
+<file path=ppt/theme/theme2.xml><?xml version="1.0" encoding="utf-8"?>
 <a:theme xmlns:a="http://schemas.openxmlformats.org/drawingml/2006/main" xmlns:r="http://schemas.openxmlformats.org/officeDocument/2006/relationships" name="simple-light-2">
   <a:themeElements>
     <a:clrScheme name="Simple Light">
@@ -14922,283 +15345,4 @@
     </a:fmtScheme>
   </a:themeElements>
 </a:theme>
-</file>
-
-<file path=ppt/theme/theme2.xml><?xml version="1.0" encoding="utf-8"?>
-<a:theme xmlns:a="http://schemas.openxmlformats.org/drawingml/2006/main" xmlns:r="http://schemas.openxmlformats.org/officeDocument/2006/relationships" name="Custom Theme">
-  <a:themeElements>
-    <a:clrScheme name="Default">
-      <a:dk1>
-        <a:srgbClr val="000000"/>
-      </a:dk1>
-      <a:lt1>
-        <a:srgbClr val="FFFFFF"/>
-      </a:lt1>
-      <a:dk2>
-        <a:srgbClr val="158158"/>
-      </a:dk2>
-      <a:lt2>
-        <a:srgbClr val="F3F3F3"/>
-      </a:lt2>
-      <a:accent1>
-        <a:srgbClr val="058DC7"/>
-      </a:accent1>
-      <a:accent2>
-        <a:srgbClr val="50B432"/>
-      </a:accent2>
-      <a:accent3>
-        <a:srgbClr val="ED561B"/>
-      </a:accent3>
-      <a:accent4>
-        <a:srgbClr val="EDEF00"/>
-      </a:accent4>
-      <a:accent5>
-        <a:srgbClr val="24CBE5"/>
-      </a:accent5>
-      <a:accent6>
-        <a:srgbClr val="64E572"/>
-      </a:accent6>
-      <a:hlink>
-        <a:srgbClr val="2200CC"/>
-      </a:hlink>
-      <a:folHlink>
-        <a:srgbClr val="551A8B"/>
-      </a:folHlink>
-    </a:clrScheme>
-    <a:fontScheme name="Office">
-      <a:majorFont>
-        <a:latin typeface="Arial"/>
-        <a:ea typeface=""/>
-        <a:cs typeface=""/>
-        <a:font script="Jpan" typeface="ＭＳ Ｐゴシック"/>
-        <a:font script="Hang" typeface="맑은 고딕"/>
-        <a:font script="Hans" typeface="宋体"/>
-        <a:font script="Hant" typeface="新細明體"/>
-        <a:font script="Arab" typeface="Times New Roman"/>
-        <a:font script="Hebr" typeface="Times New Roman"/>
-        <a:font script="Thai" typeface="Angsana New"/>
-        <a:font script="Ethi" typeface="Nyala"/>
-        <a:font script="Beng" typeface="Vrinda"/>
-        <a:font script="Gujr" typeface="Shruti"/>
-        <a:font script="Khmr" typeface="MoolBoran"/>
-        <a:font script="Knda" typeface="Tunga"/>
-        <a:font script="Guru" typeface="Raavi"/>
-        <a:font script="Cans" typeface="Euphemia"/>
-        <a:font script="Cher" typeface="Plantagenet Cherokee"/>
-        <a:font script="Yiii" typeface="Microsoft Yi Baiti"/>
-        <a:font script="Tibt" typeface="Microsoft Himalaya"/>
-        <a:font script="Thaa" typeface="MV Boli"/>
-        <a:font script="Deva" typeface="Mangal"/>
-        <a:font script="Telu" typeface="Gautami"/>
-        <a:font script="Taml" typeface="Latha"/>
-        <a:font script="Syrc" typeface="Estrangelo Edessa"/>
-        <a:font script="Orya" typeface="Kalinga"/>
-        <a:font script="Mlym" typeface="Kartika"/>
-        <a:font script="Laoo" typeface="DokChampa"/>
-        <a:font script="Sinh" typeface="Iskoola Pota"/>
-        <a:font script="Mong" typeface="Mongolian Baiti"/>
-        <a:font script="Viet" typeface="Times New Roman"/>
-        <a:font script="Uigh" typeface="Microsoft Uighur"/>
-        <a:font script="Geor" typeface="Sylfaen"/>
-      </a:majorFont>
-      <a:minorFont>
-        <a:latin typeface="Arial"/>
-        <a:ea typeface=""/>
-        <a:cs typeface=""/>
-        <a:font script="Jpan" typeface="ＭＳ Ｐゴシック"/>
-        <a:font script="Hang" typeface="맑은 고딕"/>
-        <a:font script="Hans" typeface="宋体"/>
-        <a:font script="Hant" typeface="新細明體"/>
-        <a:font script="Arab" typeface="Arial"/>
-        <a:font script="Hebr" typeface="Arial"/>
-        <a:font script="Thai" typeface="Cordia New"/>
-        <a:font script="Ethi" typeface="Nyala"/>
-        <a:font script="Beng" typeface="Vrinda"/>
-        <a:font script="Gujr" typeface="Shruti"/>
-        <a:font script="Khmr" typeface="DaunPenh"/>
-        <a:font script="Knda" typeface="Tunga"/>
-        <a:font script="Guru" typeface="Raavi"/>
-        <a:font script="Cans" typeface="Euphemia"/>
-        <a:font script="Cher" typeface="Plantagenet Cherokee"/>
-        <a:font script="Yiii" typeface="Microsoft Yi Baiti"/>
-        <a:font script="Tibt" typeface="Microsoft Himalaya"/>
-        <a:font script="Thaa" typeface="MV Boli"/>
-        <a:font script="Deva" typeface="Mangal"/>
-        <a:font script="Telu" typeface="Gautami"/>
-        <a:font script="Taml" typeface="Latha"/>
-        <a:font script="Syrc" typeface="Estrangelo Edessa"/>
-        <a:font script="Orya" typeface="Kalinga"/>
-        <a:font script="Mlym" typeface="Kartika"/>
-        <a:font script="Laoo" typeface="DokChampa"/>
-        <a:font script="Sinh" typeface="Iskoola Pota"/>
-        <a:font script="Mong" typeface="Mongolian Baiti"/>
-        <a:font script="Viet" typeface="Arial"/>
-        <a:font script="Uigh" typeface="Microsoft Uighur"/>
-        <a:font script="Geor" typeface="Sylfaen"/>
-      </a:minorFont>
-    </a:fontScheme>
-    <a:fmtScheme name="Office">
-      <a:fillStyleLst>
-        <a:solidFill>
-          <a:schemeClr val="phClr"/>
-        </a:solidFill>
-        <a:gradFill rotWithShape="1">
-          <a:gsLst>
-            <a:gs pos="0">
-              <a:schemeClr val="phClr">
-                <a:tint val="50000"/>
-                <a:satMod val="300000"/>
-              </a:schemeClr>
-            </a:gs>
-            <a:gs pos="35000">
-              <a:schemeClr val="phClr">
-                <a:tint val="37000"/>
-                <a:satMod val="300000"/>
-              </a:schemeClr>
-            </a:gs>
-            <a:gs pos="100000">
-              <a:schemeClr val="phClr">
-                <a:tint val="15000"/>
-                <a:satMod val="350000"/>
-              </a:schemeClr>
-            </a:gs>
-          </a:gsLst>
-          <a:lin ang="16200000" scaled="1"/>
-        </a:gradFill>
-        <a:gradFill rotWithShape="1">
-          <a:gsLst>
-            <a:gs pos="0">
-              <a:schemeClr val="phClr">
-                <a:tint val="100000"/>
-                <a:shade val="100000"/>
-                <a:satMod val="130000"/>
-              </a:schemeClr>
-            </a:gs>
-            <a:gs pos="100000">
-              <a:schemeClr val="phClr">
-                <a:tint val="50000"/>
-                <a:shade val="100000"/>
-                <a:satMod val="350000"/>
-              </a:schemeClr>
-            </a:gs>
-          </a:gsLst>
-          <a:lin ang="16200000" scaled="0"/>
-        </a:gradFill>
-      </a:fillStyleLst>
-      <a:lnStyleLst>
-        <a:ln w="9525" cap="flat" cmpd="sng" algn="ctr">
-          <a:solidFill>
-            <a:schemeClr val="phClr">
-              <a:shade val="95000"/>
-              <a:satMod val="105000"/>
-            </a:schemeClr>
-          </a:solidFill>
-          <a:prstDash val="solid"/>
-        </a:ln>
-        <a:ln w="25400" cap="flat" cmpd="sng" algn="ctr">
-          <a:solidFill>
-            <a:schemeClr val="phClr"/>
-          </a:solidFill>
-          <a:prstDash val="solid"/>
-        </a:ln>
-        <a:ln w="38100" cap="flat" cmpd="sng" algn="ctr">
-          <a:solidFill>
-            <a:schemeClr val="phClr"/>
-          </a:solidFill>
-          <a:prstDash val="solid"/>
-        </a:ln>
-      </a:lnStyleLst>
-      <a:effectStyleLst>
-        <a:effectStyle>
-          <a:effectLst>
-            <a:outerShdw blurRad="40000" dist="20000" dir="5400000" rotWithShape="0">
-              <a:srgbClr val="000000">
-                <a:alpha val="38000"/>
-              </a:srgbClr>
-            </a:outerShdw>
-          </a:effectLst>
-        </a:effectStyle>
-        <a:effectStyle>
-          <a:effectLst>
-            <a:outerShdw blurRad="40000" dist="23000" dir="5400000" rotWithShape="0">
-              <a:srgbClr val="000000">
-                <a:alpha val="35000"/>
-              </a:srgbClr>
-            </a:outerShdw>
-          </a:effectLst>
-        </a:effectStyle>
-        <a:effectStyle>
-          <a:effectLst>
-            <a:outerShdw blurRad="40000" dist="23000" dir="5400000" rotWithShape="0">
-              <a:srgbClr val="000000">
-                <a:alpha val="35000"/>
-              </a:srgbClr>
-            </a:outerShdw>
-          </a:effectLst>
-          <a:scene3d>
-            <a:camera prst="orthographicFront">
-              <a:rot lat="0" lon="0" rev="0"/>
-            </a:camera>
-            <a:lightRig rig="threePt" dir="t">
-              <a:rot lat="0" lon="0" rev="1200000"/>
-            </a:lightRig>
-          </a:scene3d>
-          <a:sp3d>
-            <a:bevelT w="63500" h="25400"/>
-          </a:sp3d>
-        </a:effectStyle>
-      </a:effectStyleLst>
-      <a:bgFillStyleLst>
-        <a:solidFill>
-          <a:schemeClr val="phClr"/>
-        </a:solidFill>
-        <a:gradFill rotWithShape="1">
-          <a:gsLst>
-            <a:gs pos="0">
-              <a:schemeClr val="phClr">
-                <a:tint val="40000"/>
-                <a:satMod val="350000"/>
-              </a:schemeClr>
-            </a:gs>
-            <a:gs pos="40000">
-              <a:schemeClr val="phClr">
-                <a:tint val="45000"/>
-                <a:shade val="99000"/>
-                <a:satMod val="350000"/>
-              </a:schemeClr>
-            </a:gs>
-            <a:gs pos="100000">
-              <a:schemeClr val="phClr">
-                <a:shade val="20000"/>
-                <a:satMod val="255000"/>
-              </a:schemeClr>
-            </a:gs>
-          </a:gsLst>
-          <a:path path="circle">
-            <a:fillToRect l="50000" t="-80000" r="50000" b="180000"/>
-          </a:path>
-        </a:gradFill>
-        <a:gradFill rotWithShape="1">
-          <a:gsLst>
-            <a:gs pos="0">
-              <a:schemeClr val="phClr">
-                <a:tint val="80000"/>
-                <a:satMod val="300000"/>
-              </a:schemeClr>
-            </a:gs>
-            <a:gs pos="100000">
-              <a:schemeClr val="phClr">
-                <a:shade val="30000"/>
-                <a:satMod val="200000"/>
-              </a:schemeClr>
-            </a:gs>
-          </a:gsLst>
-          <a:path path="circle">
-            <a:fillToRect l="50000" t="50000" r="50000" b="50000"/>
-          </a:path>
-        </a:gradFill>
-      </a:bgFillStyleLst>
-    </a:fmtScheme>
-  </a:themeElements>
-</a:theme>
 </file>